--- a/docs/powerpoint/UiClassDiagram.pptx
+++ b/docs/powerpoint/UiClassDiagram.pptx
@@ -2,18 +2,18 @@
 <file path=ppt/presentation.xml><?xml version="1.0" encoding="utf-8"?>
 <p:presentation xmlns:a="http://schemas.openxmlformats.org/drawingml/2006/main" xmlns:r="http://schemas.openxmlformats.org/officeDocument/2006/relationships" xmlns:p="http://schemas.openxmlformats.org/presentationml/2006/main" saveSubsetFonts="1">
   <p:sldMasterIdLst>
-    <p:sldMasterId id="2147483648" r:id="rId4"/>
+    <p:sldMasterId id="2147483672" r:id="rId4"/>
   </p:sldMasterIdLst>
   <p:sldIdLst>
     <p:sldId id="256" r:id="rId5"/>
   </p:sldIdLst>
-  <p:sldSz cx="12192000" cy="6858000"/>
+  <p:sldSz cx="21599525" cy="21599525"/>
   <p:notesSz cx="6858000" cy="9144000"/>
   <p:defaultTextStyle>
     <a:defPPr>
       <a:defRPr lang="en-US"/>
     </a:defPPr>
-    <a:lvl1pPr marL="0" algn="l" defTabSz="914400" rtl="0" eaLnBrk="1" latinLnBrk="0" hangingPunct="1">
+    <a:lvl1pPr marL="0" algn="l" defTabSz="457200" rtl="0" eaLnBrk="1" latinLnBrk="0" hangingPunct="1">
       <a:defRPr sz="1800" kern="1200">
         <a:solidFill>
           <a:schemeClr val="tx1"/>
@@ -23,7 +23,7 @@
         <a:cs typeface="+mn-cs"/>
       </a:defRPr>
     </a:lvl1pPr>
-    <a:lvl2pPr marL="457200" algn="l" defTabSz="914400" rtl="0" eaLnBrk="1" latinLnBrk="0" hangingPunct="1">
+    <a:lvl2pPr marL="457200" algn="l" defTabSz="457200" rtl="0" eaLnBrk="1" latinLnBrk="0" hangingPunct="1">
       <a:defRPr sz="1800" kern="1200">
         <a:solidFill>
           <a:schemeClr val="tx1"/>
@@ -33,7 +33,7 @@
         <a:cs typeface="+mn-cs"/>
       </a:defRPr>
     </a:lvl2pPr>
-    <a:lvl3pPr marL="914400" algn="l" defTabSz="914400" rtl="0" eaLnBrk="1" latinLnBrk="0" hangingPunct="1">
+    <a:lvl3pPr marL="914400" algn="l" defTabSz="457200" rtl="0" eaLnBrk="1" latinLnBrk="0" hangingPunct="1">
       <a:defRPr sz="1800" kern="1200">
         <a:solidFill>
           <a:schemeClr val="tx1"/>
@@ -43,7 +43,7 @@
         <a:cs typeface="+mn-cs"/>
       </a:defRPr>
     </a:lvl3pPr>
-    <a:lvl4pPr marL="1371600" algn="l" defTabSz="914400" rtl="0" eaLnBrk="1" latinLnBrk="0" hangingPunct="1">
+    <a:lvl4pPr marL="1371600" algn="l" defTabSz="457200" rtl="0" eaLnBrk="1" latinLnBrk="0" hangingPunct="1">
       <a:defRPr sz="1800" kern="1200">
         <a:solidFill>
           <a:schemeClr val="tx1"/>
@@ -53,7 +53,7 @@
         <a:cs typeface="+mn-cs"/>
       </a:defRPr>
     </a:lvl4pPr>
-    <a:lvl5pPr marL="1828800" algn="l" defTabSz="914400" rtl="0" eaLnBrk="1" latinLnBrk="0" hangingPunct="1">
+    <a:lvl5pPr marL="1828800" algn="l" defTabSz="457200" rtl="0" eaLnBrk="1" latinLnBrk="0" hangingPunct="1">
       <a:defRPr sz="1800" kern="1200">
         <a:solidFill>
           <a:schemeClr val="tx1"/>
@@ -63,7 +63,7 @@
         <a:cs typeface="+mn-cs"/>
       </a:defRPr>
     </a:lvl5pPr>
-    <a:lvl6pPr marL="2286000" algn="l" defTabSz="914400" rtl="0" eaLnBrk="1" latinLnBrk="0" hangingPunct="1">
+    <a:lvl6pPr marL="2286000" algn="l" defTabSz="457200" rtl="0" eaLnBrk="1" latinLnBrk="0" hangingPunct="1">
       <a:defRPr sz="1800" kern="1200">
         <a:solidFill>
           <a:schemeClr val="tx1"/>
@@ -73,7 +73,7 @@
         <a:cs typeface="+mn-cs"/>
       </a:defRPr>
     </a:lvl6pPr>
-    <a:lvl7pPr marL="2743200" algn="l" defTabSz="914400" rtl="0" eaLnBrk="1" latinLnBrk="0" hangingPunct="1">
+    <a:lvl7pPr marL="2743200" algn="l" defTabSz="457200" rtl="0" eaLnBrk="1" latinLnBrk="0" hangingPunct="1">
       <a:defRPr sz="1800" kern="1200">
         <a:solidFill>
           <a:schemeClr val="tx1"/>
@@ -83,7 +83,7 @@
         <a:cs typeface="+mn-cs"/>
       </a:defRPr>
     </a:lvl7pPr>
-    <a:lvl8pPr marL="3200400" algn="l" defTabSz="914400" rtl="0" eaLnBrk="1" latinLnBrk="0" hangingPunct="1">
+    <a:lvl8pPr marL="3200400" algn="l" defTabSz="457200" rtl="0" eaLnBrk="1" latinLnBrk="0" hangingPunct="1">
       <a:defRPr sz="1800" kern="1200">
         <a:solidFill>
           <a:schemeClr val="tx1"/>
@@ -93,7 +93,7 @@
         <a:cs typeface="+mn-cs"/>
       </a:defRPr>
     </a:lvl8pPr>
-    <a:lvl9pPr marL="3657600" algn="l" defTabSz="914400" rtl="0" eaLnBrk="1" latinLnBrk="0" hangingPunct="1">
+    <a:lvl9pPr marL="3657600" algn="l" defTabSz="457200" rtl="0" eaLnBrk="1" latinLnBrk="0" hangingPunct="1">
       <a:defRPr sz="1800" kern="1200">
         <a:solidFill>
           <a:schemeClr val="tx1"/>
@@ -104,6 +104,11 @@
       </a:defRPr>
     </a:lvl9pPr>
   </p:defaultTextStyle>
+  <p:extLst>
+    <p:ext uri="{EFAFB233-063F-42B5-8137-9DF3F51BA10A}">
+      <p15:sldGuideLst xmlns:p15="http://schemas.microsoft.com/office/powerpoint/2012/main"/>
+    </p:ext>
+  </p:extLst>
 </p:presentation>
 </file>
 
@@ -126,13 +131,7 @@
       </p:grpSpPr>
       <p:sp>
         <p:nvSpPr>
-          <p:cNvPr id="2" name="Title 1">
-            <a:extLst>
-              <a:ext uri="{FF2B5EF4-FFF2-40B4-BE49-F238E27FC236}">
-                <a16:creationId xmlns:a16="http://schemas.microsoft.com/office/drawing/2014/main" id="{0EF949E7-2673-4555-8340-4AAADE0960E7}"/>
-              </a:ext>
-            </a:extLst>
-          </p:cNvPr>
+          <p:cNvPr id="2" name="Title 1"/>
           <p:cNvSpPr>
             <a:spLocks noGrp="1"/>
           </p:cNvSpPr>
@@ -142,15 +141,15 @@
         </p:nvSpPr>
         <p:spPr>
           <a:xfrm>
-            <a:off x="1524000" y="1122363"/>
-            <a:ext cx="9144000" cy="2387600"/>
+            <a:off x="1619965" y="3534924"/>
+            <a:ext cx="18359596" cy="7519835"/>
           </a:xfrm>
         </p:spPr>
         <p:txBody>
           <a:bodyPr anchor="b"/>
           <a:lstStyle>
             <a:lvl1pPr algn="ctr">
-              <a:defRPr sz="6000"/>
+              <a:defRPr sz="14173"/>
             </a:lvl1pPr>
           </a:lstStyle>
           <a:p>
@@ -158,19 +157,13 @@
               <a:rPr lang="en-US"/>
               <a:t>Click to edit Master title style</a:t>
             </a:r>
-            <a:endParaRPr lang="en-SG"/>
-          </a:p>
-        </p:txBody>
-      </p:sp>
-      <p:sp>
-        <p:nvSpPr>
-          <p:cNvPr id="3" name="Subtitle 2">
-            <a:extLst>
-              <a:ext uri="{FF2B5EF4-FFF2-40B4-BE49-F238E27FC236}">
-                <a16:creationId xmlns:a16="http://schemas.microsoft.com/office/drawing/2014/main" id="{A23E2371-7619-47F6-BB14-59AC5C41D896}"/>
-              </a:ext>
-            </a:extLst>
-          </p:cNvPr>
+            <a:endParaRPr lang="en-US" dirty="0"/>
+          </a:p>
+        </p:txBody>
+      </p:sp>
+      <p:sp>
+        <p:nvSpPr>
+          <p:cNvPr id="3" name="Subtitle 2"/>
           <p:cNvSpPr>
             <a:spLocks noGrp="1"/>
           </p:cNvSpPr>
@@ -180,8 +173,8 @@
         </p:nvSpPr>
         <p:spPr>
           <a:xfrm>
-            <a:off x="1524000" y="3602038"/>
-            <a:ext cx="9144000" cy="1655762"/>
+            <a:off x="2699941" y="11344752"/>
+            <a:ext cx="16199644" cy="5214884"/>
           </a:xfrm>
         </p:spPr>
         <p:txBody>
@@ -189,39 +182,39 @@
           <a:lstStyle>
             <a:lvl1pPr marL="0" indent="0" algn="ctr">
               <a:buNone/>
-              <a:defRPr sz="2400"/>
+              <a:defRPr sz="5669"/>
             </a:lvl1pPr>
-            <a:lvl2pPr marL="457200" indent="0" algn="ctr">
+            <a:lvl2pPr marL="1079998" indent="0" algn="ctr">
               <a:buNone/>
-              <a:defRPr sz="2000"/>
+              <a:defRPr sz="4724"/>
             </a:lvl2pPr>
-            <a:lvl3pPr marL="914400" indent="0" algn="ctr">
+            <a:lvl3pPr marL="2159996" indent="0" algn="ctr">
               <a:buNone/>
-              <a:defRPr sz="1800"/>
+              <a:defRPr sz="4252"/>
             </a:lvl3pPr>
-            <a:lvl4pPr marL="1371600" indent="0" algn="ctr">
+            <a:lvl4pPr marL="3239994" indent="0" algn="ctr">
               <a:buNone/>
-              <a:defRPr sz="1600"/>
+              <a:defRPr sz="3780"/>
             </a:lvl4pPr>
-            <a:lvl5pPr marL="1828800" indent="0" algn="ctr">
+            <a:lvl5pPr marL="4319991" indent="0" algn="ctr">
               <a:buNone/>
-              <a:defRPr sz="1600"/>
+              <a:defRPr sz="3780"/>
             </a:lvl5pPr>
-            <a:lvl6pPr marL="2286000" indent="0" algn="ctr">
+            <a:lvl6pPr marL="5399989" indent="0" algn="ctr">
               <a:buNone/>
-              <a:defRPr sz="1600"/>
+              <a:defRPr sz="3780"/>
             </a:lvl6pPr>
-            <a:lvl7pPr marL="2743200" indent="0" algn="ctr">
+            <a:lvl7pPr marL="6479987" indent="0" algn="ctr">
               <a:buNone/>
-              <a:defRPr sz="1600"/>
+              <a:defRPr sz="3780"/>
             </a:lvl7pPr>
-            <a:lvl8pPr marL="3200400" indent="0" algn="ctr">
+            <a:lvl8pPr marL="7559985" indent="0" algn="ctr">
               <a:buNone/>
-              <a:defRPr sz="1600"/>
+              <a:defRPr sz="3780"/>
             </a:lvl8pPr>
-            <a:lvl9pPr marL="3657600" indent="0" algn="ctr">
+            <a:lvl9pPr marL="8639983" indent="0" algn="ctr">
               <a:buNone/>
-              <a:defRPr sz="1600"/>
+              <a:defRPr sz="3780"/>
             </a:lvl9pPr>
           </a:lstStyle>
           <a:p>
@@ -229,19 +222,13 @@
               <a:rPr lang="en-US"/>
               <a:t>Click to edit Master subtitle style</a:t>
             </a:r>
-            <a:endParaRPr lang="en-SG"/>
-          </a:p>
-        </p:txBody>
-      </p:sp>
-      <p:sp>
-        <p:nvSpPr>
-          <p:cNvPr id="4" name="Date Placeholder 3">
-            <a:extLst>
-              <a:ext uri="{FF2B5EF4-FFF2-40B4-BE49-F238E27FC236}">
-                <a16:creationId xmlns:a16="http://schemas.microsoft.com/office/drawing/2014/main" id="{BF93390C-683F-471F-9749-7A6E25997BA1}"/>
-              </a:ext>
-            </a:extLst>
-          </p:cNvPr>
+            <a:endParaRPr lang="en-US" dirty="0"/>
+          </a:p>
+        </p:txBody>
+      </p:sp>
+      <p:sp>
+        <p:nvSpPr>
+          <p:cNvPr id="4" name="Date Placeholder 3"/>
           <p:cNvSpPr>
             <a:spLocks noGrp="1"/>
           </p:cNvSpPr>
@@ -256,21 +243,15 @@
           <a:p>
             <a:fld id="{E99B76BA-C258-4CF8-887D-ABD260F85578}" type="datetimeFigureOut">
               <a:rPr lang="en-SG" smtClean="0"/>
-              <a:t>20/10/2020</a:t>
+              <a:t>6/11/2020</a:t>
             </a:fld>
-            <a:endParaRPr lang="en-SG"/>
-          </a:p>
-        </p:txBody>
-      </p:sp>
-      <p:sp>
-        <p:nvSpPr>
-          <p:cNvPr id="5" name="Footer Placeholder 4">
-            <a:extLst>
-              <a:ext uri="{FF2B5EF4-FFF2-40B4-BE49-F238E27FC236}">
-                <a16:creationId xmlns:a16="http://schemas.microsoft.com/office/drawing/2014/main" id="{12567E67-BF51-4DC0-9C2D-F36CACD9AB2D}"/>
-              </a:ext>
-            </a:extLst>
-          </p:cNvPr>
+            <a:endParaRPr lang="en-SG" dirty="0"/>
+          </a:p>
+        </p:txBody>
+      </p:sp>
+      <p:sp>
+        <p:nvSpPr>
+          <p:cNvPr id="5" name="Footer Placeholder 4"/>
           <p:cNvSpPr>
             <a:spLocks noGrp="1"/>
           </p:cNvSpPr>
@@ -283,19 +264,13 @@
           <a:bodyPr/>
           <a:lstStyle/>
           <a:p>
-            <a:endParaRPr lang="en-SG"/>
-          </a:p>
-        </p:txBody>
-      </p:sp>
-      <p:sp>
-        <p:nvSpPr>
-          <p:cNvPr id="6" name="Slide Number Placeholder 5">
-            <a:extLst>
-              <a:ext uri="{FF2B5EF4-FFF2-40B4-BE49-F238E27FC236}">
-                <a16:creationId xmlns:a16="http://schemas.microsoft.com/office/drawing/2014/main" id="{C93CBC4A-1E30-4617-8ABF-52F2E594AC1A}"/>
-              </a:ext>
-            </a:extLst>
-          </p:cNvPr>
+            <a:endParaRPr lang="en-SG" dirty="0"/>
+          </a:p>
+        </p:txBody>
+      </p:sp>
+      <p:sp>
+        <p:nvSpPr>
+          <p:cNvPr id="6" name="Slide Number Placeholder 5"/>
           <p:cNvSpPr>
             <a:spLocks noGrp="1"/>
           </p:cNvSpPr>
@@ -312,14 +287,14 @@
               <a:rPr lang="en-SG" smtClean="0"/>
               <a:t>‹#›</a:t>
             </a:fld>
-            <a:endParaRPr lang="en-SG"/>
+            <a:endParaRPr lang="en-SG" dirty="0"/>
           </a:p>
         </p:txBody>
       </p:sp>
     </p:spTree>
     <p:extLst>
       <p:ext uri="{BB962C8B-B14F-4D97-AF65-F5344CB8AC3E}">
-        <p14:creationId xmlns:p14="http://schemas.microsoft.com/office/powerpoint/2010/main" val="1853009616"/>
+        <p14:creationId xmlns:p14="http://schemas.microsoft.com/office/powerpoint/2010/main" val="543387995"/>
       </p:ext>
     </p:extLst>
   </p:cSld>
@@ -348,13 +323,7 @@
       </p:grpSpPr>
       <p:sp>
         <p:nvSpPr>
-          <p:cNvPr id="2" name="Title 1">
-            <a:extLst>
-              <a:ext uri="{FF2B5EF4-FFF2-40B4-BE49-F238E27FC236}">
-                <a16:creationId xmlns:a16="http://schemas.microsoft.com/office/drawing/2014/main" id="{2227CA5E-E082-47C7-AEBA-2FE5AFF39A28}"/>
-              </a:ext>
-            </a:extLst>
-          </p:cNvPr>
+          <p:cNvPr id="2" name="Title 1"/>
           <p:cNvSpPr>
             <a:spLocks noGrp="1"/>
           </p:cNvSpPr>
@@ -371,19 +340,13 @@
               <a:rPr lang="en-US"/>
               <a:t>Click to edit Master title style</a:t>
             </a:r>
-            <a:endParaRPr lang="en-SG"/>
-          </a:p>
-        </p:txBody>
-      </p:sp>
-      <p:sp>
-        <p:nvSpPr>
-          <p:cNvPr id="3" name="Vertical Text Placeholder 2">
-            <a:extLst>
-              <a:ext uri="{FF2B5EF4-FFF2-40B4-BE49-F238E27FC236}">
-                <a16:creationId xmlns:a16="http://schemas.microsoft.com/office/drawing/2014/main" id="{45BEF5FD-5792-4E44-88F3-E57E773A3A4B}"/>
-              </a:ext>
-            </a:extLst>
-          </p:cNvPr>
+            <a:endParaRPr lang="en-US" dirty="0"/>
+          </a:p>
+        </p:txBody>
+      </p:sp>
+      <p:sp>
+        <p:nvSpPr>
+          <p:cNvPr id="3" name="Vertical Text Placeholder 2"/>
           <p:cNvSpPr>
             <a:spLocks noGrp="1"/>
           </p:cNvSpPr>
@@ -429,19 +392,13 @@
               <a:rPr lang="en-US"/>
               <a:t>Fifth level</a:t>
             </a:r>
-            <a:endParaRPr lang="en-SG"/>
-          </a:p>
-        </p:txBody>
-      </p:sp>
-      <p:sp>
-        <p:nvSpPr>
-          <p:cNvPr id="4" name="Date Placeholder 3">
-            <a:extLst>
-              <a:ext uri="{FF2B5EF4-FFF2-40B4-BE49-F238E27FC236}">
-                <a16:creationId xmlns:a16="http://schemas.microsoft.com/office/drawing/2014/main" id="{E258F47B-66DE-4649-BEC1-59D8AA9F29FA}"/>
-              </a:ext>
-            </a:extLst>
-          </p:cNvPr>
+            <a:endParaRPr lang="en-US" dirty="0"/>
+          </a:p>
+        </p:txBody>
+      </p:sp>
+      <p:sp>
+        <p:nvSpPr>
+          <p:cNvPr id="4" name="Date Placeholder 3"/>
           <p:cNvSpPr>
             <a:spLocks noGrp="1"/>
           </p:cNvSpPr>
@@ -456,21 +413,15 @@
           <a:p>
             <a:fld id="{E99B76BA-C258-4CF8-887D-ABD260F85578}" type="datetimeFigureOut">
               <a:rPr lang="en-SG" smtClean="0"/>
-              <a:t>20/10/2020</a:t>
+              <a:t>6/11/2020</a:t>
             </a:fld>
-            <a:endParaRPr lang="en-SG"/>
-          </a:p>
-        </p:txBody>
-      </p:sp>
-      <p:sp>
-        <p:nvSpPr>
-          <p:cNvPr id="5" name="Footer Placeholder 4">
-            <a:extLst>
-              <a:ext uri="{FF2B5EF4-FFF2-40B4-BE49-F238E27FC236}">
-                <a16:creationId xmlns:a16="http://schemas.microsoft.com/office/drawing/2014/main" id="{205EB0CD-4CA4-4731-AB93-1ED92F13BA05}"/>
-              </a:ext>
-            </a:extLst>
-          </p:cNvPr>
+            <a:endParaRPr lang="en-SG" dirty="0"/>
+          </a:p>
+        </p:txBody>
+      </p:sp>
+      <p:sp>
+        <p:nvSpPr>
+          <p:cNvPr id="5" name="Footer Placeholder 4"/>
           <p:cNvSpPr>
             <a:spLocks noGrp="1"/>
           </p:cNvSpPr>
@@ -483,19 +434,13 @@
           <a:bodyPr/>
           <a:lstStyle/>
           <a:p>
-            <a:endParaRPr lang="en-SG"/>
-          </a:p>
-        </p:txBody>
-      </p:sp>
-      <p:sp>
-        <p:nvSpPr>
-          <p:cNvPr id="6" name="Slide Number Placeholder 5">
-            <a:extLst>
-              <a:ext uri="{FF2B5EF4-FFF2-40B4-BE49-F238E27FC236}">
-                <a16:creationId xmlns:a16="http://schemas.microsoft.com/office/drawing/2014/main" id="{28B877AD-9106-4ADC-A40E-6F1F78DEDD90}"/>
-              </a:ext>
-            </a:extLst>
-          </p:cNvPr>
+            <a:endParaRPr lang="en-SG" dirty="0"/>
+          </a:p>
+        </p:txBody>
+      </p:sp>
+      <p:sp>
+        <p:nvSpPr>
+          <p:cNvPr id="6" name="Slide Number Placeholder 5"/>
           <p:cNvSpPr>
             <a:spLocks noGrp="1"/>
           </p:cNvSpPr>
@@ -512,14 +457,14 @@
               <a:rPr lang="en-SG" smtClean="0"/>
               <a:t>‹#›</a:t>
             </a:fld>
-            <a:endParaRPr lang="en-SG"/>
+            <a:endParaRPr lang="en-SG" dirty="0"/>
           </a:p>
         </p:txBody>
       </p:sp>
     </p:spTree>
     <p:extLst>
       <p:ext uri="{BB962C8B-B14F-4D97-AF65-F5344CB8AC3E}">
-        <p14:creationId xmlns:p14="http://schemas.microsoft.com/office/powerpoint/2010/main" val="2747302136"/>
+        <p14:creationId xmlns:p14="http://schemas.microsoft.com/office/powerpoint/2010/main" val="1461856738"/>
       </p:ext>
     </p:extLst>
   </p:cSld>
@@ -548,13 +493,7 @@
       </p:grpSpPr>
       <p:sp>
         <p:nvSpPr>
-          <p:cNvPr id="2" name="Vertical Title 1">
-            <a:extLst>
-              <a:ext uri="{FF2B5EF4-FFF2-40B4-BE49-F238E27FC236}">
-                <a16:creationId xmlns:a16="http://schemas.microsoft.com/office/drawing/2014/main" id="{8C421444-CAE3-494E-BBF3-E2FC4EDE9A09}"/>
-              </a:ext>
-            </a:extLst>
-          </p:cNvPr>
+          <p:cNvPr id="2" name="Vertical Title 1"/>
           <p:cNvSpPr>
             <a:spLocks noGrp="1"/>
           </p:cNvSpPr>
@@ -564,8 +503,8 @@
         </p:nvSpPr>
         <p:spPr>
           <a:xfrm>
-            <a:off x="8724900" y="365125"/>
-            <a:ext cx="2628900" cy="5811838"/>
+            <a:off x="15457161" y="1149975"/>
+            <a:ext cx="4657398" cy="18304599"/>
           </a:xfrm>
         </p:spPr>
         <p:txBody>
@@ -576,19 +515,13 @@
               <a:rPr lang="en-US"/>
               <a:t>Click to edit Master title style</a:t>
             </a:r>
-            <a:endParaRPr lang="en-SG"/>
-          </a:p>
-        </p:txBody>
-      </p:sp>
-      <p:sp>
-        <p:nvSpPr>
-          <p:cNvPr id="3" name="Vertical Text Placeholder 2">
-            <a:extLst>
-              <a:ext uri="{FF2B5EF4-FFF2-40B4-BE49-F238E27FC236}">
-                <a16:creationId xmlns:a16="http://schemas.microsoft.com/office/drawing/2014/main" id="{11D9FCC8-C46E-4DE8-B065-01293EAEDC53}"/>
-              </a:ext>
-            </a:extLst>
-          </p:cNvPr>
+            <a:endParaRPr lang="en-US" dirty="0"/>
+          </a:p>
+        </p:txBody>
+      </p:sp>
+      <p:sp>
+        <p:nvSpPr>
+          <p:cNvPr id="3" name="Vertical Text Placeholder 2"/>
           <p:cNvSpPr>
             <a:spLocks noGrp="1"/>
           </p:cNvSpPr>
@@ -598,8 +531,8 @@
         </p:nvSpPr>
         <p:spPr>
           <a:xfrm>
-            <a:off x="838200" y="365125"/>
-            <a:ext cx="7734300" cy="5811838"/>
+            <a:off x="1484968" y="1149975"/>
+            <a:ext cx="13702199" cy="18304599"/>
           </a:xfrm>
         </p:spPr>
         <p:txBody>
@@ -639,19 +572,13 @@
               <a:rPr lang="en-US"/>
               <a:t>Fifth level</a:t>
             </a:r>
-            <a:endParaRPr lang="en-SG"/>
-          </a:p>
-        </p:txBody>
-      </p:sp>
-      <p:sp>
-        <p:nvSpPr>
-          <p:cNvPr id="4" name="Date Placeholder 3">
-            <a:extLst>
-              <a:ext uri="{FF2B5EF4-FFF2-40B4-BE49-F238E27FC236}">
-                <a16:creationId xmlns:a16="http://schemas.microsoft.com/office/drawing/2014/main" id="{8FAFA885-4E79-4050-91EA-5B1172407974}"/>
-              </a:ext>
-            </a:extLst>
-          </p:cNvPr>
+            <a:endParaRPr lang="en-US" dirty="0"/>
+          </a:p>
+        </p:txBody>
+      </p:sp>
+      <p:sp>
+        <p:nvSpPr>
+          <p:cNvPr id="4" name="Date Placeholder 3"/>
           <p:cNvSpPr>
             <a:spLocks noGrp="1"/>
           </p:cNvSpPr>
@@ -666,21 +593,15 @@
           <a:p>
             <a:fld id="{E99B76BA-C258-4CF8-887D-ABD260F85578}" type="datetimeFigureOut">
               <a:rPr lang="en-SG" smtClean="0"/>
-              <a:t>20/10/2020</a:t>
+              <a:t>6/11/2020</a:t>
             </a:fld>
-            <a:endParaRPr lang="en-SG"/>
-          </a:p>
-        </p:txBody>
-      </p:sp>
-      <p:sp>
-        <p:nvSpPr>
-          <p:cNvPr id="5" name="Footer Placeholder 4">
-            <a:extLst>
-              <a:ext uri="{FF2B5EF4-FFF2-40B4-BE49-F238E27FC236}">
-                <a16:creationId xmlns:a16="http://schemas.microsoft.com/office/drawing/2014/main" id="{ED172A1B-6FC6-4BDA-8A9B-296AFAE8AE3F}"/>
-              </a:ext>
-            </a:extLst>
-          </p:cNvPr>
+            <a:endParaRPr lang="en-SG" dirty="0"/>
+          </a:p>
+        </p:txBody>
+      </p:sp>
+      <p:sp>
+        <p:nvSpPr>
+          <p:cNvPr id="5" name="Footer Placeholder 4"/>
           <p:cNvSpPr>
             <a:spLocks noGrp="1"/>
           </p:cNvSpPr>
@@ -693,19 +614,13 @@
           <a:bodyPr/>
           <a:lstStyle/>
           <a:p>
-            <a:endParaRPr lang="en-SG"/>
-          </a:p>
-        </p:txBody>
-      </p:sp>
-      <p:sp>
-        <p:nvSpPr>
-          <p:cNvPr id="6" name="Slide Number Placeholder 5">
-            <a:extLst>
-              <a:ext uri="{FF2B5EF4-FFF2-40B4-BE49-F238E27FC236}">
-                <a16:creationId xmlns:a16="http://schemas.microsoft.com/office/drawing/2014/main" id="{59FE54BB-D935-4A71-85D0-E125FF03EDE8}"/>
-              </a:ext>
-            </a:extLst>
-          </p:cNvPr>
+            <a:endParaRPr lang="en-SG" dirty="0"/>
+          </a:p>
+        </p:txBody>
+      </p:sp>
+      <p:sp>
+        <p:nvSpPr>
+          <p:cNvPr id="6" name="Slide Number Placeholder 5"/>
           <p:cNvSpPr>
             <a:spLocks noGrp="1"/>
           </p:cNvSpPr>
@@ -722,14 +637,14 @@
               <a:rPr lang="en-SG" smtClean="0"/>
               <a:t>‹#›</a:t>
             </a:fld>
-            <a:endParaRPr lang="en-SG"/>
+            <a:endParaRPr lang="en-SG" dirty="0"/>
           </a:p>
         </p:txBody>
       </p:sp>
     </p:spTree>
     <p:extLst>
       <p:ext uri="{BB962C8B-B14F-4D97-AF65-F5344CB8AC3E}">
-        <p14:creationId xmlns:p14="http://schemas.microsoft.com/office/powerpoint/2010/main" val="3864370168"/>
+        <p14:creationId xmlns:p14="http://schemas.microsoft.com/office/powerpoint/2010/main" val="2355550359"/>
       </p:ext>
     </p:extLst>
   </p:cSld>
@@ -758,13 +673,7 @@
       </p:grpSpPr>
       <p:sp>
         <p:nvSpPr>
-          <p:cNvPr id="2" name="Title 1">
-            <a:extLst>
-              <a:ext uri="{FF2B5EF4-FFF2-40B4-BE49-F238E27FC236}">
-                <a16:creationId xmlns:a16="http://schemas.microsoft.com/office/drawing/2014/main" id="{FAF07770-936F-47DA-8C29-B6F2F5AA17A6}"/>
-              </a:ext>
-            </a:extLst>
-          </p:cNvPr>
+          <p:cNvPr id="2" name="Title 1"/>
           <p:cNvSpPr>
             <a:spLocks noGrp="1"/>
           </p:cNvSpPr>
@@ -781,19 +690,13 @@
               <a:rPr lang="en-US"/>
               <a:t>Click to edit Master title style</a:t>
             </a:r>
-            <a:endParaRPr lang="en-SG"/>
-          </a:p>
-        </p:txBody>
-      </p:sp>
-      <p:sp>
-        <p:nvSpPr>
-          <p:cNvPr id="3" name="Content Placeholder 2">
-            <a:extLst>
-              <a:ext uri="{FF2B5EF4-FFF2-40B4-BE49-F238E27FC236}">
-                <a16:creationId xmlns:a16="http://schemas.microsoft.com/office/drawing/2014/main" id="{AC640863-E68D-4E1E-90F0-73CB80152D17}"/>
-              </a:ext>
-            </a:extLst>
-          </p:cNvPr>
+            <a:endParaRPr lang="en-US" dirty="0"/>
+          </a:p>
+        </p:txBody>
+      </p:sp>
+      <p:sp>
+        <p:nvSpPr>
+          <p:cNvPr id="3" name="Content Placeholder 2"/>
           <p:cNvSpPr>
             <a:spLocks noGrp="1"/>
           </p:cNvSpPr>
@@ -839,19 +742,13 @@
               <a:rPr lang="en-US"/>
               <a:t>Fifth level</a:t>
             </a:r>
-            <a:endParaRPr lang="en-SG"/>
-          </a:p>
-        </p:txBody>
-      </p:sp>
-      <p:sp>
-        <p:nvSpPr>
-          <p:cNvPr id="4" name="Date Placeholder 3">
-            <a:extLst>
-              <a:ext uri="{FF2B5EF4-FFF2-40B4-BE49-F238E27FC236}">
-                <a16:creationId xmlns:a16="http://schemas.microsoft.com/office/drawing/2014/main" id="{A532BF39-95FC-4197-BA64-C09DC78AA545}"/>
-              </a:ext>
-            </a:extLst>
-          </p:cNvPr>
+            <a:endParaRPr lang="en-US" dirty="0"/>
+          </a:p>
+        </p:txBody>
+      </p:sp>
+      <p:sp>
+        <p:nvSpPr>
+          <p:cNvPr id="4" name="Date Placeholder 3"/>
           <p:cNvSpPr>
             <a:spLocks noGrp="1"/>
           </p:cNvSpPr>
@@ -866,21 +763,15 @@
           <a:p>
             <a:fld id="{E99B76BA-C258-4CF8-887D-ABD260F85578}" type="datetimeFigureOut">
               <a:rPr lang="en-SG" smtClean="0"/>
-              <a:t>20/10/2020</a:t>
+              <a:t>6/11/2020</a:t>
             </a:fld>
-            <a:endParaRPr lang="en-SG"/>
-          </a:p>
-        </p:txBody>
-      </p:sp>
-      <p:sp>
-        <p:nvSpPr>
-          <p:cNvPr id="5" name="Footer Placeholder 4">
-            <a:extLst>
-              <a:ext uri="{FF2B5EF4-FFF2-40B4-BE49-F238E27FC236}">
-                <a16:creationId xmlns:a16="http://schemas.microsoft.com/office/drawing/2014/main" id="{21586BF8-B6C5-4E24-8B95-57559B72CFDC}"/>
-              </a:ext>
-            </a:extLst>
-          </p:cNvPr>
+            <a:endParaRPr lang="en-SG" dirty="0"/>
+          </a:p>
+        </p:txBody>
+      </p:sp>
+      <p:sp>
+        <p:nvSpPr>
+          <p:cNvPr id="5" name="Footer Placeholder 4"/>
           <p:cNvSpPr>
             <a:spLocks noGrp="1"/>
           </p:cNvSpPr>
@@ -893,19 +784,13 @@
           <a:bodyPr/>
           <a:lstStyle/>
           <a:p>
-            <a:endParaRPr lang="en-SG"/>
-          </a:p>
-        </p:txBody>
-      </p:sp>
-      <p:sp>
-        <p:nvSpPr>
-          <p:cNvPr id="6" name="Slide Number Placeholder 5">
-            <a:extLst>
-              <a:ext uri="{FF2B5EF4-FFF2-40B4-BE49-F238E27FC236}">
-                <a16:creationId xmlns:a16="http://schemas.microsoft.com/office/drawing/2014/main" id="{C4591C24-17A4-4B6D-8D15-98395C33E562}"/>
-              </a:ext>
-            </a:extLst>
-          </p:cNvPr>
+            <a:endParaRPr lang="en-SG" dirty="0"/>
+          </a:p>
+        </p:txBody>
+      </p:sp>
+      <p:sp>
+        <p:nvSpPr>
+          <p:cNvPr id="6" name="Slide Number Placeholder 5"/>
           <p:cNvSpPr>
             <a:spLocks noGrp="1"/>
           </p:cNvSpPr>
@@ -922,14 +807,14 @@
               <a:rPr lang="en-SG" smtClean="0"/>
               <a:t>‹#›</a:t>
             </a:fld>
-            <a:endParaRPr lang="en-SG"/>
+            <a:endParaRPr lang="en-SG" dirty="0"/>
           </a:p>
         </p:txBody>
       </p:sp>
     </p:spTree>
     <p:extLst>
       <p:ext uri="{BB962C8B-B14F-4D97-AF65-F5344CB8AC3E}">
-        <p14:creationId xmlns:p14="http://schemas.microsoft.com/office/powerpoint/2010/main" val="616454511"/>
+        <p14:creationId xmlns:p14="http://schemas.microsoft.com/office/powerpoint/2010/main" val="930770407"/>
       </p:ext>
     </p:extLst>
   </p:cSld>
@@ -958,13 +843,7 @@
       </p:grpSpPr>
       <p:sp>
         <p:nvSpPr>
-          <p:cNvPr id="2" name="Title 1">
-            <a:extLst>
-              <a:ext uri="{FF2B5EF4-FFF2-40B4-BE49-F238E27FC236}">
-                <a16:creationId xmlns:a16="http://schemas.microsoft.com/office/drawing/2014/main" id="{6A0CA82C-5C13-40FD-9204-12B2A89F6BAC}"/>
-              </a:ext>
-            </a:extLst>
-          </p:cNvPr>
+          <p:cNvPr id="2" name="Title 1"/>
           <p:cNvSpPr>
             <a:spLocks noGrp="1"/>
           </p:cNvSpPr>
@@ -974,15 +853,15 @@
         </p:nvSpPr>
         <p:spPr>
           <a:xfrm>
-            <a:off x="831850" y="1709738"/>
-            <a:ext cx="10515600" cy="2852737"/>
+            <a:off x="1473719" y="5384888"/>
+            <a:ext cx="18629590" cy="8984801"/>
           </a:xfrm>
         </p:spPr>
         <p:txBody>
           <a:bodyPr anchor="b"/>
           <a:lstStyle>
             <a:lvl1pPr>
-              <a:defRPr sz="6000"/>
+              <a:defRPr sz="14173"/>
             </a:lvl1pPr>
           </a:lstStyle>
           <a:p>
@@ -990,19 +869,13 @@
               <a:rPr lang="en-US"/>
               <a:t>Click to edit Master title style</a:t>
             </a:r>
-            <a:endParaRPr lang="en-SG"/>
-          </a:p>
-        </p:txBody>
-      </p:sp>
-      <p:sp>
-        <p:nvSpPr>
-          <p:cNvPr id="3" name="Text Placeholder 2">
-            <a:extLst>
-              <a:ext uri="{FF2B5EF4-FFF2-40B4-BE49-F238E27FC236}">
-                <a16:creationId xmlns:a16="http://schemas.microsoft.com/office/drawing/2014/main" id="{4DE7784A-36A6-4657-82E0-745419DC9192}"/>
-              </a:ext>
-            </a:extLst>
-          </p:cNvPr>
+            <a:endParaRPr lang="en-US" dirty="0"/>
+          </a:p>
+        </p:txBody>
+      </p:sp>
+      <p:sp>
+        <p:nvSpPr>
+          <p:cNvPr id="3" name="Text Placeholder 2"/>
           <p:cNvSpPr>
             <a:spLocks noGrp="1"/>
           </p:cNvSpPr>
@@ -1012,8 +885,8 @@
         </p:nvSpPr>
         <p:spPr>
           <a:xfrm>
-            <a:off x="831850" y="4589463"/>
-            <a:ext cx="10515600" cy="1500187"/>
+            <a:off x="1473719" y="14454688"/>
+            <a:ext cx="18629590" cy="4724895"/>
           </a:xfrm>
         </p:spPr>
         <p:txBody>
@@ -1021,17 +894,15 @@
           <a:lstStyle>
             <a:lvl1pPr marL="0" indent="0">
               <a:buNone/>
-              <a:defRPr sz="2400">
+              <a:defRPr sz="5669">
                 <a:solidFill>
-                  <a:schemeClr val="tx1">
-                    <a:tint val="75000"/>
-                  </a:schemeClr>
+                  <a:schemeClr val="tx1"/>
                 </a:solidFill>
               </a:defRPr>
             </a:lvl1pPr>
-            <a:lvl2pPr marL="457200" indent="0">
+            <a:lvl2pPr marL="1079998" indent="0">
               <a:buNone/>
-              <a:defRPr sz="2000">
+              <a:defRPr sz="4724">
                 <a:solidFill>
                   <a:schemeClr val="tx1">
                     <a:tint val="75000"/>
@@ -1039,9 +910,9 @@
                 </a:solidFill>
               </a:defRPr>
             </a:lvl2pPr>
-            <a:lvl3pPr marL="914400" indent="0">
+            <a:lvl3pPr marL="2159996" indent="0">
               <a:buNone/>
-              <a:defRPr sz="1800">
+              <a:defRPr sz="4252">
                 <a:solidFill>
                   <a:schemeClr val="tx1">
                     <a:tint val="75000"/>
@@ -1049,9 +920,9 @@
                 </a:solidFill>
               </a:defRPr>
             </a:lvl3pPr>
-            <a:lvl4pPr marL="1371600" indent="0">
+            <a:lvl4pPr marL="3239994" indent="0">
               <a:buNone/>
-              <a:defRPr sz="1600">
+              <a:defRPr sz="3780">
                 <a:solidFill>
                   <a:schemeClr val="tx1">
                     <a:tint val="75000"/>
@@ -1059,9 +930,9 @@
                 </a:solidFill>
               </a:defRPr>
             </a:lvl4pPr>
-            <a:lvl5pPr marL="1828800" indent="0">
+            <a:lvl5pPr marL="4319991" indent="0">
               <a:buNone/>
-              <a:defRPr sz="1600">
+              <a:defRPr sz="3780">
                 <a:solidFill>
                   <a:schemeClr val="tx1">
                     <a:tint val="75000"/>
@@ -1069,9 +940,9 @@
                 </a:solidFill>
               </a:defRPr>
             </a:lvl5pPr>
-            <a:lvl6pPr marL="2286000" indent="0">
+            <a:lvl6pPr marL="5399989" indent="0">
               <a:buNone/>
-              <a:defRPr sz="1600">
+              <a:defRPr sz="3780">
                 <a:solidFill>
                   <a:schemeClr val="tx1">
                     <a:tint val="75000"/>
@@ -1079,9 +950,9 @@
                 </a:solidFill>
               </a:defRPr>
             </a:lvl6pPr>
-            <a:lvl7pPr marL="2743200" indent="0">
+            <a:lvl7pPr marL="6479987" indent="0">
               <a:buNone/>
-              <a:defRPr sz="1600">
+              <a:defRPr sz="3780">
                 <a:solidFill>
                   <a:schemeClr val="tx1">
                     <a:tint val="75000"/>
@@ -1089,9 +960,9 @@
                 </a:solidFill>
               </a:defRPr>
             </a:lvl7pPr>
-            <a:lvl8pPr marL="3200400" indent="0">
+            <a:lvl8pPr marL="7559985" indent="0">
               <a:buNone/>
-              <a:defRPr sz="1600">
+              <a:defRPr sz="3780">
                 <a:solidFill>
                   <a:schemeClr val="tx1">
                     <a:tint val="75000"/>
@@ -1099,9 +970,9 @@
                 </a:solidFill>
               </a:defRPr>
             </a:lvl8pPr>
-            <a:lvl9pPr marL="3657600" indent="0">
+            <a:lvl9pPr marL="8639983" indent="0">
               <a:buNone/>
-              <a:defRPr sz="1600">
+              <a:defRPr sz="3780">
                 <a:solidFill>
                   <a:schemeClr val="tx1">
                     <a:tint val="75000"/>
@@ -1121,13 +992,7 @@
       </p:sp>
       <p:sp>
         <p:nvSpPr>
-          <p:cNvPr id="4" name="Date Placeholder 3">
-            <a:extLst>
-              <a:ext uri="{FF2B5EF4-FFF2-40B4-BE49-F238E27FC236}">
-                <a16:creationId xmlns:a16="http://schemas.microsoft.com/office/drawing/2014/main" id="{765DFBCD-0721-4797-BA96-89F59197782F}"/>
-              </a:ext>
-            </a:extLst>
-          </p:cNvPr>
+          <p:cNvPr id="4" name="Date Placeholder 3"/>
           <p:cNvSpPr>
             <a:spLocks noGrp="1"/>
           </p:cNvSpPr>
@@ -1142,21 +1007,15 @@
           <a:p>
             <a:fld id="{E99B76BA-C258-4CF8-887D-ABD260F85578}" type="datetimeFigureOut">
               <a:rPr lang="en-SG" smtClean="0"/>
-              <a:t>20/10/2020</a:t>
+              <a:t>6/11/2020</a:t>
             </a:fld>
-            <a:endParaRPr lang="en-SG"/>
-          </a:p>
-        </p:txBody>
-      </p:sp>
-      <p:sp>
-        <p:nvSpPr>
-          <p:cNvPr id="5" name="Footer Placeholder 4">
-            <a:extLst>
-              <a:ext uri="{FF2B5EF4-FFF2-40B4-BE49-F238E27FC236}">
-                <a16:creationId xmlns:a16="http://schemas.microsoft.com/office/drawing/2014/main" id="{4C7BC798-DD07-45B9-8A7E-88BCD7E0EA27}"/>
-              </a:ext>
-            </a:extLst>
-          </p:cNvPr>
+            <a:endParaRPr lang="en-SG" dirty="0"/>
+          </a:p>
+        </p:txBody>
+      </p:sp>
+      <p:sp>
+        <p:nvSpPr>
+          <p:cNvPr id="5" name="Footer Placeholder 4"/>
           <p:cNvSpPr>
             <a:spLocks noGrp="1"/>
           </p:cNvSpPr>
@@ -1169,19 +1028,13 @@
           <a:bodyPr/>
           <a:lstStyle/>
           <a:p>
-            <a:endParaRPr lang="en-SG"/>
-          </a:p>
-        </p:txBody>
-      </p:sp>
-      <p:sp>
-        <p:nvSpPr>
-          <p:cNvPr id="6" name="Slide Number Placeholder 5">
-            <a:extLst>
-              <a:ext uri="{FF2B5EF4-FFF2-40B4-BE49-F238E27FC236}">
-                <a16:creationId xmlns:a16="http://schemas.microsoft.com/office/drawing/2014/main" id="{BBD2E470-C8FE-46E1-956F-A11A3E7866DC}"/>
-              </a:ext>
-            </a:extLst>
-          </p:cNvPr>
+            <a:endParaRPr lang="en-SG" dirty="0"/>
+          </a:p>
+        </p:txBody>
+      </p:sp>
+      <p:sp>
+        <p:nvSpPr>
+          <p:cNvPr id="6" name="Slide Number Placeholder 5"/>
           <p:cNvSpPr>
             <a:spLocks noGrp="1"/>
           </p:cNvSpPr>
@@ -1198,14 +1051,14 @@
               <a:rPr lang="en-SG" smtClean="0"/>
               <a:t>‹#›</a:t>
             </a:fld>
-            <a:endParaRPr lang="en-SG"/>
+            <a:endParaRPr lang="en-SG" dirty="0"/>
           </a:p>
         </p:txBody>
       </p:sp>
     </p:spTree>
     <p:extLst>
       <p:ext uri="{BB962C8B-B14F-4D97-AF65-F5344CB8AC3E}">
-        <p14:creationId xmlns:p14="http://schemas.microsoft.com/office/powerpoint/2010/main" val="3160489110"/>
+        <p14:creationId xmlns:p14="http://schemas.microsoft.com/office/powerpoint/2010/main" val="106483463"/>
       </p:ext>
     </p:extLst>
   </p:cSld>
@@ -1234,13 +1087,7 @@
       </p:grpSpPr>
       <p:sp>
         <p:nvSpPr>
-          <p:cNvPr id="2" name="Title 1">
-            <a:extLst>
-              <a:ext uri="{FF2B5EF4-FFF2-40B4-BE49-F238E27FC236}">
-                <a16:creationId xmlns:a16="http://schemas.microsoft.com/office/drawing/2014/main" id="{9631B077-6FDB-441F-BA7C-9B5077F35416}"/>
-              </a:ext>
-            </a:extLst>
-          </p:cNvPr>
+          <p:cNvPr id="2" name="Title 1"/>
           <p:cNvSpPr>
             <a:spLocks noGrp="1"/>
           </p:cNvSpPr>
@@ -1257,19 +1104,13 @@
               <a:rPr lang="en-US"/>
               <a:t>Click to edit Master title style</a:t>
             </a:r>
-            <a:endParaRPr lang="en-SG"/>
-          </a:p>
-        </p:txBody>
-      </p:sp>
-      <p:sp>
-        <p:nvSpPr>
-          <p:cNvPr id="3" name="Content Placeholder 2">
-            <a:extLst>
-              <a:ext uri="{FF2B5EF4-FFF2-40B4-BE49-F238E27FC236}">
-                <a16:creationId xmlns:a16="http://schemas.microsoft.com/office/drawing/2014/main" id="{88FCA495-0546-436B-8D4F-7E2B4BBC3007}"/>
-              </a:ext>
-            </a:extLst>
-          </p:cNvPr>
+            <a:endParaRPr lang="en-US" dirty="0"/>
+          </a:p>
+        </p:txBody>
+      </p:sp>
+      <p:sp>
+        <p:nvSpPr>
+          <p:cNvPr id="3" name="Content Placeholder 2"/>
           <p:cNvSpPr>
             <a:spLocks noGrp="1"/>
           </p:cNvSpPr>
@@ -1279,8 +1120,8 @@
         </p:nvSpPr>
         <p:spPr>
           <a:xfrm>
-            <a:off x="838200" y="1825625"/>
-            <a:ext cx="5181600" cy="4351338"/>
+            <a:off x="1484967" y="5749874"/>
+            <a:ext cx="9179798" cy="13704700"/>
           </a:xfrm>
         </p:spPr>
         <p:txBody>
@@ -1320,19 +1161,13 @@
               <a:rPr lang="en-US"/>
               <a:t>Fifth level</a:t>
             </a:r>
-            <a:endParaRPr lang="en-SG"/>
-          </a:p>
-        </p:txBody>
-      </p:sp>
-      <p:sp>
-        <p:nvSpPr>
-          <p:cNvPr id="4" name="Content Placeholder 3">
-            <a:extLst>
-              <a:ext uri="{FF2B5EF4-FFF2-40B4-BE49-F238E27FC236}">
-                <a16:creationId xmlns:a16="http://schemas.microsoft.com/office/drawing/2014/main" id="{6BEEF1A1-8C41-4BCD-9743-2293165A829F}"/>
-              </a:ext>
-            </a:extLst>
-          </p:cNvPr>
+            <a:endParaRPr lang="en-US" dirty="0"/>
+          </a:p>
+        </p:txBody>
+      </p:sp>
+      <p:sp>
+        <p:nvSpPr>
+          <p:cNvPr id="4" name="Content Placeholder 3"/>
           <p:cNvSpPr>
             <a:spLocks noGrp="1"/>
           </p:cNvSpPr>
@@ -1342,8 +1177,8 @@
         </p:nvSpPr>
         <p:spPr>
           <a:xfrm>
-            <a:off x="6172200" y="1825625"/>
-            <a:ext cx="5181600" cy="4351338"/>
+            <a:off x="10934760" y="5749874"/>
+            <a:ext cx="9179798" cy="13704700"/>
           </a:xfrm>
         </p:spPr>
         <p:txBody>
@@ -1383,19 +1218,13 @@
               <a:rPr lang="en-US"/>
               <a:t>Fifth level</a:t>
             </a:r>
-            <a:endParaRPr lang="en-SG"/>
-          </a:p>
-        </p:txBody>
-      </p:sp>
-      <p:sp>
-        <p:nvSpPr>
-          <p:cNvPr id="5" name="Date Placeholder 4">
-            <a:extLst>
-              <a:ext uri="{FF2B5EF4-FFF2-40B4-BE49-F238E27FC236}">
-                <a16:creationId xmlns:a16="http://schemas.microsoft.com/office/drawing/2014/main" id="{F6172B22-DC84-4C83-8329-0BC2212DF803}"/>
-              </a:ext>
-            </a:extLst>
-          </p:cNvPr>
+            <a:endParaRPr lang="en-US" dirty="0"/>
+          </a:p>
+        </p:txBody>
+      </p:sp>
+      <p:sp>
+        <p:nvSpPr>
+          <p:cNvPr id="5" name="Date Placeholder 4"/>
           <p:cNvSpPr>
             <a:spLocks noGrp="1"/>
           </p:cNvSpPr>
@@ -1410,21 +1239,15 @@
           <a:p>
             <a:fld id="{E99B76BA-C258-4CF8-887D-ABD260F85578}" type="datetimeFigureOut">
               <a:rPr lang="en-SG" smtClean="0"/>
-              <a:t>20/10/2020</a:t>
+              <a:t>6/11/2020</a:t>
             </a:fld>
-            <a:endParaRPr lang="en-SG"/>
-          </a:p>
-        </p:txBody>
-      </p:sp>
-      <p:sp>
-        <p:nvSpPr>
-          <p:cNvPr id="6" name="Footer Placeholder 5">
-            <a:extLst>
-              <a:ext uri="{FF2B5EF4-FFF2-40B4-BE49-F238E27FC236}">
-                <a16:creationId xmlns:a16="http://schemas.microsoft.com/office/drawing/2014/main" id="{9F8A12F5-0C8F-4812-865F-CDFBB18459D7}"/>
-              </a:ext>
-            </a:extLst>
-          </p:cNvPr>
+            <a:endParaRPr lang="en-SG" dirty="0"/>
+          </a:p>
+        </p:txBody>
+      </p:sp>
+      <p:sp>
+        <p:nvSpPr>
+          <p:cNvPr id="6" name="Footer Placeholder 5"/>
           <p:cNvSpPr>
             <a:spLocks noGrp="1"/>
           </p:cNvSpPr>
@@ -1437,19 +1260,13 @@
           <a:bodyPr/>
           <a:lstStyle/>
           <a:p>
-            <a:endParaRPr lang="en-SG"/>
-          </a:p>
-        </p:txBody>
-      </p:sp>
-      <p:sp>
-        <p:nvSpPr>
-          <p:cNvPr id="7" name="Slide Number Placeholder 6">
-            <a:extLst>
-              <a:ext uri="{FF2B5EF4-FFF2-40B4-BE49-F238E27FC236}">
-                <a16:creationId xmlns:a16="http://schemas.microsoft.com/office/drawing/2014/main" id="{C19EC02D-BA33-4D95-B7E5-8ACCC516DC58}"/>
-              </a:ext>
-            </a:extLst>
-          </p:cNvPr>
+            <a:endParaRPr lang="en-SG" dirty="0"/>
+          </a:p>
+        </p:txBody>
+      </p:sp>
+      <p:sp>
+        <p:nvSpPr>
+          <p:cNvPr id="7" name="Slide Number Placeholder 6"/>
           <p:cNvSpPr>
             <a:spLocks noGrp="1"/>
           </p:cNvSpPr>
@@ -1466,14 +1283,14 @@
               <a:rPr lang="en-SG" smtClean="0"/>
               <a:t>‹#›</a:t>
             </a:fld>
-            <a:endParaRPr lang="en-SG"/>
+            <a:endParaRPr lang="en-SG" dirty="0"/>
           </a:p>
         </p:txBody>
       </p:sp>
     </p:spTree>
     <p:extLst>
       <p:ext uri="{BB962C8B-B14F-4D97-AF65-F5344CB8AC3E}">
-        <p14:creationId xmlns:p14="http://schemas.microsoft.com/office/powerpoint/2010/main" val="4137107"/>
+        <p14:creationId xmlns:p14="http://schemas.microsoft.com/office/powerpoint/2010/main" val="2924605793"/>
       </p:ext>
     </p:extLst>
   </p:cSld>
@@ -1502,13 +1319,7 @@
       </p:grpSpPr>
       <p:sp>
         <p:nvSpPr>
-          <p:cNvPr id="2" name="Title 1">
-            <a:extLst>
-              <a:ext uri="{FF2B5EF4-FFF2-40B4-BE49-F238E27FC236}">
-                <a16:creationId xmlns:a16="http://schemas.microsoft.com/office/drawing/2014/main" id="{F2810759-992F-47D4-ABEC-A0817E47F331}"/>
-              </a:ext>
-            </a:extLst>
-          </p:cNvPr>
+          <p:cNvPr id="2" name="Title 1"/>
           <p:cNvSpPr>
             <a:spLocks noGrp="1"/>
           </p:cNvSpPr>
@@ -1518,8 +1329,8 @@
         </p:nvSpPr>
         <p:spPr>
           <a:xfrm>
-            <a:off x="839788" y="365125"/>
-            <a:ext cx="10515600" cy="1325563"/>
+            <a:off x="1487781" y="1149979"/>
+            <a:ext cx="18629590" cy="4174910"/>
           </a:xfrm>
         </p:spPr>
         <p:txBody>
@@ -1530,19 +1341,13 @@
               <a:rPr lang="en-US"/>
               <a:t>Click to edit Master title style</a:t>
             </a:r>
-            <a:endParaRPr lang="en-SG"/>
-          </a:p>
-        </p:txBody>
-      </p:sp>
-      <p:sp>
-        <p:nvSpPr>
-          <p:cNvPr id="3" name="Text Placeholder 2">
-            <a:extLst>
-              <a:ext uri="{FF2B5EF4-FFF2-40B4-BE49-F238E27FC236}">
-                <a16:creationId xmlns:a16="http://schemas.microsoft.com/office/drawing/2014/main" id="{FE24373B-6CCE-4747-AB17-CC0AB23B0038}"/>
-              </a:ext>
-            </a:extLst>
-          </p:cNvPr>
+            <a:endParaRPr lang="en-US" dirty="0"/>
+          </a:p>
+        </p:txBody>
+      </p:sp>
+      <p:sp>
+        <p:nvSpPr>
+          <p:cNvPr id="3" name="Text Placeholder 2"/>
           <p:cNvSpPr>
             <a:spLocks noGrp="1"/>
           </p:cNvSpPr>
@@ -1552,8 +1357,8 @@
         </p:nvSpPr>
         <p:spPr>
           <a:xfrm>
-            <a:off x="839788" y="1681163"/>
-            <a:ext cx="5157787" cy="823912"/>
+            <a:off x="1487783" y="5294885"/>
+            <a:ext cx="9137610" cy="2594941"/>
           </a:xfrm>
         </p:spPr>
         <p:txBody>
@@ -1561,39 +1366,39 @@
           <a:lstStyle>
             <a:lvl1pPr marL="0" indent="0">
               <a:buNone/>
-              <a:defRPr sz="2400" b="1"/>
+              <a:defRPr sz="5669" b="1"/>
             </a:lvl1pPr>
-            <a:lvl2pPr marL="457200" indent="0">
+            <a:lvl2pPr marL="1079998" indent="0">
               <a:buNone/>
-              <a:defRPr sz="2000" b="1"/>
+              <a:defRPr sz="4724" b="1"/>
             </a:lvl2pPr>
-            <a:lvl3pPr marL="914400" indent="0">
+            <a:lvl3pPr marL="2159996" indent="0">
               <a:buNone/>
-              <a:defRPr sz="1800" b="1"/>
+              <a:defRPr sz="4252" b="1"/>
             </a:lvl3pPr>
-            <a:lvl4pPr marL="1371600" indent="0">
+            <a:lvl4pPr marL="3239994" indent="0">
               <a:buNone/>
-              <a:defRPr sz="1600" b="1"/>
+              <a:defRPr sz="3780" b="1"/>
             </a:lvl4pPr>
-            <a:lvl5pPr marL="1828800" indent="0">
+            <a:lvl5pPr marL="4319991" indent="0">
               <a:buNone/>
-              <a:defRPr sz="1600" b="1"/>
+              <a:defRPr sz="3780" b="1"/>
             </a:lvl5pPr>
-            <a:lvl6pPr marL="2286000" indent="0">
+            <a:lvl6pPr marL="5399989" indent="0">
               <a:buNone/>
-              <a:defRPr sz="1600" b="1"/>
+              <a:defRPr sz="3780" b="1"/>
             </a:lvl6pPr>
-            <a:lvl7pPr marL="2743200" indent="0">
+            <a:lvl7pPr marL="6479987" indent="0">
               <a:buNone/>
-              <a:defRPr sz="1600" b="1"/>
+              <a:defRPr sz="3780" b="1"/>
             </a:lvl7pPr>
-            <a:lvl8pPr marL="3200400" indent="0">
+            <a:lvl8pPr marL="7559985" indent="0">
               <a:buNone/>
-              <a:defRPr sz="1600" b="1"/>
+              <a:defRPr sz="3780" b="1"/>
             </a:lvl8pPr>
-            <a:lvl9pPr marL="3657600" indent="0">
+            <a:lvl9pPr marL="8639983" indent="0">
               <a:buNone/>
-              <a:defRPr sz="1600" b="1"/>
+              <a:defRPr sz="3780" b="1"/>
             </a:lvl9pPr>
           </a:lstStyle>
           <a:p>
@@ -1607,13 +1412,7 @@
       </p:sp>
       <p:sp>
         <p:nvSpPr>
-          <p:cNvPr id="4" name="Content Placeholder 3">
-            <a:extLst>
-              <a:ext uri="{FF2B5EF4-FFF2-40B4-BE49-F238E27FC236}">
-                <a16:creationId xmlns:a16="http://schemas.microsoft.com/office/drawing/2014/main" id="{EE8009DD-BB80-44E9-8130-0AFDEF227486}"/>
-              </a:ext>
-            </a:extLst>
-          </p:cNvPr>
+          <p:cNvPr id="4" name="Content Placeholder 3"/>
           <p:cNvSpPr>
             <a:spLocks noGrp="1"/>
           </p:cNvSpPr>
@@ -1623,8 +1422,8 @@
         </p:nvSpPr>
         <p:spPr>
           <a:xfrm>
-            <a:off x="839788" y="2505075"/>
-            <a:ext cx="5157787" cy="3684588"/>
+            <a:off x="1487783" y="7889827"/>
+            <a:ext cx="9137610" cy="11604746"/>
           </a:xfrm>
         </p:spPr>
         <p:txBody>
@@ -1664,19 +1463,13 @@
               <a:rPr lang="en-US"/>
               <a:t>Fifth level</a:t>
             </a:r>
-            <a:endParaRPr lang="en-SG"/>
-          </a:p>
-        </p:txBody>
-      </p:sp>
-      <p:sp>
-        <p:nvSpPr>
-          <p:cNvPr id="5" name="Text Placeholder 4">
-            <a:extLst>
-              <a:ext uri="{FF2B5EF4-FFF2-40B4-BE49-F238E27FC236}">
-                <a16:creationId xmlns:a16="http://schemas.microsoft.com/office/drawing/2014/main" id="{2448922A-48DF-4062-9F18-7D1FC3BF7125}"/>
-              </a:ext>
-            </a:extLst>
-          </p:cNvPr>
+            <a:endParaRPr lang="en-US" dirty="0"/>
+          </a:p>
+        </p:txBody>
+      </p:sp>
+      <p:sp>
+        <p:nvSpPr>
+          <p:cNvPr id="5" name="Text Placeholder 4"/>
           <p:cNvSpPr>
             <a:spLocks noGrp="1"/>
           </p:cNvSpPr>
@@ -1686,8 +1479,8 @@
         </p:nvSpPr>
         <p:spPr>
           <a:xfrm>
-            <a:off x="6172200" y="1681163"/>
-            <a:ext cx="5183188" cy="823912"/>
+            <a:off x="10934761" y="5294885"/>
+            <a:ext cx="9182611" cy="2594941"/>
           </a:xfrm>
         </p:spPr>
         <p:txBody>
@@ -1695,39 +1488,39 @@
           <a:lstStyle>
             <a:lvl1pPr marL="0" indent="0">
               <a:buNone/>
-              <a:defRPr sz="2400" b="1"/>
+              <a:defRPr sz="5669" b="1"/>
             </a:lvl1pPr>
-            <a:lvl2pPr marL="457200" indent="0">
+            <a:lvl2pPr marL="1079998" indent="0">
               <a:buNone/>
-              <a:defRPr sz="2000" b="1"/>
+              <a:defRPr sz="4724" b="1"/>
             </a:lvl2pPr>
-            <a:lvl3pPr marL="914400" indent="0">
+            <a:lvl3pPr marL="2159996" indent="0">
               <a:buNone/>
-              <a:defRPr sz="1800" b="1"/>
+              <a:defRPr sz="4252" b="1"/>
             </a:lvl3pPr>
-            <a:lvl4pPr marL="1371600" indent="0">
+            <a:lvl4pPr marL="3239994" indent="0">
               <a:buNone/>
-              <a:defRPr sz="1600" b="1"/>
+              <a:defRPr sz="3780" b="1"/>
             </a:lvl4pPr>
-            <a:lvl5pPr marL="1828800" indent="0">
+            <a:lvl5pPr marL="4319991" indent="0">
               <a:buNone/>
-              <a:defRPr sz="1600" b="1"/>
+              <a:defRPr sz="3780" b="1"/>
             </a:lvl5pPr>
-            <a:lvl6pPr marL="2286000" indent="0">
+            <a:lvl6pPr marL="5399989" indent="0">
               <a:buNone/>
-              <a:defRPr sz="1600" b="1"/>
+              <a:defRPr sz="3780" b="1"/>
             </a:lvl6pPr>
-            <a:lvl7pPr marL="2743200" indent="0">
+            <a:lvl7pPr marL="6479987" indent="0">
               <a:buNone/>
-              <a:defRPr sz="1600" b="1"/>
+              <a:defRPr sz="3780" b="1"/>
             </a:lvl7pPr>
-            <a:lvl8pPr marL="3200400" indent="0">
+            <a:lvl8pPr marL="7559985" indent="0">
               <a:buNone/>
-              <a:defRPr sz="1600" b="1"/>
+              <a:defRPr sz="3780" b="1"/>
             </a:lvl8pPr>
-            <a:lvl9pPr marL="3657600" indent="0">
+            <a:lvl9pPr marL="8639983" indent="0">
               <a:buNone/>
-              <a:defRPr sz="1600" b="1"/>
+              <a:defRPr sz="3780" b="1"/>
             </a:lvl9pPr>
           </a:lstStyle>
           <a:p>
@@ -1741,13 +1534,7 @@
       </p:sp>
       <p:sp>
         <p:nvSpPr>
-          <p:cNvPr id="6" name="Content Placeholder 5">
-            <a:extLst>
-              <a:ext uri="{FF2B5EF4-FFF2-40B4-BE49-F238E27FC236}">
-                <a16:creationId xmlns:a16="http://schemas.microsoft.com/office/drawing/2014/main" id="{B1415153-6F7A-4296-9640-8FB12E673C01}"/>
-              </a:ext>
-            </a:extLst>
-          </p:cNvPr>
+          <p:cNvPr id="6" name="Content Placeholder 5"/>
           <p:cNvSpPr>
             <a:spLocks noGrp="1"/>
           </p:cNvSpPr>
@@ -1757,8 +1544,8 @@
         </p:nvSpPr>
         <p:spPr>
           <a:xfrm>
-            <a:off x="6172200" y="2505075"/>
-            <a:ext cx="5183188" cy="3684588"/>
+            <a:off x="10934761" y="7889827"/>
+            <a:ext cx="9182611" cy="11604746"/>
           </a:xfrm>
         </p:spPr>
         <p:txBody>
@@ -1798,19 +1585,13 @@
               <a:rPr lang="en-US"/>
               <a:t>Fifth level</a:t>
             </a:r>
-            <a:endParaRPr lang="en-SG"/>
-          </a:p>
-        </p:txBody>
-      </p:sp>
-      <p:sp>
-        <p:nvSpPr>
-          <p:cNvPr id="7" name="Date Placeholder 6">
-            <a:extLst>
-              <a:ext uri="{FF2B5EF4-FFF2-40B4-BE49-F238E27FC236}">
-                <a16:creationId xmlns:a16="http://schemas.microsoft.com/office/drawing/2014/main" id="{C76B04E5-F5F0-418F-A375-13B34B65B1D6}"/>
-              </a:ext>
-            </a:extLst>
-          </p:cNvPr>
+            <a:endParaRPr lang="en-US" dirty="0"/>
+          </a:p>
+        </p:txBody>
+      </p:sp>
+      <p:sp>
+        <p:nvSpPr>
+          <p:cNvPr id="7" name="Date Placeholder 6"/>
           <p:cNvSpPr>
             <a:spLocks noGrp="1"/>
           </p:cNvSpPr>
@@ -1825,21 +1606,15 @@
           <a:p>
             <a:fld id="{E99B76BA-C258-4CF8-887D-ABD260F85578}" type="datetimeFigureOut">
               <a:rPr lang="en-SG" smtClean="0"/>
-              <a:t>20/10/2020</a:t>
+              <a:t>6/11/2020</a:t>
             </a:fld>
-            <a:endParaRPr lang="en-SG"/>
-          </a:p>
-        </p:txBody>
-      </p:sp>
-      <p:sp>
-        <p:nvSpPr>
-          <p:cNvPr id="8" name="Footer Placeholder 7">
-            <a:extLst>
-              <a:ext uri="{FF2B5EF4-FFF2-40B4-BE49-F238E27FC236}">
-                <a16:creationId xmlns:a16="http://schemas.microsoft.com/office/drawing/2014/main" id="{49FBADE5-4F68-490B-BAFB-3B9E0AC66B4C}"/>
-              </a:ext>
-            </a:extLst>
-          </p:cNvPr>
+            <a:endParaRPr lang="en-SG" dirty="0"/>
+          </a:p>
+        </p:txBody>
+      </p:sp>
+      <p:sp>
+        <p:nvSpPr>
+          <p:cNvPr id="8" name="Footer Placeholder 7"/>
           <p:cNvSpPr>
             <a:spLocks noGrp="1"/>
           </p:cNvSpPr>
@@ -1852,19 +1627,13 @@
           <a:bodyPr/>
           <a:lstStyle/>
           <a:p>
-            <a:endParaRPr lang="en-SG"/>
-          </a:p>
-        </p:txBody>
-      </p:sp>
-      <p:sp>
-        <p:nvSpPr>
-          <p:cNvPr id="9" name="Slide Number Placeholder 8">
-            <a:extLst>
-              <a:ext uri="{FF2B5EF4-FFF2-40B4-BE49-F238E27FC236}">
-                <a16:creationId xmlns:a16="http://schemas.microsoft.com/office/drawing/2014/main" id="{41785D8F-8456-4B74-A395-5AEBC2575B99}"/>
-              </a:ext>
-            </a:extLst>
-          </p:cNvPr>
+            <a:endParaRPr lang="en-SG" dirty="0"/>
+          </a:p>
+        </p:txBody>
+      </p:sp>
+      <p:sp>
+        <p:nvSpPr>
+          <p:cNvPr id="9" name="Slide Number Placeholder 8"/>
           <p:cNvSpPr>
             <a:spLocks noGrp="1"/>
           </p:cNvSpPr>
@@ -1881,14 +1650,14 @@
               <a:rPr lang="en-SG" smtClean="0"/>
               <a:t>‹#›</a:t>
             </a:fld>
-            <a:endParaRPr lang="en-SG"/>
+            <a:endParaRPr lang="en-SG" dirty="0"/>
           </a:p>
         </p:txBody>
       </p:sp>
     </p:spTree>
     <p:extLst>
       <p:ext uri="{BB962C8B-B14F-4D97-AF65-F5344CB8AC3E}">
-        <p14:creationId xmlns:p14="http://schemas.microsoft.com/office/powerpoint/2010/main" val="2593177923"/>
+        <p14:creationId xmlns:p14="http://schemas.microsoft.com/office/powerpoint/2010/main" val="1772216649"/>
       </p:ext>
     </p:extLst>
   </p:cSld>
@@ -1917,13 +1686,7 @@
       </p:grpSpPr>
       <p:sp>
         <p:nvSpPr>
-          <p:cNvPr id="2" name="Title 1">
-            <a:extLst>
-              <a:ext uri="{FF2B5EF4-FFF2-40B4-BE49-F238E27FC236}">
-                <a16:creationId xmlns:a16="http://schemas.microsoft.com/office/drawing/2014/main" id="{B2DD57BF-BC9F-42E1-86C5-A60CB9AA5525}"/>
-              </a:ext>
-            </a:extLst>
-          </p:cNvPr>
+          <p:cNvPr id="2" name="Title 1"/>
           <p:cNvSpPr>
             <a:spLocks noGrp="1"/>
           </p:cNvSpPr>
@@ -1940,19 +1703,13 @@
               <a:rPr lang="en-US"/>
               <a:t>Click to edit Master title style</a:t>
             </a:r>
-            <a:endParaRPr lang="en-SG"/>
-          </a:p>
-        </p:txBody>
-      </p:sp>
-      <p:sp>
-        <p:nvSpPr>
-          <p:cNvPr id="3" name="Date Placeholder 2">
-            <a:extLst>
-              <a:ext uri="{FF2B5EF4-FFF2-40B4-BE49-F238E27FC236}">
-                <a16:creationId xmlns:a16="http://schemas.microsoft.com/office/drawing/2014/main" id="{0F10B702-B085-4852-9405-6A8D139A1A50}"/>
-              </a:ext>
-            </a:extLst>
-          </p:cNvPr>
+            <a:endParaRPr lang="en-US" dirty="0"/>
+          </a:p>
+        </p:txBody>
+      </p:sp>
+      <p:sp>
+        <p:nvSpPr>
+          <p:cNvPr id="3" name="Date Placeholder 2"/>
           <p:cNvSpPr>
             <a:spLocks noGrp="1"/>
           </p:cNvSpPr>
@@ -1967,21 +1724,15 @@
           <a:p>
             <a:fld id="{E99B76BA-C258-4CF8-887D-ABD260F85578}" type="datetimeFigureOut">
               <a:rPr lang="en-SG" smtClean="0"/>
-              <a:t>20/10/2020</a:t>
+              <a:t>6/11/2020</a:t>
             </a:fld>
-            <a:endParaRPr lang="en-SG"/>
-          </a:p>
-        </p:txBody>
-      </p:sp>
-      <p:sp>
-        <p:nvSpPr>
-          <p:cNvPr id="4" name="Footer Placeholder 3">
-            <a:extLst>
-              <a:ext uri="{FF2B5EF4-FFF2-40B4-BE49-F238E27FC236}">
-                <a16:creationId xmlns:a16="http://schemas.microsoft.com/office/drawing/2014/main" id="{65B8BA9D-04E1-4293-B381-18B735681155}"/>
-              </a:ext>
-            </a:extLst>
-          </p:cNvPr>
+            <a:endParaRPr lang="en-SG" dirty="0"/>
+          </a:p>
+        </p:txBody>
+      </p:sp>
+      <p:sp>
+        <p:nvSpPr>
+          <p:cNvPr id="4" name="Footer Placeholder 3"/>
           <p:cNvSpPr>
             <a:spLocks noGrp="1"/>
           </p:cNvSpPr>
@@ -1994,19 +1745,13 @@
           <a:bodyPr/>
           <a:lstStyle/>
           <a:p>
-            <a:endParaRPr lang="en-SG"/>
-          </a:p>
-        </p:txBody>
-      </p:sp>
-      <p:sp>
-        <p:nvSpPr>
-          <p:cNvPr id="5" name="Slide Number Placeholder 4">
-            <a:extLst>
-              <a:ext uri="{FF2B5EF4-FFF2-40B4-BE49-F238E27FC236}">
-                <a16:creationId xmlns:a16="http://schemas.microsoft.com/office/drawing/2014/main" id="{59F6A9CF-4CCE-4DEB-95BB-B3C6FBD9ED1F}"/>
-              </a:ext>
-            </a:extLst>
-          </p:cNvPr>
+            <a:endParaRPr lang="en-SG" dirty="0"/>
+          </a:p>
+        </p:txBody>
+      </p:sp>
+      <p:sp>
+        <p:nvSpPr>
+          <p:cNvPr id="5" name="Slide Number Placeholder 4"/>
           <p:cNvSpPr>
             <a:spLocks noGrp="1"/>
           </p:cNvSpPr>
@@ -2023,14 +1768,14 @@
               <a:rPr lang="en-SG" smtClean="0"/>
               <a:t>‹#›</a:t>
             </a:fld>
-            <a:endParaRPr lang="en-SG"/>
+            <a:endParaRPr lang="en-SG" dirty="0"/>
           </a:p>
         </p:txBody>
       </p:sp>
     </p:spTree>
     <p:extLst>
       <p:ext uri="{BB962C8B-B14F-4D97-AF65-F5344CB8AC3E}">
-        <p14:creationId xmlns:p14="http://schemas.microsoft.com/office/powerpoint/2010/main" val="1190237290"/>
+        <p14:creationId xmlns:p14="http://schemas.microsoft.com/office/powerpoint/2010/main" val="2896412707"/>
       </p:ext>
     </p:extLst>
   </p:cSld>
@@ -2059,13 +1804,7 @@
       </p:grpSpPr>
       <p:sp>
         <p:nvSpPr>
-          <p:cNvPr id="2" name="Date Placeholder 1">
-            <a:extLst>
-              <a:ext uri="{FF2B5EF4-FFF2-40B4-BE49-F238E27FC236}">
-                <a16:creationId xmlns:a16="http://schemas.microsoft.com/office/drawing/2014/main" id="{1C33DA77-7EEA-4A48-85AD-9F9AC5ED4145}"/>
-              </a:ext>
-            </a:extLst>
-          </p:cNvPr>
+          <p:cNvPr id="2" name="Date Placeholder 1"/>
           <p:cNvSpPr>
             <a:spLocks noGrp="1"/>
           </p:cNvSpPr>
@@ -2080,21 +1819,15 @@
           <a:p>
             <a:fld id="{E99B76BA-C258-4CF8-887D-ABD260F85578}" type="datetimeFigureOut">
               <a:rPr lang="en-SG" smtClean="0"/>
-              <a:t>20/10/2020</a:t>
+              <a:t>6/11/2020</a:t>
             </a:fld>
-            <a:endParaRPr lang="en-SG"/>
-          </a:p>
-        </p:txBody>
-      </p:sp>
-      <p:sp>
-        <p:nvSpPr>
-          <p:cNvPr id="3" name="Footer Placeholder 2">
-            <a:extLst>
-              <a:ext uri="{FF2B5EF4-FFF2-40B4-BE49-F238E27FC236}">
-                <a16:creationId xmlns:a16="http://schemas.microsoft.com/office/drawing/2014/main" id="{3CEE02A1-457D-44EF-8CE4-A5DB75DE0F13}"/>
-              </a:ext>
-            </a:extLst>
-          </p:cNvPr>
+            <a:endParaRPr lang="en-SG" dirty="0"/>
+          </a:p>
+        </p:txBody>
+      </p:sp>
+      <p:sp>
+        <p:nvSpPr>
+          <p:cNvPr id="3" name="Footer Placeholder 2"/>
           <p:cNvSpPr>
             <a:spLocks noGrp="1"/>
           </p:cNvSpPr>
@@ -2107,19 +1840,13 @@
           <a:bodyPr/>
           <a:lstStyle/>
           <a:p>
-            <a:endParaRPr lang="en-SG"/>
-          </a:p>
-        </p:txBody>
-      </p:sp>
-      <p:sp>
-        <p:nvSpPr>
-          <p:cNvPr id="4" name="Slide Number Placeholder 3">
-            <a:extLst>
-              <a:ext uri="{FF2B5EF4-FFF2-40B4-BE49-F238E27FC236}">
-                <a16:creationId xmlns:a16="http://schemas.microsoft.com/office/drawing/2014/main" id="{6DEF28C1-8DB5-4B34-9403-196D3475B81A}"/>
-              </a:ext>
-            </a:extLst>
-          </p:cNvPr>
+            <a:endParaRPr lang="en-SG" dirty="0"/>
+          </a:p>
+        </p:txBody>
+      </p:sp>
+      <p:sp>
+        <p:nvSpPr>
+          <p:cNvPr id="4" name="Slide Number Placeholder 3"/>
           <p:cNvSpPr>
             <a:spLocks noGrp="1"/>
           </p:cNvSpPr>
@@ -2136,14 +1863,14 @@
               <a:rPr lang="en-SG" smtClean="0"/>
               <a:t>‹#›</a:t>
             </a:fld>
-            <a:endParaRPr lang="en-SG"/>
+            <a:endParaRPr lang="en-SG" dirty="0"/>
           </a:p>
         </p:txBody>
       </p:sp>
     </p:spTree>
     <p:extLst>
       <p:ext uri="{BB962C8B-B14F-4D97-AF65-F5344CB8AC3E}">
-        <p14:creationId xmlns:p14="http://schemas.microsoft.com/office/powerpoint/2010/main" val="3759712430"/>
+        <p14:creationId xmlns:p14="http://schemas.microsoft.com/office/powerpoint/2010/main" val="4090938749"/>
       </p:ext>
     </p:extLst>
   </p:cSld>
@@ -2172,13 +1899,7 @@
       </p:grpSpPr>
       <p:sp>
         <p:nvSpPr>
-          <p:cNvPr id="2" name="Title 1">
-            <a:extLst>
-              <a:ext uri="{FF2B5EF4-FFF2-40B4-BE49-F238E27FC236}">
-                <a16:creationId xmlns:a16="http://schemas.microsoft.com/office/drawing/2014/main" id="{058378C0-D59B-4834-BE8F-1014629389DB}"/>
-              </a:ext>
-            </a:extLst>
-          </p:cNvPr>
+          <p:cNvPr id="2" name="Title 1"/>
           <p:cNvSpPr>
             <a:spLocks noGrp="1"/>
           </p:cNvSpPr>
@@ -2188,15 +1909,15 @@
         </p:nvSpPr>
         <p:spPr>
           <a:xfrm>
-            <a:off x="839788" y="457200"/>
-            <a:ext cx="3932237" cy="1600200"/>
+            <a:off x="1487781" y="1439968"/>
+            <a:ext cx="6966409" cy="5039889"/>
           </a:xfrm>
         </p:spPr>
         <p:txBody>
           <a:bodyPr anchor="b"/>
           <a:lstStyle>
             <a:lvl1pPr>
-              <a:defRPr sz="3200"/>
+              <a:defRPr sz="7559"/>
             </a:lvl1pPr>
           </a:lstStyle>
           <a:p>
@@ -2204,19 +1925,13 @@
               <a:rPr lang="en-US"/>
               <a:t>Click to edit Master title style</a:t>
             </a:r>
-            <a:endParaRPr lang="en-SG"/>
-          </a:p>
-        </p:txBody>
-      </p:sp>
-      <p:sp>
-        <p:nvSpPr>
-          <p:cNvPr id="3" name="Content Placeholder 2">
-            <a:extLst>
-              <a:ext uri="{FF2B5EF4-FFF2-40B4-BE49-F238E27FC236}">
-                <a16:creationId xmlns:a16="http://schemas.microsoft.com/office/drawing/2014/main" id="{9462CB6E-9704-462F-842F-1C2178F3ED3A}"/>
-              </a:ext>
-            </a:extLst>
-          </p:cNvPr>
+            <a:endParaRPr lang="en-US" dirty="0"/>
+          </a:p>
+        </p:txBody>
+      </p:sp>
+      <p:sp>
+        <p:nvSpPr>
+          <p:cNvPr id="3" name="Content Placeholder 2"/>
           <p:cNvSpPr>
             <a:spLocks noGrp="1"/>
           </p:cNvSpPr>
@@ -2226,39 +1941,39 @@
         </p:nvSpPr>
         <p:spPr>
           <a:xfrm>
-            <a:off x="5183188" y="987425"/>
-            <a:ext cx="6172200" cy="4873625"/>
+            <a:off x="9182611" y="3109937"/>
+            <a:ext cx="10934760" cy="15349662"/>
           </a:xfrm>
         </p:spPr>
         <p:txBody>
           <a:bodyPr/>
           <a:lstStyle>
             <a:lvl1pPr>
-              <a:defRPr sz="3200"/>
+              <a:defRPr sz="7559"/>
             </a:lvl1pPr>
             <a:lvl2pPr>
-              <a:defRPr sz="2800"/>
+              <a:defRPr sz="6614"/>
             </a:lvl2pPr>
             <a:lvl3pPr>
-              <a:defRPr sz="2400"/>
+              <a:defRPr sz="5669"/>
             </a:lvl3pPr>
             <a:lvl4pPr>
-              <a:defRPr sz="2000"/>
+              <a:defRPr sz="4724"/>
             </a:lvl4pPr>
             <a:lvl5pPr>
-              <a:defRPr sz="2000"/>
+              <a:defRPr sz="4724"/>
             </a:lvl5pPr>
             <a:lvl6pPr>
-              <a:defRPr sz="2000"/>
+              <a:defRPr sz="4724"/>
             </a:lvl6pPr>
             <a:lvl7pPr>
-              <a:defRPr sz="2000"/>
+              <a:defRPr sz="4724"/>
             </a:lvl7pPr>
             <a:lvl8pPr>
-              <a:defRPr sz="2000"/>
+              <a:defRPr sz="4724"/>
             </a:lvl8pPr>
             <a:lvl9pPr>
-              <a:defRPr sz="2000"/>
+              <a:defRPr sz="4724"/>
             </a:lvl9pPr>
           </a:lstStyle>
           <a:p>
@@ -2295,19 +2010,13 @@
               <a:rPr lang="en-US"/>
               <a:t>Fifth level</a:t>
             </a:r>
-            <a:endParaRPr lang="en-SG"/>
-          </a:p>
-        </p:txBody>
-      </p:sp>
-      <p:sp>
-        <p:nvSpPr>
-          <p:cNvPr id="4" name="Text Placeholder 3">
-            <a:extLst>
-              <a:ext uri="{FF2B5EF4-FFF2-40B4-BE49-F238E27FC236}">
-                <a16:creationId xmlns:a16="http://schemas.microsoft.com/office/drawing/2014/main" id="{A7BAC5B1-3C42-45F1-88D1-EB21ADC181D1}"/>
-              </a:ext>
-            </a:extLst>
-          </p:cNvPr>
+            <a:endParaRPr lang="en-US" dirty="0"/>
+          </a:p>
+        </p:txBody>
+      </p:sp>
+      <p:sp>
+        <p:nvSpPr>
+          <p:cNvPr id="4" name="Text Placeholder 3"/>
           <p:cNvSpPr>
             <a:spLocks noGrp="1"/>
           </p:cNvSpPr>
@@ -2317,8 +2026,8 @@
         </p:nvSpPr>
         <p:spPr>
           <a:xfrm>
-            <a:off x="839788" y="2057400"/>
-            <a:ext cx="3932237" cy="3811588"/>
+            <a:off x="1487781" y="6479857"/>
+            <a:ext cx="6966409" cy="12004738"/>
           </a:xfrm>
         </p:spPr>
         <p:txBody>
@@ -2326,39 +2035,39 @@
           <a:lstStyle>
             <a:lvl1pPr marL="0" indent="0">
               <a:buNone/>
-              <a:defRPr sz="1600"/>
+              <a:defRPr sz="3780"/>
             </a:lvl1pPr>
-            <a:lvl2pPr marL="457200" indent="0">
+            <a:lvl2pPr marL="1079998" indent="0">
               <a:buNone/>
-              <a:defRPr sz="1400"/>
+              <a:defRPr sz="3307"/>
             </a:lvl2pPr>
-            <a:lvl3pPr marL="914400" indent="0">
+            <a:lvl3pPr marL="2159996" indent="0">
               <a:buNone/>
-              <a:defRPr sz="1200"/>
+              <a:defRPr sz="2835"/>
             </a:lvl3pPr>
-            <a:lvl4pPr marL="1371600" indent="0">
+            <a:lvl4pPr marL="3239994" indent="0">
               <a:buNone/>
-              <a:defRPr sz="1000"/>
+              <a:defRPr sz="2362"/>
             </a:lvl4pPr>
-            <a:lvl5pPr marL="1828800" indent="0">
+            <a:lvl5pPr marL="4319991" indent="0">
               <a:buNone/>
-              <a:defRPr sz="1000"/>
+              <a:defRPr sz="2362"/>
             </a:lvl5pPr>
-            <a:lvl6pPr marL="2286000" indent="0">
+            <a:lvl6pPr marL="5399989" indent="0">
               <a:buNone/>
-              <a:defRPr sz="1000"/>
+              <a:defRPr sz="2362"/>
             </a:lvl6pPr>
-            <a:lvl7pPr marL="2743200" indent="0">
+            <a:lvl7pPr marL="6479987" indent="0">
               <a:buNone/>
-              <a:defRPr sz="1000"/>
+              <a:defRPr sz="2362"/>
             </a:lvl7pPr>
-            <a:lvl8pPr marL="3200400" indent="0">
+            <a:lvl8pPr marL="7559985" indent="0">
               <a:buNone/>
-              <a:defRPr sz="1000"/>
+              <a:defRPr sz="2362"/>
             </a:lvl8pPr>
-            <a:lvl9pPr marL="3657600" indent="0">
+            <a:lvl9pPr marL="8639983" indent="0">
               <a:buNone/>
-              <a:defRPr sz="1000"/>
+              <a:defRPr sz="2362"/>
             </a:lvl9pPr>
           </a:lstStyle>
           <a:p>
@@ -2372,13 +2081,7 @@
       </p:sp>
       <p:sp>
         <p:nvSpPr>
-          <p:cNvPr id="5" name="Date Placeholder 4">
-            <a:extLst>
-              <a:ext uri="{FF2B5EF4-FFF2-40B4-BE49-F238E27FC236}">
-                <a16:creationId xmlns:a16="http://schemas.microsoft.com/office/drawing/2014/main" id="{A4CD7E13-734D-4DCE-A105-0AB5EE83C9B3}"/>
-              </a:ext>
-            </a:extLst>
-          </p:cNvPr>
+          <p:cNvPr id="5" name="Date Placeholder 4"/>
           <p:cNvSpPr>
             <a:spLocks noGrp="1"/>
           </p:cNvSpPr>
@@ -2393,21 +2096,15 @@
           <a:p>
             <a:fld id="{E99B76BA-C258-4CF8-887D-ABD260F85578}" type="datetimeFigureOut">
               <a:rPr lang="en-SG" smtClean="0"/>
-              <a:t>20/10/2020</a:t>
+              <a:t>6/11/2020</a:t>
             </a:fld>
-            <a:endParaRPr lang="en-SG"/>
-          </a:p>
-        </p:txBody>
-      </p:sp>
-      <p:sp>
-        <p:nvSpPr>
-          <p:cNvPr id="6" name="Footer Placeholder 5">
-            <a:extLst>
-              <a:ext uri="{FF2B5EF4-FFF2-40B4-BE49-F238E27FC236}">
-                <a16:creationId xmlns:a16="http://schemas.microsoft.com/office/drawing/2014/main" id="{A074FF63-5D6F-4446-A0EC-2124707CF02F}"/>
-              </a:ext>
-            </a:extLst>
-          </p:cNvPr>
+            <a:endParaRPr lang="en-SG" dirty="0"/>
+          </a:p>
+        </p:txBody>
+      </p:sp>
+      <p:sp>
+        <p:nvSpPr>
+          <p:cNvPr id="6" name="Footer Placeholder 5"/>
           <p:cNvSpPr>
             <a:spLocks noGrp="1"/>
           </p:cNvSpPr>
@@ -2420,19 +2117,13 @@
           <a:bodyPr/>
           <a:lstStyle/>
           <a:p>
-            <a:endParaRPr lang="en-SG"/>
-          </a:p>
-        </p:txBody>
-      </p:sp>
-      <p:sp>
-        <p:nvSpPr>
-          <p:cNvPr id="7" name="Slide Number Placeholder 6">
-            <a:extLst>
-              <a:ext uri="{FF2B5EF4-FFF2-40B4-BE49-F238E27FC236}">
-                <a16:creationId xmlns:a16="http://schemas.microsoft.com/office/drawing/2014/main" id="{A933004D-0F8F-42C8-91FD-091E6E639545}"/>
-              </a:ext>
-            </a:extLst>
-          </p:cNvPr>
+            <a:endParaRPr lang="en-SG" dirty="0"/>
+          </a:p>
+        </p:txBody>
+      </p:sp>
+      <p:sp>
+        <p:nvSpPr>
+          <p:cNvPr id="7" name="Slide Number Placeholder 6"/>
           <p:cNvSpPr>
             <a:spLocks noGrp="1"/>
           </p:cNvSpPr>
@@ -2449,14 +2140,14 @@
               <a:rPr lang="en-SG" smtClean="0"/>
               <a:t>‹#›</a:t>
             </a:fld>
-            <a:endParaRPr lang="en-SG"/>
+            <a:endParaRPr lang="en-SG" dirty="0"/>
           </a:p>
         </p:txBody>
       </p:sp>
     </p:spTree>
     <p:extLst>
       <p:ext uri="{BB962C8B-B14F-4D97-AF65-F5344CB8AC3E}">
-        <p14:creationId xmlns:p14="http://schemas.microsoft.com/office/powerpoint/2010/main" val="131574575"/>
+        <p14:creationId xmlns:p14="http://schemas.microsoft.com/office/powerpoint/2010/main" val="455662395"/>
       </p:ext>
     </p:extLst>
   </p:cSld>
@@ -2485,13 +2176,7 @@
       </p:grpSpPr>
       <p:sp>
         <p:nvSpPr>
-          <p:cNvPr id="2" name="Title 1">
-            <a:extLst>
-              <a:ext uri="{FF2B5EF4-FFF2-40B4-BE49-F238E27FC236}">
-                <a16:creationId xmlns:a16="http://schemas.microsoft.com/office/drawing/2014/main" id="{4F4500D9-5AF6-4B11-8B77-D12DEAE10A1C}"/>
-              </a:ext>
-            </a:extLst>
-          </p:cNvPr>
+          <p:cNvPr id="2" name="Title 1"/>
           <p:cNvSpPr>
             <a:spLocks noGrp="1"/>
           </p:cNvSpPr>
@@ -2501,15 +2186,15 @@
         </p:nvSpPr>
         <p:spPr>
           <a:xfrm>
-            <a:off x="839788" y="457200"/>
-            <a:ext cx="3932237" cy="1600200"/>
+            <a:off x="1487781" y="1439968"/>
+            <a:ext cx="6966409" cy="5039889"/>
           </a:xfrm>
         </p:spPr>
         <p:txBody>
           <a:bodyPr anchor="b"/>
           <a:lstStyle>
             <a:lvl1pPr>
-              <a:defRPr sz="3200"/>
+              <a:defRPr sz="7559"/>
             </a:lvl1pPr>
           </a:lstStyle>
           <a:p>
@@ -2517,21 +2202,15 @@
               <a:rPr lang="en-US"/>
               <a:t>Click to edit Master title style</a:t>
             </a:r>
-            <a:endParaRPr lang="en-SG"/>
-          </a:p>
-        </p:txBody>
-      </p:sp>
-      <p:sp>
-        <p:nvSpPr>
-          <p:cNvPr id="3" name="Picture Placeholder 2">
-            <a:extLst>
-              <a:ext uri="{FF2B5EF4-FFF2-40B4-BE49-F238E27FC236}">
-                <a16:creationId xmlns:a16="http://schemas.microsoft.com/office/drawing/2014/main" id="{D6E99CFE-F818-4633-8796-74CBBC93402E}"/>
-              </a:ext>
-            </a:extLst>
-          </p:cNvPr>
+            <a:endParaRPr lang="en-US" dirty="0"/>
+          </a:p>
+        </p:txBody>
+      </p:sp>
+      <p:sp>
+        <p:nvSpPr>
+          <p:cNvPr id="3" name="Picture Placeholder 2"/>
           <p:cNvSpPr>
-            <a:spLocks noGrp="1"/>
+            <a:spLocks noGrp="1" noChangeAspect="1"/>
           </p:cNvSpPr>
           <p:nvPr>
             <p:ph type="pic" idx="1"/>
@@ -2539,64 +2218,61 @@
         </p:nvSpPr>
         <p:spPr>
           <a:xfrm>
-            <a:off x="5183188" y="987425"/>
-            <a:ext cx="6172200" cy="4873625"/>
-          </a:xfrm>
-        </p:spPr>
-        <p:txBody>
-          <a:bodyPr/>
+            <a:off x="9182611" y="3109937"/>
+            <a:ext cx="10934760" cy="15349662"/>
+          </a:xfrm>
+        </p:spPr>
+        <p:txBody>
+          <a:bodyPr anchor="t"/>
           <a:lstStyle>
             <a:lvl1pPr marL="0" indent="0">
               <a:buNone/>
-              <a:defRPr sz="3200"/>
+              <a:defRPr sz="7559"/>
             </a:lvl1pPr>
-            <a:lvl2pPr marL="457200" indent="0">
+            <a:lvl2pPr marL="1079998" indent="0">
               <a:buNone/>
-              <a:defRPr sz="2800"/>
+              <a:defRPr sz="6614"/>
             </a:lvl2pPr>
-            <a:lvl3pPr marL="914400" indent="0">
+            <a:lvl3pPr marL="2159996" indent="0">
               <a:buNone/>
-              <a:defRPr sz="2400"/>
+              <a:defRPr sz="5669"/>
             </a:lvl3pPr>
-            <a:lvl4pPr marL="1371600" indent="0">
+            <a:lvl4pPr marL="3239994" indent="0">
               <a:buNone/>
-              <a:defRPr sz="2000"/>
+              <a:defRPr sz="4724"/>
             </a:lvl4pPr>
-            <a:lvl5pPr marL="1828800" indent="0">
+            <a:lvl5pPr marL="4319991" indent="0">
               <a:buNone/>
-              <a:defRPr sz="2000"/>
+              <a:defRPr sz="4724"/>
             </a:lvl5pPr>
-            <a:lvl6pPr marL="2286000" indent="0">
+            <a:lvl6pPr marL="5399989" indent="0">
               <a:buNone/>
-              <a:defRPr sz="2000"/>
+              <a:defRPr sz="4724"/>
             </a:lvl6pPr>
-            <a:lvl7pPr marL="2743200" indent="0">
+            <a:lvl7pPr marL="6479987" indent="0">
               <a:buNone/>
-              <a:defRPr sz="2000"/>
+              <a:defRPr sz="4724"/>
             </a:lvl7pPr>
-            <a:lvl8pPr marL="3200400" indent="0">
+            <a:lvl8pPr marL="7559985" indent="0">
               <a:buNone/>
-              <a:defRPr sz="2000"/>
+              <a:defRPr sz="4724"/>
             </a:lvl8pPr>
-            <a:lvl9pPr marL="3657600" indent="0">
+            <a:lvl9pPr marL="8639983" indent="0">
               <a:buNone/>
-              <a:defRPr sz="2000"/>
+              <a:defRPr sz="4724"/>
             </a:lvl9pPr>
           </a:lstStyle>
           <a:p>
-            <a:endParaRPr lang="en-SG"/>
-          </a:p>
-        </p:txBody>
-      </p:sp>
-      <p:sp>
-        <p:nvSpPr>
-          <p:cNvPr id="4" name="Text Placeholder 3">
-            <a:extLst>
-              <a:ext uri="{FF2B5EF4-FFF2-40B4-BE49-F238E27FC236}">
-                <a16:creationId xmlns:a16="http://schemas.microsoft.com/office/drawing/2014/main" id="{70DBBEB9-A08B-41D5-937B-125F0D54B54D}"/>
-              </a:ext>
-            </a:extLst>
-          </p:cNvPr>
+            <a:r>
+              <a:rPr lang="en-US" dirty="0"/>
+              <a:t>Click icon to add picture</a:t>
+            </a:r>
+          </a:p>
+        </p:txBody>
+      </p:sp>
+      <p:sp>
+        <p:nvSpPr>
+          <p:cNvPr id="4" name="Text Placeholder 3"/>
           <p:cNvSpPr>
             <a:spLocks noGrp="1"/>
           </p:cNvSpPr>
@@ -2606,8 +2282,8 @@
         </p:nvSpPr>
         <p:spPr>
           <a:xfrm>
-            <a:off x="839788" y="2057400"/>
-            <a:ext cx="3932237" cy="3811588"/>
+            <a:off x="1487781" y="6479857"/>
+            <a:ext cx="6966409" cy="12004738"/>
           </a:xfrm>
         </p:spPr>
         <p:txBody>
@@ -2615,39 +2291,39 @@
           <a:lstStyle>
             <a:lvl1pPr marL="0" indent="0">
               <a:buNone/>
-              <a:defRPr sz="1600"/>
+              <a:defRPr sz="3780"/>
             </a:lvl1pPr>
-            <a:lvl2pPr marL="457200" indent="0">
+            <a:lvl2pPr marL="1079998" indent="0">
               <a:buNone/>
-              <a:defRPr sz="1400"/>
+              <a:defRPr sz="3307"/>
             </a:lvl2pPr>
-            <a:lvl3pPr marL="914400" indent="0">
+            <a:lvl3pPr marL="2159996" indent="0">
               <a:buNone/>
-              <a:defRPr sz="1200"/>
+              <a:defRPr sz="2835"/>
             </a:lvl3pPr>
-            <a:lvl4pPr marL="1371600" indent="0">
+            <a:lvl4pPr marL="3239994" indent="0">
               <a:buNone/>
-              <a:defRPr sz="1000"/>
+              <a:defRPr sz="2362"/>
             </a:lvl4pPr>
-            <a:lvl5pPr marL="1828800" indent="0">
+            <a:lvl5pPr marL="4319991" indent="0">
               <a:buNone/>
-              <a:defRPr sz="1000"/>
+              <a:defRPr sz="2362"/>
             </a:lvl5pPr>
-            <a:lvl6pPr marL="2286000" indent="0">
+            <a:lvl6pPr marL="5399989" indent="0">
               <a:buNone/>
-              <a:defRPr sz="1000"/>
+              <a:defRPr sz="2362"/>
             </a:lvl6pPr>
-            <a:lvl7pPr marL="2743200" indent="0">
+            <a:lvl7pPr marL="6479987" indent="0">
               <a:buNone/>
-              <a:defRPr sz="1000"/>
+              <a:defRPr sz="2362"/>
             </a:lvl7pPr>
-            <a:lvl8pPr marL="3200400" indent="0">
+            <a:lvl8pPr marL="7559985" indent="0">
               <a:buNone/>
-              <a:defRPr sz="1000"/>
+              <a:defRPr sz="2362"/>
             </a:lvl8pPr>
-            <a:lvl9pPr marL="3657600" indent="0">
+            <a:lvl9pPr marL="8639983" indent="0">
               <a:buNone/>
-              <a:defRPr sz="1000"/>
+              <a:defRPr sz="2362"/>
             </a:lvl9pPr>
           </a:lstStyle>
           <a:p>
@@ -2661,13 +2337,7 @@
       </p:sp>
       <p:sp>
         <p:nvSpPr>
-          <p:cNvPr id="5" name="Date Placeholder 4">
-            <a:extLst>
-              <a:ext uri="{FF2B5EF4-FFF2-40B4-BE49-F238E27FC236}">
-                <a16:creationId xmlns:a16="http://schemas.microsoft.com/office/drawing/2014/main" id="{DF3A466A-2BCF-4342-960B-2F651D6E6C68}"/>
-              </a:ext>
-            </a:extLst>
-          </p:cNvPr>
+          <p:cNvPr id="5" name="Date Placeholder 4"/>
           <p:cNvSpPr>
             <a:spLocks noGrp="1"/>
           </p:cNvSpPr>
@@ -2682,21 +2352,15 @@
           <a:p>
             <a:fld id="{E99B76BA-C258-4CF8-887D-ABD260F85578}" type="datetimeFigureOut">
               <a:rPr lang="en-SG" smtClean="0"/>
-              <a:t>20/10/2020</a:t>
+              <a:t>6/11/2020</a:t>
             </a:fld>
-            <a:endParaRPr lang="en-SG"/>
-          </a:p>
-        </p:txBody>
-      </p:sp>
-      <p:sp>
-        <p:nvSpPr>
-          <p:cNvPr id="6" name="Footer Placeholder 5">
-            <a:extLst>
-              <a:ext uri="{FF2B5EF4-FFF2-40B4-BE49-F238E27FC236}">
-                <a16:creationId xmlns:a16="http://schemas.microsoft.com/office/drawing/2014/main" id="{1FF7A5F8-CD49-4F69-BAA1-943A0FECBDF0}"/>
-              </a:ext>
-            </a:extLst>
-          </p:cNvPr>
+            <a:endParaRPr lang="en-SG" dirty="0"/>
+          </a:p>
+        </p:txBody>
+      </p:sp>
+      <p:sp>
+        <p:nvSpPr>
+          <p:cNvPr id="6" name="Footer Placeholder 5"/>
           <p:cNvSpPr>
             <a:spLocks noGrp="1"/>
           </p:cNvSpPr>
@@ -2709,19 +2373,13 @@
           <a:bodyPr/>
           <a:lstStyle/>
           <a:p>
-            <a:endParaRPr lang="en-SG"/>
-          </a:p>
-        </p:txBody>
-      </p:sp>
-      <p:sp>
-        <p:nvSpPr>
-          <p:cNvPr id="7" name="Slide Number Placeholder 6">
-            <a:extLst>
-              <a:ext uri="{FF2B5EF4-FFF2-40B4-BE49-F238E27FC236}">
-                <a16:creationId xmlns:a16="http://schemas.microsoft.com/office/drawing/2014/main" id="{77983AF1-F49E-4DA3-8B6E-1B250F90F9F4}"/>
-              </a:ext>
-            </a:extLst>
-          </p:cNvPr>
+            <a:endParaRPr lang="en-SG" dirty="0"/>
+          </a:p>
+        </p:txBody>
+      </p:sp>
+      <p:sp>
+        <p:nvSpPr>
+          <p:cNvPr id="7" name="Slide Number Placeholder 6"/>
           <p:cNvSpPr>
             <a:spLocks noGrp="1"/>
           </p:cNvSpPr>
@@ -2738,14 +2396,14 @@
               <a:rPr lang="en-SG" smtClean="0"/>
               <a:t>‹#›</a:t>
             </a:fld>
-            <a:endParaRPr lang="en-SG"/>
+            <a:endParaRPr lang="en-SG" dirty="0"/>
           </a:p>
         </p:txBody>
       </p:sp>
     </p:spTree>
     <p:extLst>
       <p:ext uri="{BB962C8B-B14F-4D97-AF65-F5344CB8AC3E}">
-        <p14:creationId xmlns:p14="http://schemas.microsoft.com/office/powerpoint/2010/main" val="2397014378"/>
+        <p14:creationId xmlns:p14="http://schemas.microsoft.com/office/powerpoint/2010/main" val="3003815558"/>
       </p:ext>
     </p:extLst>
   </p:cSld>
@@ -2779,13 +2437,7 @@
       </p:grpSpPr>
       <p:sp>
         <p:nvSpPr>
-          <p:cNvPr id="2" name="Title Placeholder 1">
-            <a:extLst>
-              <a:ext uri="{FF2B5EF4-FFF2-40B4-BE49-F238E27FC236}">
-                <a16:creationId xmlns:a16="http://schemas.microsoft.com/office/drawing/2014/main" id="{B8C88953-8DDA-4884-AA9F-58D0651A9221}"/>
-              </a:ext>
-            </a:extLst>
-          </p:cNvPr>
+          <p:cNvPr id="2" name="Title Placeholder 1"/>
           <p:cNvSpPr>
             <a:spLocks noGrp="1"/>
           </p:cNvSpPr>
@@ -2795,8 +2447,8 @@
         </p:nvSpPr>
         <p:spPr>
           <a:xfrm>
-            <a:off x="838200" y="365125"/>
-            <a:ext cx="10515600" cy="1325563"/>
+            <a:off x="1484968" y="1149979"/>
+            <a:ext cx="18629590" cy="4174910"/>
           </a:xfrm>
           <a:prstGeom prst="rect">
             <a:avLst/>
@@ -2812,19 +2464,13 @@
               <a:rPr lang="en-US"/>
               <a:t>Click to edit Master title style</a:t>
             </a:r>
-            <a:endParaRPr lang="en-SG"/>
-          </a:p>
-        </p:txBody>
-      </p:sp>
-      <p:sp>
-        <p:nvSpPr>
-          <p:cNvPr id="3" name="Text Placeholder 2">
-            <a:extLst>
-              <a:ext uri="{FF2B5EF4-FFF2-40B4-BE49-F238E27FC236}">
-                <a16:creationId xmlns:a16="http://schemas.microsoft.com/office/drawing/2014/main" id="{DE394CA6-A498-4CC5-A903-A2775B70A965}"/>
-              </a:ext>
-            </a:extLst>
-          </p:cNvPr>
+            <a:endParaRPr lang="en-US" dirty="0"/>
+          </a:p>
+        </p:txBody>
+      </p:sp>
+      <p:sp>
+        <p:nvSpPr>
+          <p:cNvPr id="3" name="Text Placeholder 2"/>
           <p:cNvSpPr>
             <a:spLocks noGrp="1"/>
           </p:cNvSpPr>
@@ -2834,8 +2480,8 @@
         </p:nvSpPr>
         <p:spPr>
           <a:xfrm>
-            <a:off x="838200" y="1825625"/>
-            <a:ext cx="10515600" cy="4351338"/>
+            <a:off x="1484968" y="5749874"/>
+            <a:ext cx="18629590" cy="13704700"/>
           </a:xfrm>
           <a:prstGeom prst="rect">
             <a:avLst/>
@@ -2880,19 +2526,13 @@
               <a:rPr lang="en-US"/>
               <a:t>Fifth level</a:t>
             </a:r>
-            <a:endParaRPr lang="en-SG"/>
-          </a:p>
-        </p:txBody>
-      </p:sp>
-      <p:sp>
-        <p:nvSpPr>
-          <p:cNvPr id="4" name="Date Placeholder 3">
-            <a:extLst>
-              <a:ext uri="{FF2B5EF4-FFF2-40B4-BE49-F238E27FC236}">
-                <a16:creationId xmlns:a16="http://schemas.microsoft.com/office/drawing/2014/main" id="{6D7D63F3-A6BD-447F-B4C7-DC4445F0052A}"/>
-              </a:ext>
-            </a:extLst>
-          </p:cNvPr>
+            <a:endParaRPr lang="en-US" dirty="0"/>
+          </a:p>
+        </p:txBody>
+      </p:sp>
+      <p:sp>
+        <p:nvSpPr>
+          <p:cNvPr id="4" name="Date Placeholder 3"/>
           <p:cNvSpPr>
             <a:spLocks noGrp="1"/>
           </p:cNvSpPr>
@@ -2902,8 +2542,8 @@
         </p:nvSpPr>
         <p:spPr>
           <a:xfrm>
-            <a:off x="838200" y="6356350"/>
-            <a:ext cx="2743200" cy="365125"/>
+            <a:off x="1484967" y="20019564"/>
+            <a:ext cx="4859893" cy="1149975"/>
           </a:xfrm>
           <a:prstGeom prst="rect">
             <a:avLst/>
@@ -2913,7 +2553,7 @@
           <a:bodyPr vert="horz" lIns="91440" tIns="45720" rIns="91440" bIns="45720" rtlCol="0" anchor="ctr"/>
           <a:lstStyle>
             <a:lvl1pPr algn="l">
-              <a:defRPr sz="1200">
+              <a:defRPr sz="2835">
                 <a:solidFill>
                   <a:schemeClr val="tx1">
                     <a:tint val="75000"/>
@@ -2925,21 +2565,15 @@
           <a:p>
             <a:fld id="{E99B76BA-C258-4CF8-887D-ABD260F85578}" type="datetimeFigureOut">
               <a:rPr lang="en-SG" smtClean="0"/>
-              <a:t>20/10/2020</a:t>
+              <a:t>6/11/2020</a:t>
             </a:fld>
-            <a:endParaRPr lang="en-SG"/>
-          </a:p>
-        </p:txBody>
-      </p:sp>
-      <p:sp>
-        <p:nvSpPr>
-          <p:cNvPr id="5" name="Footer Placeholder 4">
-            <a:extLst>
-              <a:ext uri="{FF2B5EF4-FFF2-40B4-BE49-F238E27FC236}">
-                <a16:creationId xmlns:a16="http://schemas.microsoft.com/office/drawing/2014/main" id="{56ECD651-BC02-4B19-9D31-461D994C88A2}"/>
-              </a:ext>
-            </a:extLst>
-          </p:cNvPr>
+            <a:endParaRPr lang="en-SG" dirty="0"/>
+          </a:p>
+        </p:txBody>
+      </p:sp>
+      <p:sp>
+        <p:nvSpPr>
+          <p:cNvPr id="5" name="Footer Placeholder 4"/>
           <p:cNvSpPr>
             <a:spLocks noGrp="1"/>
           </p:cNvSpPr>
@@ -2949,8 +2583,8 @@
         </p:nvSpPr>
         <p:spPr>
           <a:xfrm>
-            <a:off x="4038600" y="6356350"/>
-            <a:ext cx="4114800" cy="365125"/>
+            <a:off x="7154843" y="20019564"/>
+            <a:ext cx="7289840" cy="1149975"/>
           </a:xfrm>
           <a:prstGeom prst="rect">
             <a:avLst/>
@@ -2960,7 +2594,7 @@
           <a:bodyPr vert="horz" lIns="91440" tIns="45720" rIns="91440" bIns="45720" rtlCol="0" anchor="ctr"/>
           <a:lstStyle>
             <a:lvl1pPr algn="ctr">
-              <a:defRPr sz="1200">
+              <a:defRPr sz="2835">
                 <a:solidFill>
                   <a:schemeClr val="tx1">
                     <a:tint val="75000"/>
@@ -2970,19 +2604,13 @@
             </a:lvl1pPr>
           </a:lstStyle>
           <a:p>
-            <a:endParaRPr lang="en-SG"/>
-          </a:p>
-        </p:txBody>
-      </p:sp>
-      <p:sp>
-        <p:nvSpPr>
-          <p:cNvPr id="6" name="Slide Number Placeholder 5">
-            <a:extLst>
-              <a:ext uri="{FF2B5EF4-FFF2-40B4-BE49-F238E27FC236}">
-                <a16:creationId xmlns:a16="http://schemas.microsoft.com/office/drawing/2014/main" id="{B42F383D-2607-42BA-9439-B1BA5D9E1E6D}"/>
-              </a:ext>
-            </a:extLst>
-          </p:cNvPr>
+            <a:endParaRPr lang="en-SG" dirty="0"/>
+          </a:p>
+        </p:txBody>
+      </p:sp>
+      <p:sp>
+        <p:nvSpPr>
+          <p:cNvPr id="6" name="Slide Number Placeholder 5"/>
           <p:cNvSpPr>
             <a:spLocks noGrp="1"/>
           </p:cNvSpPr>
@@ -2992,8 +2620,8 @@
         </p:nvSpPr>
         <p:spPr>
           <a:xfrm>
-            <a:off x="8610600" y="6356350"/>
-            <a:ext cx="2743200" cy="365125"/>
+            <a:off x="15254665" y="20019564"/>
+            <a:ext cx="4859893" cy="1149975"/>
           </a:xfrm>
           <a:prstGeom prst="rect">
             <a:avLst/>
@@ -3003,7 +2631,7 @@
           <a:bodyPr vert="horz" lIns="91440" tIns="45720" rIns="91440" bIns="45720" rtlCol="0" anchor="ctr"/>
           <a:lstStyle>
             <a:lvl1pPr algn="r">
-              <a:defRPr sz="1200">
+              <a:defRPr sz="2835">
                 <a:solidFill>
                   <a:schemeClr val="tx1">
                     <a:tint val="75000"/>
@@ -3017,34 +2645,34 @@
               <a:rPr lang="en-SG" smtClean="0"/>
               <a:t>‹#›</a:t>
             </a:fld>
-            <a:endParaRPr lang="en-SG"/>
+            <a:endParaRPr lang="en-SG" dirty="0"/>
           </a:p>
         </p:txBody>
       </p:sp>
     </p:spTree>
     <p:extLst>
       <p:ext uri="{BB962C8B-B14F-4D97-AF65-F5344CB8AC3E}">
-        <p14:creationId xmlns:p14="http://schemas.microsoft.com/office/powerpoint/2010/main" val="718727010"/>
+        <p14:creationId xmlns:p14="http://schemas.microsoft.com/office/powerpoint/2010/main" val="340220764"/>
       </p:ext>
     </p:extLst>
   </p:cSld>
   <p:clrMap bg1="lt1" tx1="dk1" bg2="lt2" tx2="dk2" accent1="accent1" accent2="accent2" accent3="accent3" accent4="accent4" accent5="accent5" accent6="accent6" hlink="hlink" folHlink="folHlink"/>
   <p:sldLayoutIdLst>
-    <p:sldLayoutId id="2147483649" r:id="rId1"/>
-    <p:sldLayoutId id="2147483650" r:id="rId2"/>
-    <p:sldLayoutId id="2147483651" r:id="rId3"/>
-    <p:sldLayoutId id="2147483652" r:id="rId4"/>
-    <p:sldLayoutId id="2147483653" r:id="rId5"/>
-    <p:sldLayoutId id="2147483654" r:id="rId6"/>
-    <p:sldLayoutId id="2147483655" r:id="rId7"/>
-    <p:sldLayoutId id="2147483656" r:id="rId8"/>
-    <p:sldLayoutId id="2147483657" r:id="rId9"/>
-    <p:sldLayoutId id="2147483658" r:id="rId10"/>
-    <p:sldLayoutId id="2147483659" r:id="rId11"/>
+    <p:sldLayoutId id="2147483673" r:id="rId1"/>
+    <p:sldLayoutId id="2147483674" r:id="rId2"/>
+    <p:sldLayoutId id="2147483675" r:id="rId3"/>
+    <p:sldLayoutId id="2147483676" r:id="rId4"/>
+    <p:sldLayoutId id="2147483677" r:id="rId5"/>
+    <p:sldLayoutId id="2147483678" r:id="rId6"/>
+    <p:sldLayoutId id="2147483679" r:id="rId7"/>
+    <p:sldLayoutId id="2147483680" r:id="rId8"/>
+    <p:sldLayoutId id="2147483681" r:id="rId9"/>
+    <p:sldLayoutId id="2147483682" r:id="rId10"/>
+    <p:sldLayoutId id="2147483683" r:id="rId11"/>
   </p:sldLayoutIdLst>
   <p:txStyles>
     <p:titleStyle>
-      <a:lvl1pPr algn="l" defTabSz="914400" rtl="0" eaLnBrk="1" latinLnBrk="0" hangingPunct="1">
+      <a:lvl1pPr algn="l" defTabSz="2159996" rtl="0" eaLnBrk="1" latinLnBrk="0" hangingPunct="1">
         <a:lnSpc>
           <a:spcPct val="90000"/>
         </a:lnSpc>
@@ -3052,7 +2680,7 @@
           <a:spcPct val="0"/>
         </a:spcBef>
         <a:buNone/>
-        <a:defRPr sz="4400" kern="1200">
+        <a:defRPr sz="10394" kern="1200">
           <a:solidFill>
             <a:schemeClr val="tx1"/>
           </a:solidFill>
@@ -3063,16 +2691,16 @@
       </a:lvl1pPr>
     </p:titleStyle>
     <p:bodyStyle>
-      <a:lvl1pPr marL="228600" indent="-228600" algn="l" defTabSz="914400" rtl="0" eaLnBrk="1" latinLnBrk="0" hangingPunct="1">
+      <a:lvl1pPr marL="539999" indent="-539999" algn="l" defTabSz="2159996" rtl="0" eaLnBrk="1" latinLnBrk="0" hangingPunct="1">
         <a:lnSpc>
           <a:spcPct val="90000"/>
         </a:lnSpc>
         <a:spcBef>
-          <a:spcPts val="1000"/>
+          <a:spcPts val="2362"/>
         </a:spcBef>
         <a:buFont typeface="Arial" panose="020B0604020202020204" pitchFamily="34" charset="0"/>
         <a:buChar char="•"/>
-        <a:defRPr sz="2800" kern="1200">
+        <a:defRPr sz="6614" kern="1200">
           <a:solidFill>
             <a:schemeClr val="tx1"/>
           </a:solidFill>
@@ -3081,16 +2709,16 @@
           <a:cs typeface="+mn-cs"/>
         </a:defRPr>
       </a:lvl1pPr>
-      <a:lvl2pPr marL="685800" indent="-228600" algn="l" defTabSz="914400" rtl="0" eaLnBrk="1" latinLnBrk="0" hangingPunct="1">
+      <a:lvl2pPr marL="1619997" indent="-539999" algn="l" defTabSz="2159996" rtl="0" eaLnBrk="1" latinLnBrk="0" hangingPunct="1">
         <a:lnSpc>
           <a:spcPct val="90000"/>
         </a:lnSpc>
         <a:spcBef>
-          <a:spcPts val="500"/>
+          <a:spcPts val="1181"/>
         </a:spcBef>
         <a:buFont typeface="Arial" panose="020B0604020202020204" pitchFamily="34" charset="0"/>
         <a:buChar char="•"/>
-        <a:defRPr sz="2400" kern="1200">
+        <a:defRPr sz="5669" kern="1200">
           <a:solidFill>
             <a:schemeClr val="tx1"/>
           </a:solidFill>
@@ -3099,16 +2727,16 @@
           <a:cs typeface="+mn-cs"/>
         </a:defRPr>
       </a:lvl2pPr>
-      <a:lvl3pPr marL="1143000" indent="-228600" algn="l" defTabSz="914400" rtl="0" eaLnBrk="1" latinLnBrk="0" hangingPunct="1">
+      <a:lvl3pPr marL="2699995" indent="-539999" algn="l" defTabSz="2159996" rtl="0" eaLnBrk="1" latinLnBrk="0" hangingPunct="1">
         <a:lnSpc>
           <a:spcPct val="90000"/>
         </a:lnSpc>
         <a:spcBef>
-          <a:spcPts val="500"/>
+          <a:spcPts val="1181"/>
         </a:spcBef>
         <a:buFont typeface="Arial" panose="020B0604020202020204" pitchFamily="34" charset="0"/>
         <a:buChar char="•"/>
-        <a:defRPr sz="2000" kern="1200">
+        <a:defRPr sz="4724" kern="1200">
           <a:solidFill>
             <a:schemeClr val="tx1"/>
           </a:solidFill>
@@ -3117,16 +2745,16 @@
           <a:cs typeface="+mn-cs"/>
         </a:defRPr>
       </a:lvl3pPr>
-      <a:lvl4pPr marL="1600200" indent="-228600" algn="l" defTabSz="914400" rtl="0" eaLnBrk="1" latinLnBrk="0" hangingPunct="1">
+      <a:lvl4pPr marL="3779992" indent="-539999" algn="l" defTabSz="2159996" rtl="0" eaLnBrk="1" latinLnBrk="0" hangingPunct="1">
         <a:lnSpc>
           <a:spcPct val="90000"/>
         </a:lnSpc>
         <a:spcBef>
-          <a:spcPts val="500"/>
+          <a:spcPts val="1181"/>
         </a:spcBef>
         <a:buFont typeface="Arial" panose="020B0604020202020204" pitchFamily="34" charset="0"/>
         <a:buChar char="•"/>
-        <a:defRPr sz="1800" kern="1200">
+        <a:defRPr sz="4252" kern="1200">
           <a:solidFill>
             <a:schemeClr val="tx1"/>
           </a:solidFill>
@@ -3135,16 +2763,16 @@
           <a:cs typeface="+mn-cs"/>
         </a:defRPr>
       </a:lvl4pPr>
-      <a:lvl5pPr marL="2057400" indent="-228600" algn="l" defTabSz="914400" rtl="0" eaLnBrk="1" latinLnBrk="0" hangingPunct="1">
+      <a:lvl5pPr marL="4859990" indent="-539999" algn="l" defTabSz="2159996" rtl="0" eaLnBrk="1" latinLnBrk="0" hangingPunct="1">
         <a:lnSpc>
           <a:spcPct val="90000"/>
         </a:lnSpc>
         <a:spcBef>
-          <a:spcPts val="500"/>
+          <a:spcPts val="1181"/>
         </a:spcBef>
         <a:buFont typeface="Arial" panose="020B0604020202020204" pitchFamily="34" charset="0"/>
         <a:buChar char="•"/>
-        <a:defRPr sz="1800" kern="1200">
+        <a:defRPr sz="4252" kern="1200">
           <a:solidFill>
             <a:schemeClr val="tx1"/>
           </a:solidFill>
@@ -3153,16 +2781,16 @@
           <a:cs typeface="+mn-cs"/>
         </a:defRPr>
       </a:lvl5pPr>
-      <a:lvl6pPr marL="2514600" indent="-228600" algn="l" defTabSz="914400" rtl="0" eaLnBrk="1" latinLnBrk="0" hangingPunct="1">
+      <a:lvl6pPr marL="5939988" indent="-539999" algn="l" defTabSz="2159996" rtl="0" eaLnBrk="1" latinLnBrk="0" hangingPunct="1">
         <a:lnSpc>
           <a:spcPct val="90000"/>
         </a:lnSpc>
         <a:spcBef>
-          <a:spcPts val="500"/>
+          <a:spcPts val="1181"/>
         </a:spcBef>
         <a:buFont typeface="Arial" panose="020B0604020202020204" pitchFamily="34" charset="0"/>
         <a:buChar char="•"/>
-        <a:defRPr sz="1800" kern="1200">
+        <a:defRPr sz="4252" kern="1200">
           <a:solidFill>
             <a:schemeClr val="tx1"/>
           </a:solidFill>
@@ -3171,16 +2799,16 @@
           <a:cs typeface="+mn-cs"/>
         </a:defRPr>
       </a:lvl6pPr>
-      <a:lvl7pPr marL="2971800" indent="-228600" algn="l" defTabSz="914400" rtl="0" eaLnBrk="1" latinLnBrk="0" hangingPunct="1">
+      <a:lvl7pPr marL="7019986" indent="-539999" algn="l" defTabSz="2159996" rtl="0" eaLnBrk="1" latinLnBrk="0" hangingPunct="1">
         <a:lnSpc>
           <a:spcPct val="90000"/>
         </a:lnSpc>
         <a:spcBef>
-          <a:spcPts val="500"/>
+          <a:spcPts val="1181"/>
         </a:spcBef>
         <a:buFont typeface="Arial" panose="020B0604020202020204" pitchFamily="34" charset="0"/>
         <a:buChar char="•"/>
-        <a:defRPr sz="1800" kern="1200">
+        <a:defRPr sz="4252" kern="1200">
           <a:solidFill>
             <a:schemeClr val="tx1"/>
           </a:solidFill>
@@ -3189,16 +2817,16 @@
           <a:cs typeface="+mn-cs"/>
         </a:defRPr>
       </a:lvl7pPr>
-      <a:lvl8pPr marL="3429000" indent="-228600" algn="l" defTabSz="914400" rtl="0" eaLnBrk="1" latinLnBrk="0" hangingPunct="1">
+      <a:lvl8pPr marL="8099984" indent="-539999" algn="l" defTabSz="2159996" rtl="0" eaLnBrk="1" latinLnBrk="0" hangingPunct="1">
         <a:lnSpc>
           <a:spcPct val="90000"/>
         </a:lnSpc>
         <a:spcBef>
-          <a:spcPts val="500"/>
+          <a:spcPts val="1181"/>
         </a:spcBef>
         <a:buFont typeface="Arial" panose="020B0604020202020204" pitchFamily="34" charset="0"/>
         <a:buChar char="•"/>
-        <a:defRPr sz="1800" kern="1200">
+        <a:defRPr sz="4252" kern="1200">
           <a:solidFill>
             <a:schemeClr val="tx1"/>
           </a:solidFill>
@@ -3207,16 +2835,16 @@
           <a:cs typeface="+mn-cs"/>
         </a:defRPr>
       </a:lvl8pPr>
-      <a:lvl9pPr marL="3886200" indent="-228600" algn="l" defTabSz="914400" rtl="0" eaLnBrk="1" latinLnBrk="0" hangingPunct="1">
+      <a:lvl9pPr marL="9179982" indent="-539999" algn="l" defTabSz="2159996" rtl="0" eaLnBrk="1" latinLnBrk="0" hangingPunct="1">
         <a:lnSpc>
           <a:spcPct val="90000"/>
         </a:lnSpc>
         <a:spcBef>
-          <a:spcPts val="500"/>
+          <a:spcPts val="1181"/>
         </a:spcBef>
         <a:buFont typeface="Arial" panose="020B0604020202020204" pitchFamily="34" charset="0"/>
         <a:buChar char="•"/>
-        <a:defRPr sz="1800" kern="1200">
+        <a:defRPr sz="4252" kern="1200">
           <a:solidFill>
             <a:schemeClr val="tx1"/>
           </a:solidFill>
@@ -3230,8 +2858,8 @@
       <a:defPPr>
         <a:defRPr lang="en-US"/>
       </a:defPPr>
-      <a:lvl1pPr marL="0" algn="l" defTabSz="914400" rtl="0" eaLnBrk="1" latinLnBrk="0" hangingPunct="1">
-        <a:defRPr sz="1800" kern="1200">
+      <a:lvl1pPr marL="0" algn="l" defTabSz="2159996" rtl="0" eaLnBrk="1" latinLnBrk="0" hangingPunct="1">
+        <a:defRPr sz="4252" kern="1200">
           <a:solidFill>
             <a:schemeClr val="tx1"/>
           </a:solidFill>
@@ -3240,8 +2868,8 @@
           <a:cs typeface="+mn-cs"/>
         </a:defRPr>
       </a:lvl1pPr>
-      <a:lvl2pPr marL="457200" algn="l" defTabSz="914400" rtl="0" eaLnBrk="1" latinLnBrk="0" hangingPunct="1">
-        <a:defRPr sz="1800" kern="1200">
+      <a:lvl2pPr marL="1079998" algn="l" defTabSz="2159996" rtl="0" eaLnBrk="1" latinLnBrk="0" hangingPunct="1">
+        <a:defRPr sz="4252" kern="1200">
           <a:solidFill>
             <a:schemeClr val="tx1"/>
           </a:solidFill>
@@ -3250,8 +2878,8 @@
           <a:cs typeface="+mn-cs"/>
         </a:defRPr>
       </a:lvl2pPr>
-      <a:lvl3pPr marL="914400" algn="l" defTabSz="914400" rtl="0" eaLnBrk="1" latinLnBrk="0" hangingPunct="1">
-        <a:defRPr sz="1800" kern="1200">
+      <a:lvl3pPr marL="2159996" algn="l" defTabSz="2159996" rtl="0" eaLnBrk="1" latinLnBrk="0" hangingPunct="1">
+        <a:defRPr sz="4252" kern="1200">
           <a:solidFill>
             <a:schemeClr val="tx1"/>
           </a:solidFill>
@@ -3260,8 +2888,8 @@
           <a:cs typeface="+mn-cs"/>
         </a:defRPr>
       </a:lvl3pPr>
-      <a:lvl4pPr marL="1371600" algn="l" defTabSz="914400" rtl="0" eaLnBrk="1" latinLnBrk="0" hangingPunct="1">
-        <a:defRPr sz="1800" kern="1200">
+      <a:lvl4pPr marL="3239994" algn="l" defTabSz="2159996" rtl="0" eaLnBrk="1" latinLnBrk="0" hangingPunct="1">
+        <a:defRPr sz="4252" kern="1200">
           <a:solidFill>
             <a:schemeClr val="tx1"/>
           </a:solidFill>
@@ -3270,8 +2898,8 @@
           <a:cs typeface="+mn-cs"/>
         </a:defRPr>
       </a:lvl4pPr>
-      <a:lvl5pPr marL="1828800" algn="l" defTabSz="914400" rtl="0" eaLnBrk="1" latinLnBrk="0" hangingPunct="1">
-        <a:defRPr sz="1800" kern="1200">
+      <a:lvl5pPr marL="4319991" algn="l" defTabSz="2159996" rtl="0" eaLnBrk="1" latinLnBrk="0" hangingPunct="1">
+        <a:defRPr sz="4252" kern="1200">
           <a:solidFill>
             <a:schemeClr val="tx1"/>
           </a:solidFill>
@@ -3280,8 +2908,8 @@
           <a:cs typeface="+mn-cs"/>
         </a:defRPr>
       </a:lvl5pPr>
-      <a:lvl6pPr marL="2286000" algn="l" defTabSz="914400" rtl="0" eaLnBrk="1" latinLnBrk="0" hangingPunct="1">
-        <a:defRPr sz="1800" kern="1200">
+      <a:lvl6pPr marL="5399989" algn="l" defTabSz="2159996" rtl="0" eaLnBrk="1" latinLnBrk="0" hangingPunct="1">
+        <a:defRPr sz="4252" kern="1200">
           <a:solidFill>
             <a:schemeClr val="tx1"/>
           </a:solidFill>
@@ -3290,8 +2918,8 @@
           <a:cs typeface="+mn-cs"/>
         </a:defRPr>
       </a:lvl6pPr>
-      <a:lvl7pPr marL="2743200" algn="l" defTabSz="914400" rtl="0" eaLnBrk="1" latinLnBrk="0" hangingPunct="1">
-        <a:defRPr sz="1800" kern="1200">
+      <a:lvl7pPr marL="6479987" algn="l" defTabSz="2159996" rtl="0" eaLnBrk="1" latinLnBrk="0" hangingPunct="1">
+        <a:defRPr sz="4252" kern="1200">
           <a:solidFill>
             <a:schemeClr val="tx1"/>
           </a:solidFill>
@@ -3300,8 +2928,8 @@
           <a:cs typeface="+mn-cs"/>
         </a:defRPr>
       </a:lvl7pPr>
-      <a:lvl8pPr marL="3200400" algn="l" defTabSz="914400" rtl="0" eaLnBrk="1" latinLnBrk="0" hangingPunct="1">
-        <a:defRPr sz="1800" kern="1200">
+      <a:lvl8pPr marL="7559985" algn="l" defTabSz="2159996" rtl="0" eaLnBrk="1" latinLnBrk="0" hangingPunct="1">
+        <a:defRPr sz="4252" kern="1200">
           <a:solidFill>
             <a:schemeClr val="tx1"/>
           </a:solidFill>
@@ -3310,8 +2938,8 @@
           <a:cs typeface="+mn-cs"/>
         </a:defRPr>
       </a:lvl8pPr>
-      <a:lvl9pPr marL="3657600" algn="l" defTabSz="914400" rtl="0" eaLnBrk="1" latinLnBrk="0" hangingPunct="1">
-        <a:defRPr sz="1800" kern="1200">
+      <a:lvl9pPr marL="8639983" algn="l" defTabSz="2159996" rtl="0" eaLnBrk="1" latinLnBrk="0" hangingPunct="1">
+        <a:defRPr sz="4252" kern="1200">
           <a:solidFill>
             <a:schemeClr val="tx1"/>
           </a:solidFill>
@@ -3356,8 +2984,8 @@
         </p:nvSpPr>
         <p:spPr>
           <a:xfrm>
-            <a:off x="1813448" y="400574"/>
-            <a:ext cx="8280361" cy="6056851"/>
+            <a:off x="5730542" y="1266036"/>
+            <a:ext cx="10705061" cy="7526832"/>
           </a:xfrm>
           <a:prstGeom prst="rect">
             <a:avLst/>
@@ -3390,7 +3018,7 @@
           <a:lstStyle/>
           <a:p>
             <a:pPr algn="ctr"/>
-            <a:endParaRPr lang="en-SG"/>
+            <a:endParaRPr lang="en-SG" sz="3401" dirty="0"/>
           </a:p>
         </p:txBody>
       </p:sp>
@@ -3408,7 +3036,7 @@
         </p:nvSpPr>
         <p:spPr>
           <a:xfrm>
-            <a:off x="6122592" y="602710"/>
+            <a:off x="10039683" y="1468169"/>
             <a:ext cx="1417739" cy="589456"/>
           </a:xfrm>
           <a:prstGeom prst="rect">
@@ -3464,8 +3092,8 @@
         </p:nvSpPr>
         <p:spPr>
           <a:xfrm>
-            <a:off x="8255136" y="730229"/>
-            <a:ext cx="1417739" cy="334418"/>
+            <a:off x="12172227" y="1595689"/>
+            <a:ext cx="1417739" cy="334419"/>
           </a:xfrm>
           <a:prstGeom prst="rect">
             <a:avLst/>
@@ -3493,10 +3121,9 @@
           <a:p>
             <a:pPr algn="ctr"/>
             <a:r>
-              <a:rPr lang="en-SG" sz="1400" dirty="0" err="1"/>
+              <a:rPr lang="en-SG" sz="1400" dirty="0"/>
               <a:t>UiManager</a:t>
             </a:r>
-            <a:endParaRPr lang="en-SG" sz="1400" dirty="0"/>
           </a:p>
         </p:txBody>
       </p:sp>
@@ -3514,8 +3141,8 @@
         </p:nvSpPr>
         <p:spPr>
           <a:xfrm>
-            <a:off x="8255135" y="1489734"/>
-            <a:ext cx="1417739" cy="334418"/>
+            <a:off x="12172227" y="2355193"/>
+            <a:ext cx="1417739" cy="334419"/>
           </a:xfrm>
           <a:prstGeom prst="rect">
             <a:avLst/>
@@ -3543,10 +3170,9 @@
           <a:p>
             <a:pPr algn="ctr"/>
             <a:r>
-              <a:rPr lang="en-SG" sz="1400" dirty="0" err="1"/>
+              <a:rPr lang="en-SG" sz="1400" dirty="0"/>
               <a:t>MainWindow</a:t>
             </a:r>
-            <a:endParaRPr lang="en-SG" sz="1400" dirty="0"/>
           </a:p>
         </p:txBody>
       </p:sp>
@@ -3564,7 +3190,7 @@
         </p:nvSpPr>
         <p:spPr>
           <a:xfrm rot="16200000">
-            <a:off x="7541062" y="807639"/>
+            <a:off x="11458154" y="1673101"/>
             <a:ext cx="183283" cy="179596"/>
           </a:xfrm>
           <a:prstGeom prst="triangle">
@@ -3598,7 +3224,7 @@
           <a:lstStyle/>
           <a:p>
             <a:pPr algn="ctr"/>
-            <a:endParaRPr lang="en-SG"/>
+            <a:endParaRPr lang="en-SG" sz="3401" dirty="0"/>
           </a:p>
         </p:txBody>
       </p:sp>
@@ -3620,8 +3246,8 @@
         </p:nvCxnSpPr>
         <p:spPr>
           <a:xfrm>
-            <a:off x="7722502" y="897437"/>
-            <a:ext cx="532634" cy="1"/>
+            <a:off x="11639591" y="1762902"/>
+            <a:ext cx="532635" cy="1"/>
           </a:xfrm>
           <a:prstGeom prst="line">
             <a:avLst/>
@@ -3661,7 +3287,7 @@
         </p:nvSpPr>
         <p:spPr>
           <a:xfrm>
-            <a:off x="10378552" y="965736"/>
+            <a:off x="16732346" y="1846532"/>
             <a:ext cx="1444331" cy="1017321"/>
           </a:xfrm>
           <a:prstGeom prst="rect">
@@ -3695,7 +3321,7 @@
           <a:lstStyle/>
           <a:p>
             <a:pPr algn="ctr"/>
-            <a:endParaRPr lang="en-SG"/>
+            <a:endParaRPr lang="en-SG" sz="3401" dirty="0"/>
           </a:p>
         </p:txBody>
       </p:sp>
@@ -3713,7 +3339,7 @@
         </p:nvSpPr>
         <p:spPr>
           <a:xfrm>
-            <a:off x="189523" y="4866040"/>
+            <a:off x="4106614" y="5731505"/>
             <a:ext cx="1444331" cy="1017321"/>
           </a:xfrm>
           <a:prstGeom prst="rect">
@@ -3747,7 +3373,7 @@
           <a:lstStyle/>
           <a:p>
             <a:pPr algn="ctr"/>
-            <a:endParaRPr lang="en-SG"/>
+            <a:endParaRPr lang="en-SG" sz="3401" dirty="0"/>
           </a:p>
         </p:txBody>
       </p:sp>
@@ -3765,8 +3391,8 @@
         </p:nvSpPr>
         <p:spPr>
           <a:xfrm>
-            <a:off x="4534893" y="1441471"/>
-            <a:ext cx="1417739" cy="334418"/>
+            <a:off x="8128245" y="2306931"/>
+            <a:ext cx="1741480" cy="334419"/>
           </a:xfrm>
           <a:prstGeom prst="rect">
             <a:avLst/>
@@ -3794,10 +3420,9 @@
           <a:p>
             <a:pPr algn="ctr"/>
             <a:r>
-              <a:rPr lang="en-SG" sz="1400" dirty="0" err="1"/>
-              <a:t>StatusBarFooter</a:t>
-            </a:r>
-            <a:endParaRPr lang="en-SG" sz="1400" dirty="0"/>
+              <a:rPr lang="en-SG" sz="1400" dirty="0"/>
+              <a:t>CurrentPanelHeader</a:t>
+            </a:r>
           </a:p>
         </p:txBody>
       </p:sp>
@@ -3815,8 +3440,8 @@
         </p:nvSpPr>
         <p:spPr>
           <a:xfrm>
-            <a:off x="4534895" y="3884491"/>
-            <a:ext cx="1417739" cy="334418"/>
+            <a:off x="8128244" y="6219413"/>
+            <a:ext cx="1417739" cy="334419"/>
           </a:xfrm>
           <a:prstGeom prst="rect">
             <a:avLst/>
@@ -3844,10 +3469,9 @@
           <a:p>
             <a:pPr algn="ctr"/>
             <a:r>
-              <a:rPr lang="en-SG" sz="1400" dirty="0" err="1"/>
+              <a:rPr lang="en-SG" sz="1400" dirty="0"/>
               <a:t>StaffCard</a:t>
             </a:r>
-            <a:endParaRPr lang="en-SG" sz="1400" dirty="0"/>
           </a:p>
         </p:txBody>
       </p:sp>
@@ -3865,8 +3489,8 @@
         </p:nvSpPr>
         <p:spPr>
           <a:xfrm>
-            <a:off x="4534894" y="2255811"/>
-            <a:ext cx="1417739" cy="334418"/>
+            <a:off x="8128245" y="2974763"/>
+            <a:ext cx="1741480" cy="334419"/>
           </a:xfrm>
           <a:prstGeom prst="rect">
             <a:avLst/>
@@ -3894,10 +3518,9 @@
           <a:p>
             <a:pPr algn="ctr"/>
             <a:r>
-              <a:rPr lang="en-SG" sz="1400" dirty="0" err="1"/>
+              <a:rPr lang="en-SG" sz="1400" dirty="0"/>
               <a:t>ResultDisplay</a:t>
             </a:r>
-            <a:endParaRPr lang="en-SG" sz="1400" dirty="0"/>
           </a:p>
         </p:txBody>
       </p:sp>
@@ -3915,8 +3538,8 @@
         </p:nvSpPr>
         <p:spPr>
           <a:xfrm>
-            <a:off x="4552365" y="3070151"/>
-            <a:ext cx="1417739" cy="334418"/>
+            <a:off x="8120274" y="3642760"/>
+            <a:ext cx="1745584" cy="334419"/>
           </a:xfrm>
           <a:prstGeom prst="rect">
             <a:avLst/>
@@ -3944,10 +3567,9 @@
           <a:p>
             <a:pPr algn="ctr"/>
             <a:r>
-              <a:rPr lang="en-SG" sz="1400" dirty="0" err="1"/>
+              <a:rPr lang="en-SG" sz="1400" dirty="0"/>
               <a:t>CommandBox</a:t>
             </a:r>
-            <a:endParaRPr lang="en-SG" sz="1400" dirty="0"/>
           </a:p>
         </p:txBody>
       </p:sp>
@@ -3965,8 +3587,8 @@
         </p:nvSpPr>
         <p:spPr>
           <a:xfrm>
-            <a:off x="6688493" y="3884491"/>
-            <a:ext cx="1417739" cy="334418"/>
+            <a:off x="10654168" y="6219833"/>
+            <a:ext cx="1417739" cy="334419"/>
           </a:xfrm>
           <a:prstGeom prst="rect">
             <a:avLst/>
@@ -3994,10 +3616,9 @@
           <a:p>
             <a:pPr algn="ctr"/>
             <a:r>
-              <a:rPr lang="en-SG" sz="1400" dirty="0" err="1"/>
+              <a:rPr lang="en-SG" sz="1400" dirty="0"/>
               <a:t>StaffListPanel</a:t>
             </a:r>
-            <a:endParaRPr lang="en-SG" sz="1400" dirty="0"/>
           </a:p>
         </p:txBody>
       </p:sp>
@@ -4015,8 +3636,8 @@
         </p:nvSpPr>
         <p:spPr>
           <a:xfrm>
-            <a:off x="4534897" y="5513171"/>
-            <a:ext cx="1417739" cy="334418"/>
+            <a:off x="8128245" y="4308727"/>
+            <a:ext cx="1737612" cy="334419"/>
           </a:xfrm>
           <a:prstGeom prst="rect">
             <a:avLst/>
@@ -4044,10 +3665,9 @@
           <a:p>
             <a:pPr algn="ctr"/>
             <a:r>
-              <a:rPr lang="en-SG" sz="1400" dirty="0" err="1"/>
+              <a:rPr lang="en-SG" sz="1400" dirty="0"/>
               <a:t>HelpWindow</a:t>
             </a:r>
-            <a:endParaRPr lang="en-SG" sz="1400" dirty="0"/>
           </a:p>
         </p:txBody>
       </p:sp>
@@ -4065,8 +3685,8 @@
         </p:nvSpPr>
         <p:spPr>
           <a:xfrm>
-            <a:off x="6688493" y="4698831"/>
-            <a:ext cx="1703676" cy="334418"/>
+            <a:off x="10580550" y="5530357"/>
+            <a:ext cx="1703676" cy="334419"/>
           </a:xfrm>
           <a:prstGeom prst="rect">
             <a:avLst/>
@@ -4094,10 +3714,9 @@
           <a:p>
             <a:pPr algn="ctr"/>
             <a:r>
-              <a:rPr lang="en-SG" sz="1400" dirty="0" err="1"/>
+              <a:rPr lang="en-SG" sz="1400" dirty="0"/>
               <a:t>ApplicantListPanel</a:t>
             </a:r>
-            <a:endParaRPr lang="en-SG" sz="1400" dirty="0"/>
           </a:p>
         </p:txBody>
       </p:sp>
@@ -4115,7 +3734,7 @@
         </p:nvSpPr>
         <p:spPr>
           <a:xfrm>
-            <a:off x="2060817" y="3431568"/>
+            <a:off x="5987434" y="4165869"/>
             <a:ext cx="1417739" cy="620132"/>
           </a:xfrm>
           <a:prstGeom prst="rect">
@@ -4151,10 +3770,9 @@
           <a:p>
             <a:pPr algn="ctr"/>
             <a:r>
-              <a:rPr lang="en-SG" sz="1400" dirty="0" err="1"/>
+              <a:rPr lang="en-SG" sz="1400" dirty="0"/>
               <a:t>UiPart</a:t>
             </a:r>
-            <a:endParaRPr lang="en-SG" sz="1400" dirty="0"/>
           </a:p>
         </p:txBody>
       </p:sp>
@@ -4172,8 +3790,8 @@
         </p:nvSpPr>
         <p:spPr>
           <a:xfrm>
-            <a:off x="4534896" y="4698831"/>
-            <a:ext cx="1417739" cy="334418"/>
+            <a:off x="8054627" y="5528058"/>
+            <a:ext cx="1417739" cy="334419"/>
           </a:xfrm>
           <a:prstGeom prst="rect">
             <a:avLst/>
@@ -4201,10 +3819,9 @@
           <a:p>
             <a:pPr algn="ctr"/>
             <a:r>
-              <a:rPr lang="en-SG" sz="1400" dirty="0" err="1"/>
+              <a:rPr lang="en-SG" sz="1400" dirty="0"/>
               <a:t>ApplicantCard</a:t>
             </a:r>
-            <a:endParaRPr lang="en-SG" sz="1400" dirty="0"/>
           </a:p>
         </p:txBody>
       </p:sp>
@@ -4225,7 +3842,7 @@
         </p:nvCxnSpPr>
         <p:spPr>
           <a:xfrm flipH="1">
-            <a:off x="8964005" y="1064647"/>
+            <a:off x="12881099" y="1930113"/>
             <a:ext cx="1" cy="425087"/>
           </a:xfrm>
           <a:prstGeom prst="straightConnector1">
@@ -4267,7 +3884,7 @@
         </p:nvSpPr>
         <p:spPr>
           <a:xfrm>
-            <a:off x="8165135" y="1459199"/>
+            <a:off x="12082223" y="2324660"/>
             <a:ext cx="90000" cy="91348"/>
           </a:xfrm>
           <a:prstGeom prst="flowChartDecision">
@@ -4298,7 +3915,7 @@
           <a:lstStyle/>
           <a:p>
             <a:pPr algn="ctr"/>
-            <a:endParaRPr lang="en-SG"/>
+            <a:endParaRPr lang="en-SG" sz="3401" dirty="0"/>
           </a:p>
         </p:txBody>
       </p:sp>
@@ -4316,7 +3933,7 @@
         </p:nvSpPr>
         <p:spPr>
           <a:xfrm>
-            <a:off x="8165135" y="1574141"/>
+            <a:off x="12082223" y="2439603"/>
             <a:ext cx="90000" cy="91348"/>
           </a:xfrm>
           <a:prstGeom prst="flowChartDecision">
@@ -4347,16 +3964,16 @@
           <a:lstStyle/>
           <a:p>
             <a:pPr algn="ctr"/>
-            <a:endParaRPr lang="en-SG"/>
-          </a:p>
-        </p:txBody>
-      </p:sp>
-      <p:sp>
-        <p:nvSpPr>
-          <p:cNvPr id="53" name="Flowchart: Decision 52">
-            <a:extLst>
-              <a:ext uri="{FF2B5EF4-FFF2-40B4-BE49-F238E27FC236}">
-                <a16:creationId xmlns:a16="http://schemas.microsoft.com/office/drawing/2014/main" id="{46A3A5D6-8862-478F-A906-7F733A0BFAA4}"/>
+            <a:endParaRPr lang="en-SG" sz="3401" dirty="0"/>
+          </a:p>
+        </p:txBody>
+      </p:sp>
+      <p:sp>
+        <p:nvSpPr>
+          <p:cNvPr id="82" name="Flowchart: Decision 81">
+            <a:extLst>
+              <a:ext uri="{FF2B5EF4-FFF2-40B4-BE49-F238E27FC236}">
+                <a16:creationId xmlns:a16="http://schemas.microsoft.com/office/drawing/2014/main" id="{C93D7445-09E0-4068-B31E-93A3C3F4081C}"/>
               </a:ext>
             </a:extLst>
           </p:cNvPr>
@@ -4365,7 +3982,7 @@
         </p:nvSpPr>
         <p:spPr>
           <a:xfrm>
-            <a:off x="8420597" y="1835350"/>
+            <a:off x="12082223" y="2554327"/>
             <a:ext cx="90000" cy="91348"/>
           </a:xfrm>
           <a:prstGeom prst="flowChartDecision">
@@ -4396,105 +4013,7 @@
           <a:lstStyle/>
           <a:p>
             <a:pPr algn="ctr"/>
-            <a:endParaRPr lang="en-SG"/>
-          </a:p>
-        </p:txBody>
-      </p:sp>
-      <p:sp>
-        <p:nvSpPr>
-          <p:cNvPr id="54" name="Flowchart: Decision 53">
-            <a:extLst>
-              <a:ext uri="{FF2B5EF4-FFF2-40B4-BE49-F238E27FC236}">
-                <a16:creationId xmlns:a16="http://schemas.microsoft.com/office/drawing/2014/main" id="{B100B41E-1119-4E40-A409-8CFEC8075327}"/>
-              </a:ext>
-            </a:extLst>
-          </p:cNvPr>
-          <p:cNvSpPr/>
-          <p:nvPr/>
-        </p:nvSpPr>
-        <p:spPr>
-          <a:xfrm>
-            <a:off x="8605652" y="1835350"/>
-            <a:ext cx="90000" cy="91348"/>
-          </a:xfrm>
-          <a:prstGeom prst="flowChartDecision">
-            <a:avLst/>
-          </a:prstGeom>
-          <a:solidFill>
-            <a:schemeClr val="tx1"/>
-          </a:solidFill>
-        </p:spPr>
-        <p:style>
-          <a:lnRef idx="2">
-            <a:schemeClr val="accent1">
-              <a:shade val="50000"/>
-            </a:schemeClr>
-          </a:lnRef>
-          <a:fillRef idx="1">
-            <a:schemeClr val="accent1"/>
-          </a:fillRef>
-          <a:effectRef idx="0">
-            <a:schemeClr val="accent1"/>
-          </a:effectRef>
-          <a:fontRef idx="minor">
-            <a:schemeClr val="lt1"/>
-          </a:fontRef>
-        </p:style>
-        <p:txBody>
-          <a:bodyPr rtlCol="0" anchor="ctr"/>
-          <a:lstStyle/>
-          <a:p>
-            <a:pPr algn="ctr"/>
-            <a:endParaRPr lang="en-SG"/>
-          </a:p>
-        </p:txBody>
-      </p:sp>
-      <p:sp>
-        <p:nvSpPr>
-          <p:cNvPr id="82" name="Flowchart: Decision 81">
-            <a:extLst>
-              <a:ext uri="{FF2B5EF4-FFF2-40B4-BE49-F238E27FC236}">
-                <a16:creationId xmlns:a16="http://schemas.microsoft.com/office/drawing/2014/main" id="{C93D7445-09E0-4068-B31E-93A3C3F4081C}"/>
-              </a:ext>
-            </a:extLst>
-          </p:cNvPr>
-          <p:cNvSpPr/>
-          <p:nvPr/>
-        </p:nvSpPr>
-        <p:spPr>
-          <a:xfrm>
-            <a:off x="8165135" y="1688865"/>
-            <a:ext cx="90000" cy="91348"/>
-          </a:xfrm>
-          <a:prstGeom prst="flowChartDecision">
-            <a:avLst/>
-          </a:prstGeom>
-          <a:solidFill>
-            <a:schemeClr val="tx1"/>
-          </a:solidFill>
-        </p:spPr>
-        <p:style>
-          <a:lnRef idx="2">
-            <a:schemeClr val="accent1">
-              <a:shade val="50000"/>
-            </a:schemeClr>
-          </a:lnRef>
-          <a:fillRef idx="1">
-            <a:schemeClr val="accent1"/>
-          </a:fillRef>
-          <a:effectRef idx="0">
-            <a:schemeClr val="accent1"/>
-          </a:effectRef>
-          <a:fontRef idx="minor">
-            <a:schemeClr val="lt1"/>
-          </a:fontRef>
-        </p:style>
-        <p:txBody>
-          <a:bodyPr rtlCol="0" anchor="ctr"/>
-          <a:lstStyle/>
-          <a:p>
-            <a:pPr algn="ctr"/>
-            <a:endParaRPr lang="en-SG"/>
+            <a:endParaRPr lang="en-SG" sz="3401" dirty="0"/>
           </a:p>
         </p:txBody>
       </p:sp>
@@ -4508,6 +4027,7 @@
             </a:extLst>
           </p:cNvPr>
           <p:cNvCxnSpPr>
+            <a:cxnSpLocks/>
             <a:stCxn id="50" idx="1"/>
             <a:endCxn id="24" idx="3"/>
           </p:cNvCxnSpPr>
@@ -4515,12 +4035,12 @@
         </p:nvCxnSpPr>
         <p:spPr>
           <a:xfrm rot="10800000" flipV="1">
-            <a:off x="5952633" y="1504872"/>
-            <a:ext cx="2212503" cy="103807"/>
+            <a:off x="9869725" y="2370333"/>
+            <a:ext cx="2212498" cy="103807"/>
           </a:xfrm>
           <a:prstGeom prst="bentConnector3">
             <a:avLst>
-              <a:gd name="adj1" fmla="val 92594"/>
+              <a:gd name="adj1" fmla="val 50000"/>
             </a:avLst>
           </a:prstGeom>
           <a:ln>
@@ -4555,6 +4075,7 @@
             </a:extLst>
           </p:cNvPr>
           <p:cNvCxnSpPr>
+            <a:cxnSpLocks/>
             <a:stCxn id="51" idx="1"/>
             <a:endCxn id="31" idx="3"/>
           </p:cNvCxnSpPr>
@@ -4562,12 +4083,12 @@
         </p:nvCxnSpPr>
         <p:spPr>
           <a:xfrm rot="10800000" flipV="1">
-            <a:off x="5952633" y="1619814"/>
-            <a:ext cx="2212502" cy="803205"/>
+            <a:off x="9869725" y="2485277"/>
+            <a:ext cx="2212498" cy="656696"/>
           </a:xfrm>
           <a:prstGeom prst="bentConnector3">
             <a:avLst>
-              <a:gd name="adj1" fmla="val 86268"/>
+              <a:gd name="adj1" fmla="val 50000"/>
             </a:avLst>
           </a:prstGeom>
           <a:ln>
@@ -4602,6 +4123,7 @@
             </a:extLst>
           </p:cNvPr>
           <p:cNvCxnSpPr>
+            <a:cxnSpLocks/>
             <a:stCxn id="82" idx="1"/>
             <a:endCxn id="32" idx="3"/>
           </p:cNvCxnSpPr>
@@ -4609,12 +4131,12 @@
         </p:nvCxnSpPr>
         <p:spPr>
           <a:xfrm rot="10800000" flipV="1">
-            <a:off x="5970105" y="1734538"/>
-            <a:ext cx="2195031" cy="1502821"/>
+            <a:off x="9865859" y="2600000"/>
+            <a:ext cx="2216365" cy="1209969"/>
           </a:xfrm>
           <a:prstGeom prst="bentConnector3">
             <a:avLst>
-              <a:gd name="adj1" fmla="val 78905"/>
+              <a:gd name="adj1" fmla="val 50000"/>
             </a:avLst>
           </a:prstGeom>
           <a:ln>
@@ -4641,24 +4163,24 @@
       </p:cxnSp>
       <p:cxnSp>
         <p:nvCxnSpPr>
-          <p:cNvPr id="100" name="Connector: Elbow 99">
-            <a:extLst>
-              <a:ext uri="{FF2B5EF4-FFF2-40B4-BE49-F238E27FC236}">
-                <a16:creationId xmlns:a16="http://schemas.microsoft.com/office/drawing/2014/main" id="{F333A945-6813-4219-B626-AE2E54383672}"/>
+          <p:cNvPr id="107" name="Connector: Elbow 106">
+            <a:extLst>
+              <a:ext uri="{FF2B5EF4-FFF2-40B4-BE49-F238E27FC236}">
+                <a16:creationId xmlns:a16="http://schemas.microsoft.com/office/drawing/2014/main" id="{49AB2FB0-43F9-497A-B70A-F57078086CBD}"/>
               </a:ext>
             </a:extLst>
           </p:cNvPr>
           <p:cNvCxnSpPr>
             <a:cxnSpLocks/>
-            <a:stCxn id="53" idx="2"/>
-            <a:endCxn id="33" idx="3"/>
+            <a:stCxn id="9" idx="2"/>
+            <a:endCxn id="36" idx="3"/>
           </p:cNvCxnSpPr>
           <p:nvPr/>
         </p:nvCxnSpPr>
         <p:spPr>
           <a:xfrm rot="5400000">
-            <a:off x="7223414" y="2809517"/>
-            <a:ext cx="2125002" cy="359365"/>
+            <a:off x="10480315" y="2075154"/>
+            <a:ext cx="1786325" cy="3015240"/>
           </a:xfrm>
           <a:prstGeom prst="bentConnector2">
             <a:avLst/>
@@ -4685,779 +4207,22 @@
           </a:fontRef>
         </p:style>
       </p:cxnSp>
-      <p:cxnSp>
-        <p:nvCxnSpPr>
-          <p:cNvPr id="102" name="Connector: Elbow 101">
-            <a:extLst>
-              <a:ext uri="{FF2B5EF4-FFF2-40B4-BE49-F238E27FC236}">
-                <a16:creationId xmlns:a16="http://schemas.microsoft.com/office/drawing/2014/main" id="{B14C0E6B-2ACA-42EB-9484-76C1BDD6F0FB}"/>
-              </a:ext>
-            </a:extLst>
-          </p:cNvPr>
-          <p:cNvCxnSpPr>
-            <a:cxnSpLocks/>
-            <a:stCxn id="54" idx="2"/>
-            <a:endCxn id="38" idx="3"/>
-          </p:cNvCxnSpPr>
-          <p:nvPr/>
-        </p:nvCxnSpPr>
-        <p:spPr>
-          <a:xfrm rot="5400000">
-            <a:off x="7051740" y="3267128"/>
-            <a:ext cx="2939342" cy="258483"/>
-          </a:xfrm>
-          <a:prstGeom prst="bentConnector2">
-            <a:avLst/>
-          </a:prstGeom>
-          <a:ln>
-            <a:solidFill>
-              <a:schemeClr val="tx1"/>
-            </a:solidFill>
-            <a:tailEnd type="stealth"/>
-          </a:ln>
-        </p:spPr>
-        <p:style>
-          <a:lnRef idx="1">
-            <a:schemeClr val="accent1"/>
-          </a:lnRef>
-          <a:fillRef idx="0">
-            <a:schemeClr val="accent1"/>
-          </a:fillRef>
-          <a:effectRef idx="0">
-            <a:schemeClr val="accent1"/>
-          </a:effectRef>
-          <a:fontRef idx="minor">
-            <a:schemeClr val="tx1"/>
-          </a:fontRef>
-        </p:style>
-      </p:cxnSp>
-      <p:cxnSp>
-        <p:nvCxnSpPr>
-          <p:cNvPr id="107" name="Connector: Elbow 106">
-            <a:extLst>
-              <a:ext uri="{FF2B5EF4-FFF2-40B4-BE49-F238E27FC236}">
-                <a16:creationId xmlns:a16="http://schemas.microsoft.com/office/drawing/2014/main" id="{49AB2FB0-43F9-497A-B70A-F57078086CBD}"/>
-              </a:ext>
-            </a:extLst>
-          </p:cNvPr>
-          <p:cNvCxnSpPr>
-            <a:stCxn id="9" idx="2"/>
-            <a:endCxn id="36" idx="3"/>
-          </p:cNvCxnSpPr>
-          <p:nvPr/>
-        </p:nvCxnSpPr>
-        <p:spPr>
-          <a:xfrm rot="5400000">
-            <a:off x="5530207" y="2246582"/>
-            <a:ext cx="3856228" cy="3011369"/>
-          </a:xfrm>
-          <a:prstGeom prst="bentConnector2">
-            <a:avLst/>
-          </a:prstGeom>
-          <a:ln>
-            <a:solidFill>
-              <a:schemeClr val="tx1"/>
-            </a:solidFill>
-            <a:tailEnd type="stealth"/>
-          </a:ln>
-        </p:spPr>
-        <p:style>
-          <a:lnRef idx="1">
-            <a:schemeClr val="accent1"/>
-          </a:lnRef>
-          <a:fillRef idx="0">
-            <a:schemeClr val="accent1"/>
-          </a:fillRef>
-          <a:effectRef idx="0">
-            <a:schemeClr val="accent1"/>
-          </a:effectRef>
-          <a:fontRef idx="minor">
-            <a:schemeClr val="tx1"/>
-          </a:fontRef>
-        </p:style>
-      </p:cxnSp>
-      <p:cxnSp>
-        <p:nvCxnSpPr>
-          <p:cNvPr id="115" name="Straight Arrow Connector 114">
-            <a:extLst>
-              <a:ext uri="{FF2B5EF4-FFF2-40B4-BE49-F238E27FC236}">
-                <a16:creationId xmlns:a16="http://schemas.microsoft.com/office/drawing/2014/main" id="{11813164-CECA-4FD6-8D8A-CB798D57E8A6}"/>
-              </a:ext>
-            </a:extLst>
-          </p:cNvPr>
-          <p:cNvCxnSpPr>
-            <a:stCxn id="33" idx="1"/>
-            <a:endCxn id="30" idx="3"/>
-          </p:cNvCxnSpPr>
-          <p:nvPr/>
-        </p:nvCxnSpPr>
-        <p:spPr>
-          <a:xfrm flipH="1">
-            <a:off x="5952634" y="4051700"/>
-            <a:ext cx="735859" cy="0"/>
-          </a:xfrm>
-          <a:prstGeom prst="straightConnector1">
-            <a:avLst/>
-          </a:prstGeom>
-          <a:ln>
-            <a:solidFill>
-              <a:schemeClr val="tx1"/>
-            </a:solidFill>
-            <a:tailEnd type="stealth"/>
-          </a:ln>
-        </p:spPr>
-        <p:style>
-          <a:lnRef idx="1">
-            <a:schemeClr val="accent1"/>
-          </a:lnRef>
-          <a:fillRef idx="0">
-            <a:schemeClr val="accent1"/>
-          </a:fillRef>
-          <a:effectRef idx="0">
-            <a:schemeClr val="accent1"/>
-          </a:effectRef>
-          <a:fontRef idx="minor">
-            <a:schemeClr val="tx1"/>
-          </a:fontRef>
-        </p:style>
-      </p:cxnSp>
-      <p:cxnSp>
-        <p:nvCxnSpPr>
-          <p:cNvPr id="120" name="Straight Arrow Connector 119">
-            <a:extLst>
-              <a:ext uri="{FF2B5EF4-FFF2-40B4-BE49-F238E27FC236}">
-                <a16:creationId xmlns:a16="http://schemas.microsoft.com/office/drawing/2014/main" id="{C3B24177-53BC-4D01-A32F-CA1FA3F9B965}"/>
-              </a:ext>
-            </a:extLst>
-          </p:cNvPr>
-          <p:cNvCxnSpPr>
-            <a:stCxn id="38" idx="1"/>
-            <a:endCxn id="41" idx="3"/>
-          </p:cNvCxnSpPr>
-          <p:nvPr/>
-        </p:nvCxnSpPr>
-        <p:spPr>
-          <a:xfrm flipH="1">
-            <a:off x="5952635" y="4866040"/>
-            <a:ext cx="735858" cy="0"/>
-          </a:xfrm>
-          <a:prstGeom prst="straightConnector1">
-            <a:avLst/>
-          </a:prstGeom>
-          <a:ln>
-            <a:solidFill>
-              <a:schemeClr val="tx1"/>
-            </a:solidFill>
-            <a:tailEnd type="stealth"/>
-          </a:ln>
-        </p:spPr>
-        <p:style>
-          <a:lnRef idx="1">
-            <a:schemeClr val="accent1"/>
-          </a:lnRef>
-          <a:fillRef idx="0">
-            <a:schemeClr val="accent1"/>
-          </a:fillRef>
-          <a:effectRef idx="0">
-            <a:schemeClr val="accent1"/>
-          </a:effectRef>
-          <a:fontRef idx="minor">
-            <a:schemeClr val="tx1"/>
-          </a:fontRef>
-        </p:style>
-      </p:cxnSp>
-      <p:sp>
-        <p:nvSpPr>
-          <p:cNvPr id="121" name="Isosceles Triangle 120">
-            <a:extLst>
-              <a:ext uri="{FF2B5EF4-FFF2-40B4-BE49-F238E27FC236}">
-                <a16:creationId xmlns:a16="http://schemas.microsoft.com/office/drawing/2014/main" id="{9E918D8F-11A5-44CA-B1AA-23D4693A9C92}"/>
-              </a:ext>
-            </a:extLst>
-          </p:cNvPr>
-          <p:cNvSpPr/>
-          <p:nvPr/>
-        </p:nvSpPr>
-        <p:spPr>
-          <a:xfrm rot="10800000">
-            <a:off x="2970552" y="3246836"/>
-            <a:ext cx="183283" cy="179596"/>
-          </a:xfrm>
-          <a:prstGeom prst="triangle">
-            <a:avLst/>
-          </a:prstGeom>
-          <a:noFill/>
-          <a:ln>
-            <a:solidFill>
-              <a:schemeClr val="tx1"/>
-            </a:solidFill>
-          </a:ln>
-        </p:spPr>
-        <p:style>
-          <a:lnRef idx="2">
-            <a:schemeClr val="accent1">
-              <a:shade val="50000"/>
-            </a:schemeClr>
-          </a:lnRef>
-          <a:fillRef idx="1">
-            <a:schemeClr val="accent1"/>
-          </a:fillRef>
-          <a:effectRef idx="0">
-            <a:schemeClr val="accent1"/>
-          </a:effectRef>
-          <a:fontRef idx="minor">
-            <a:schemeClr val="lt1"/>
-          </a:fontRef>
-        </p:style>
-        <p:txBody>
-          <a:bodyPr rtlCol="0" anchor="ctr"/>
-          <a:lstStyle/>
-          <a:p>
-            <a:pPr algn="ctr"/>
-            <a:endParaRPr lang="en-SG"/>
-          </a:p>
-        </p:txBody>
-      </p:sp>
-      <p:sp>
-        <p:nvSpPr>
-          <p:cNvPr id="128" name="Isosceles Triangle 127">
-            <a:extLst>
-              <a:ext uri="{FF2B5EF4-FFF2-40B4-BE49-F238E27FC236}">
-                <a16:creationId xmlns:a16="http://schemas.microsoft.com/office/drawing/2014/main" id="{B672169B-E223-48B3-8DDF-0A258EE2733E}"/>
-              </a:ext>
-            </a:extLst>
-          </p:cNvPr>
-          <p:cNvSpPr/>
-          <p:nvPr/>
-        </p:nvSpPr>
-        <p:spPr>
-          <a:xfrm rot="10800000">
-            <a:off x="3277521" y="3251972"/>
-            <a:ext cx="183283" cy="179596"/>
-          </a:xfrm>
-          <a:prstGeom prst="triangle">
-            <a:avLst/>
-          </a:prstGeom>
-          <a:noFill/>
-          <a:ln>
-            <a:solidFill>
-              <a:schemeClr val="tx1"/>
-            </a:solidFill>
-          </a:ln>
-        </p:spPr>
-        <p:style>
-          <a:lnRef idx="2">
-            <a:schemeClr val="accent1">
-              <a:shade val="50000"/>
-            </a:schemeClr>
-          </a:lnRef>
-          <a:fillRef idx="1">
-            <a:schemeClr val="accent1"/>
-          </a:fillRef>
-          <a:effectRef idx="0">
-            <a:schemeClr val="accent1"/>
-          </a:effectRef>
-          <a:fontRef idx="minor">
-            <a:schemeClr val="lt1"/>
-          </a:fontRef>
-        </p:style>
-        <p:txBody>
-          <a:bodyPr rtlCol="0" anchor="ctr"/>
-          <a:lstStyle/>
-          <a:p>
-            <a:pPr algn="ctr"/>
-            <a:endParaRPr lang="en-SG"/>
-          </a:p>
-        </p:txBody>
-      </p:sp>
-      <p:sp>
-        <p:nvSpPr>
-          <p:cNvPr id="129" name="Isosceles Triangle 128">
-            <a:extLst>
-              <a:ext uri="{FF2B5EF4-FFF2-40B4-BE49-F238E27FC236}">
-                <a16:creationId xmlns:a16="http://schemas.microsoft.com/office/drawing/2014/main" id="{5E4B27A1-A8F9-400F-ADE6-94796582DFBD}"/>
-              </a:ext>
-            </a:extLst>
-          </p:cNvPr>
-          <p:cNvSpPr/>
-          <p:nvPr/>
-        </p:nvSpPr>
-        <p:spPr>
-          <a:xfrm rot="16200000">
-            <a:off x="3476713" y="3530842"/>
-            <a:ext cx="183283" cy="179596"/>
-          </a:xfrm>
-          <a:prstGeom prst="triangle">
-            <a:avLst/>
-          </a:prstGeom>
-          <a:noFill/>
-          <a:ln>
-            <a:solidFill>
-              <a:schemeClr val="tx1"/>
-            </a:solidFill>
-          </a:ln>
-        </p:spPr>
-        <p:style>
-          <a:lnRef idx="2">
-            <a:schemeClr val="accent1">
-              <a:shade val="50000"/>
-            </a:schemeClr>
-          </a:lnRef>
-          <a:fillRef idx="1">
-            <a:schemeClr val="accent1"/>
-          </a:fillRef>
-          <a:effectRef idx="0">
-            <a:schemeClr val="accent1"/>
-          </a:effectRef>
-          <a:fontRef idx="minor">
-            <a:schemeClr val="lt1"/>
-          </a:fontRef>
-        </p:style>
-        <p:txBody>
-          <a:bodyPr rtlCol="0" anchor="ctr"/>
-          <a:lstStyle/>
-          <a:p>
-            <a:pPr algn="ctr"/>
-            <a:endParaRPr lang="en-SG"/>
-          </a:p>
-        </p:txBody>
-      </p:sp>
-      <p:cxnSp>
-        <p:nvCxnSpPr>
-          <p:cNvPr id="131" name="Connector: Elbow 130">
-            <a:extLst>
-              <a:ext uri="{FF2B5EF4-FFF2-40B4-BE49-F238E27FC236}">
-                <a16:creationId xmlns:a16="http://schemas.microsoft.com/office/drawing/2014/main" id="{3BE28AC4-E240-4856-B874-DA07D550B493}"/>
-              </a:ext>
-            </a:extLst>
-          </p:cNvPr>
-          <p:cNvCxnSpPr>
-            <a:stCxn id="121" idx="3"/>
-            <a:endCxn id="24" idx="1"/>
-          </p:cNvCxnSpPr>
-          <p:nvPr/>
-        </p:nvCxnSpPr>
-        <p:spPr>
-          <a:xfrm rot="5400000" flipH="1" flipV="1">
-            <a:off x="2979465" y="1691408"/>
-            <a:ext cx="1638156" cy="1472700"/>
-          </a:xfrm>
-          <a:prstGeom prst="bentConnector2">
-            <a:avLst/>
-          </a:prstGeom>
-          <a:ln>
-            <a:solidFill>
-              <a:schemeClr val="tx1"/>
-            </a:solidFill>
-          </a:ln>
-        </p:spPr>
-        <p:style>
-          <a:lnRef idx="1">
-            <a:schemeClr val="accent1"/>
-          </a:lnRef>
-          <a:fillRef idx="0">
-            <a:schemeClr val="accent1"/>
-          </a:fillRef>
-          <a:effectRef idx="0">
-            <a:schemeClr val="accent1"/>
-          </a:effectRef>
-          <a:fontRef idx="minor">
-            <a:schemeClr val="tx1"/>
-          </a:fontRef>
-        </p:style>
-      </p:cxnSp>
-      <p:cxnSp>
-        <p:nvCxnSpPr>
-          <p:cNvPr id="133" name="Connector: Elbow 132">
-            <a:extLst>
-              <a:ext uri="{FF2B5EF4-FFF2-40B4-BE49-F238E27FC236}">
-                <a16:creationId xmlns:a16="http://schemas.microsoft.com/office/drawing/2014/main" id="{F13279A4-F59F-485F-BEB5-5231390B68A5}"/>
-              </a:ext>
-            </a:extLst>
-          </p:cNvPr>
-          <p:cNvCxnSpPr>
-            <a:stCxn id="128" idx="3"/>
-            <a:endCxn id="31" idx="1"/>
-          </p:cNvCxnSpPr>
-          <p:nvPr/>
-        </p:nvCxnSpPr>
-        <p:spPr>
-          <a:xfrm rot="5400000" flipH="1" flipV="1">
-            <a:off x="3537552" y="2254630"/>
-            <a:ext cx="828952" cy="1165732"/>
-          </a:xfrm>
-          <a:prstGeom prst="bentConnector2">
-            <a:avLst/>
-          </a:prstGeom>
-          <a:ln>
-            <a:solidFill>
-              <a:schemeClr val="tx1"/>
-            </a:solidFill>
-          </a:ln>
-        </p:spPr>
-        <p:style>
-          <a:lnRef idx="1">
-            <a:schemeClr val="accent1"/>
-          </a:lnRef>
-          <a:fillRef idx="0">
-            <a:schemeClr val="accent1"/>
-          </a:fillRef>
-          <a:effectRef idx="0">
-            <a:schemeClr val="accent1"/>
-          </a:effectRef>
-          <a:fontRef idx="minor">
-            <a:schemeClr val="tx1"/>
-          </a:fontRef>
-        </p:style>
-      </p:cxnSp>
-      <p:cxnSp>
-        <p:nvCxnSpPr>
-          <p:cNvPr id="135" name="Connector: Elbow 134">
-            <a:extLst>
-              <a:ext uri="{FF2B5EF4-FFF2-40B4-BE49-F238E27FC236}">
-                <a16:creationId xmlns:a16="http://schemas.microsoft.com/office/drawing/2014/main" id="{84726076-D855-4A4F-85D5-3E6B689631A7}"/>
-              </a:ext>
-            </a:extLst>
-          </p:cNvPr>
-          <p:cNvCxnSpPr>
-            <a:stCxn id="129" idx="3"/>
-            <a:endCxn id="32" idx="1"/>
-          </p:cNvCxnSpPr>
-          <p:nvPr/>
-        </p:nvCxnSpPr>
-        <p:spPr>
-          <a:xfrm flipV="1">
-            <a:off x="3658153" y="3237360"/>
-            <a:ext cx="894212" cy="383280"/>
-          </a:xfrm>
-          <a:prstGeom prst="bentConnector3">
-            <a:avLst/>
-          </a:prstGeom>
-          <a:ln>
-            <a:solidFill>
-              <a:schemeClr val="tx1"/>
-            </a:solidFill>
-          </a:ln>
-        </p:spPr>
-        <p:style>
-          <a:lnRef idx="1">
-            <a:schemeClr val="accent1"/>
-          </a:lnRef>
-          <a:fillRef idx="0">
-            <a:schemeClr val="accent1"/>
-          </a:fillRef>
-          <a:effectRef idx="0">
-            <a:schemeClr val="accent1"/>
-          </a:effectRef>
-          <a:fontRef idx="minor">
-            <a:schemeClr val="tx1"/>
-          </a:fontRef>
-        </p:style>
-      </p:cxnSp>
-      <p:sp>
-        <p:nvSpPr>
-          <p:cNvPr id="137" name="Isosceles Triangle 136">
-            <a:extLst>
-              <a:ext uri="{FF2B5EF4-FFF2-40B4-BE49-F238E27FC236}">
-                <a16:creationId xmlns:a16="http://schemas.microsoft.com/office/drawing/2014/main" id="{E37E6305-EECA-4346-BCA3-B7A506B74F0C}"/>
-              </a:ext>
-            </a:extLst>
-          </p:cNvPr>
-          <p:cNvSpPr/>
-          <p:nvPr/>
-        </p:nvSpPr>
-        <p:spPr>
-          <a:xfrm rot="16200000">
-            <a:off x="3486045" y="3754109"/>
-            <a:ext cx="183283" cy="179596"/>
-          </a:xfrm>
-          <a:prstGeom prst="triangle">
-            <a:avLst/>
-          </a:prstGeom>
-          <a:noFill/>
-          <a:ln>
-            <a:solidFill>
-              <a:schemeClr val="tx1"/>
-            </a:solidFill>
-          </a:ln>
-        </p:spPr>
-        <p:style>
-          <a:lnRef idx="2">
-            <a:schemeClr val="accent1">
-              <a:shade val="50000"/>
-            </a:schemeClr>
-          </a:lnRef>
-          <a:fillRef idx="1">
-            <a:schemeClr val="accent1"/>
-          </a:fillRef>
-          <a:effectRef idx="0">
-            <a:schemeClr val="accent1"/>
-          </a:effectRef>
-          <a:fontRef idx="minor">
-            <a:schemeClr val="lt1"/>
-          </a:fontRef>
-        </p:style>
-        <p:txBody>
-          <a:bodyPr rtlCol="0" anchor="ctr"/>
-          <a:lstStyle/>
-          <a:p>
-            <a:pPr algn="ctr"/>
-            <a:endParaRPr lang="en-SG" dirty="0"/>
-          </a:p>
-        </p:txBody>
-      </p:sp>
-      <p:cxnSp>
-        <p:nvCxnSpPr>
-          <p:cNvPr id="139" name="Connector: Elbow 138">
-            <a:extLst>
-              <a:ext uri="{FF2B5EF4-FFF2-40B4-BE49-F238E27FC236}">
-                <a16:creationId xmlns:a16="http://schemas.microsoft.com/office/drawing/2014/main" id="{B5CB860B-B6C7-41B7-8977-B55090E0D7C7}"/>
-              </a:ext>
-            </a:extLst>
-          </p:cNvPr>
-          <p:cNvCxnSpPr>
-            <a:stCxn id="30" idx="1"/>
-            <a:endCxn id="137" idx="3"/>
-          </p:cNvCxnSpPr>
-          <p:nvPr/>
-        </p:nvCxnSpPr>
-        <p:spPr>
-          <a:xfrm rot="10800000">
-            <a:off x="3667485" y="3843908"/>
-            <a:ext cx="867410" cy="207793"/>
-          </a:xfrm>
-          <a:prstGeom prst="bentConnector3">
-            <a:avLst/>
-          </a:prstGeom>
-          <a:ln>
-            <a:solidFill>
-              <a:schemeClr val="tx1"/>
-            </a:solidFill>
-          </a:ln>
-        </p:spPr>
-        <p:style>
-          <a:lnRef idx="1">
-            <a:schemeClr val="accent1"/>
-          </a:lnRef>
-          <a:fillRef idx="0">
-            <a:schemeClr val="accent1"/>
-          </a:fillRef>
-          <a:effectRef idx="0">
-            <a:schemeClr val="accent1"/>
-          </a:effectRef>
-          <a:fontRef idx="minor">
-            <a:schemeClr val="tx1"/>
-          </a:fontRef>
-        </p:style>
-      </p:cxnSp>
-      <p:sp>
-        <p:nvSpPr>
-          <p:cNvPr id="142" name="Isosceles Triangle 141">
-            <a:extLst>
-              <a:ext uri="{FF2B5EF4-FFF2-40B4-BE49-F238E27FC236}">
-                <a16:creationId xmlns:a16="http://schemas.microsoft.com/office/drawing/2014/main" id="{11762460-3E1D-49D8-8EBD-E5B5D280328E}"/>
-              </a:ext>
-            </a:extLst>
-          </p:cNvPr>
-          <p:cNvSpPr/>
+      <p:sp>
+        <p:nvSpPr>
+          <p:cNvPr id="150" name="TextBox 149">
+            <a:extLst>
+              <a:ext uri="{FF2B5EF4-FFF2-40B4-BE49-F238E27FC236}">
+                <a16:creationId xmlns:a16="http://schemas.microsoft.com/office/drawing/2014/main" id="{90548FBD-8D81-4388-8F47-95327849C5E8}"/>
+              </a:ext>
+            </a:extLst>
+          </p:cNvPr>
+          <p:cNvSpPr txBox="1"/>
           <p:nvPr/>
         </p:nvSpPr>
         <p:spPr>
           <a:xfrm>
-            <a:off x="3277522" y="4066312"/>
-            <a:ext cx="183283" cy="179596"/>
-          </a:xfrm>
-          <a:prstGeom prst="triangle">
-            <a:avLst/>
-          </a:prstGeom>
-          <a:noFill/>
-          <a:ln>
-            <a:solidFill>
-              <a:schemeClr val="tx1"/>
-            </a:solidFill>
-          </a:ln>
-        </p:spPr>
-        <p:style>
-          <a:lnRef idx="2">
-            <a:schemeClr val="accent1">
-              <a:shade val="50000"/>
-            </a:schemeClr>
-          </a:lnRef>
-          <a:fillRef idx="1">
-            <a:schemeClr val="accent1"/>
-          </a:fillRef>
-          <a:effectRef idx="0">
-            <a:schemeClr val="accent1"/>
-          </a:effectRef>
-          <a:fontRef idx="minor">
-            <a:schemeClr val="lt1"/>
-          </a:fontRef>
-        </p:style>
-        <p:txBody>
-          <a:bodyPr rtlCol="0" anchor="ctr"/>
-          <a:lstStyle/>
-          <a:p>
-            <a:pPr algn="ctr"/>
-            <a:endParaRPr lang="en-SG" dirty="0"/>
-          </a:p>
-        </p:txBody>
-      </p:sp>
-      <p:sp>
-        <p:nvSpPr>
-          <p:cNvPr id="145" name="Isosceles Triangle 144">
-            <a:extLst>
-              <a:ext uri="{FF2B5EF4-FFF2-40B4-BE49-F238E27FC236}">
-                <a16:creationId xmlns:a16="http://schemas.microsoft.com/office/drawing/2014/main" id="{05B9C261-C453-4237-BB02-271DF6563401}"/>
-              </a:ext>
-            </a:extLst>
-          </p:cNvPr>
-          <p:cNvSpPr/>
-          <p:nvPr/>
-        </p:nvSpPr>
-        <p:spPr>
-          <a:xfrm>
-            <a:off x="2973776" y="4068816"/>
-            <a:ext cx="183283" cy="179596"/>
-          </a:xfrm>
-          <a:prstGeom prst="triangle">
-            <a:avLst/>
-          </a:prstGeom>
-          <a:noFill/>
-          <a:ln>
-            <a:solidFill>
-              <a:schemeClr val="tx1"/>
-            </a:solidFill>
-          </a:ln>
-        </p:spPr>
-        <p:style>
-          <a:lnRef idx="2">
-            <a:schemeClr val="accent1">
-              <a:shade val="50000"/>
-            </a:schemeClr>
-          </a:lnRef>
-          <a:fillRef idx="1">
-            <a:schemeClr val="accent1"/>
-          </a:fillRef>
-          <a:effectRef idx="0">
-            <a:schemeClr val="accent1"/>
-          </a:effectRef>
-          <a:fontRef idx="minor">
-            <a:schemeClr val="lt1"/>
-          </a:fontRef>
-        </p:style>
-        <p:txBody>
-          <a:bodyPr rtlCol="0" anchor="ctr"/>
-          <a:lstStyle/>
-          <a:p>
-            <a:pPr algn="ctr"/>
-            <a:endParaRPr lang="en-SG" dirty="0"/>
-          </a:p>
-        </p:txBody>
-      </p:sp>
-      <p:cxnSp>
-        <p:nvCxnSpPr>
-          <p:cNvPr id="147" name="Connector: Elbow 146">
-            <a:extLst>
-              <a:ext uri="{FF2B5EF4-FFF2-40B4-BE49-F238E27FC236}">
-                <a16:creationId xmlns:a16="http://schemas.microsoft.com/office/drawing/2014/main" id="{57035EF6-7D83-42A9-B37A-43601A5C2B41}"/>
-              </a:ext>
-            </a:extLst>
-          </p:cNvPr>
-          <p:cNvCxnSpPr>
-            <a:stCxn id="142" idx="3"/>
-            <a:endCxn id="41" idx="1"/>
-          </p:cNvCxnSpPr>
-          <p:nvPr/>
-        </p:nvCxnSpPr>
-        <p:spPr>
-          <a:xfrm rot="16200000" flipH="1">
-            <a:off x="3641964" y="3973108"/>
-            <a:ext cx="620132" cy="1165732"/>
-          </a:xfrm>
-          <a:prstGeom prst="bentConnector2">
-            <a:avLst/>
-          </a:prstGeom>
-          <a:ln>
-            <a:solidFill>
-              <a:schemeClr val="tx1"/>
-            </a:solidFill>
-          </a:ln>
-        </p:spPr>
-        <p:style>
-          <a:lnRef idx="1">
-            <a:schemeClr val="accent1"/>
-          </a:lnRef>
-          <a:fillRef idx="0">
-            <a:schemeClr val="accent1"/>
-          </a:fillRef>
-          <a:effectRef idx="0">
-            <a:schemeClr val="accent1"/>
-          </a:effectRef>
-          <a:fontRef idx="minor">
-            <a:schemeClr val="tx1"/>
-          </a:fontRef>
-        </p:style>
-      </p:cxnSp>
-      <p:cxnSp>
-        <p:nvCxnSpPr>
-          <p:cNvPr id="149" name="Connector: Elbow 148">
-            <a:extLst>
-              <a:ext uri="{FF2B5EF4-FFF2-40B4-BE49-F238E27FC236}">
-                <a16:creationId xmlns:a16="http://schemas.microsoft.com/office/drawing/2014/main" id="{A9BD8FBB-8D2F-48A0-A754-903549B94A93}"/>
-              </a:ext>
-            </a:extLst>
-          </p:cNvPr>
-          <p:cNvCxnSpPr>
-            <a:stCxn id="145" idx="3"/>
-            <a:endCxn id="36" idx="1"/>
-          </p:cNvCxnSpPr>
-          <p:nvPr/>
-        </p:nvCxnSpPr>
-        <p:spPr>
-          <a:xfrm rot="16200000" flipH="1">
-            <a:off x="3084173" y="4229656"/>
-            <a:ext cx="1431968" cy="1469479"/>
-          </a:xfrm>
-          <a:prstGeom prst="bentConnector2">
-            <a:avLst/>
-          </a:prstGeom>
-          <a:ln>
-            <a:solidFill>
-              <a:schemeClr val="tx1"/>
-            </a:solidFill>
-          </a:ln>
-        </p:spPr>
-        <p:style>
-          <a:lnRef idx="1">
-            <a:schemeClr val="accent1"/>
-          </a:lnRef>
-          <a:fillRef idx="0">
-            <a:schemeClr val="accent1"/>
-          </a:fillRef>
-          <a:effectRef idx="0">
-            <a:schemeClr val="accent1"/>
-          </a:effectRef>
-          <a:fontRef idx="minor">
-            <a:schemeClr val="tx1"/>
-          </a:fontRef>
-        </p:style>
-      </p:cxnSp>
-      <p:sp>
-        <p:nvSpPr>
-          <p:cNvPr id="150" name="TextBox 149">
-            <a:extLst>
-              <a:ext uri="{FF2B5EF4-FFF2-40B4-BE49-F238E27FC236}">
-                <a16:creationId xmlns:a16="http://schemas.microsoft.com/office/drawing/2014/main" id="{90548FBD-8D81-4388-8F47-95327849C5E8}"/>
-              </a:ext>
-            </a:extLst>
-          </p:cNvPr>
-          <p:cNvSpPr txBox="1"/>
-          <p:nvPr/>
-        </p:nvSpPr>
-        <p:spPr>
-          <a:xfrm>
-            <a:off x="5108160" y="462303"/>
-            <a:ext cx="840608" cy="369332"/>
+            <a:off x="9025248" y="1327765"/>
+            <a:ext cx="840608" cy="461665"/>
           </a:xfrm>
           <a:prstGeom prst="rect">
             <a:avLst/>
@@ -5471,7 +4236,7 @@
           <a:lstStyle/>
           <a:p>
             <a:r>
-              <a:rPr lang="en-SG" dirty="0"/>
+              <a:rPr lang="en-SG" sz="2400" dirty="0"/>
               <a:t>UI</a:t>
             </a:r>
           </a:p>
@@ -5491,8 +4256,8 @@
         </p:nvSpPr>
         <p:spPr>
           <a:xfrm>
-            <a:off x="515314" y="4964395"/>
-            <a:ext cx="840608" cy="369332"/>
+            <a:off x="4106613" y="5829858"/>
+            <a:ext cx="1444331" cy="461665"/>
           </a:xfrm>
           <a:prstGeom prst="rect">
             <a:avLst/>
@@ -5506,7 +4271,7 @@
           <a:lstStyle/>
           <a:p>
             <a:r>
-              <a:rPr lang="en-SG" dirty="0"/>
+              <a:rPr lang="en-SG" sz="2400" dirty="0"/>
               <a:t>Model</a:t>
             </a:r>
           </a:p>
@@ -5526,8 +4291,8 @@
         </p:nvSpPr>
         <p:spPr>
           <a:xfrm>
-            <a:off x="10728964" y="1007500"/>
-            <a:ext cx="840608" cy="369332"/>
+            <a:off x="16845599" y="1831520"/>
+            <a:ext cx="1217822" cy="461665"/>
           </a:xfrm>
           <a:prstGeom prst="rect">
             <a:avLst/>
@@ -5541,108 +4306,12 @@
           <a:lstStyle/>
           <a:p>
             <a:r>
-              <a:rPr lang="en-SG" dirty="0"/>
+              <a:rPr lang="en-SG" sz="2400" dirty="0"/>
               <a:t>Logic</a:t>
             </a:r>
           </a:p>
         </p:txBody>
       </p:sp>
-      <p:cxnSp>
-        <p:nvCxnSpPr>
-          <p:cNvPr id="154" name="Connector: Elbow 153">
-            <a:extLst>
-              <a:ext uri="{FF2B5EF4-FFF2-40B4-BE49-F238E27FC236}">
-                <a16:creationId xmlns:a16="http://schemas.microsoft.com/office/drawing/2014/main" id="{78AD353D-723F-4CC7-967C-5E321484BF47}"/>
-              </a:ext>
-            </a:extLst>
-          </p:cNvPr>
-          <p:cNvCxnSpPr>
-            <a:cxnSpLocks/>
-            <a:stCxn id="30" idx="2"/>
-            <a:endCxn id="16" idx="0"/>
-          </p:cNvCxnSpPr>
-          <p:nvPr/>
-        </p:nvCxnSpPr>
-        <p:spPr>
-          <a:xfrm rot="5400000">
-            <a:off x="2754162" y="2376436"/>
-            <a:ext cx="647131" cy="4332076"/>
-          </a:xfrm>
-          <a:prstGeom prst="bentConnector3">
-            <a:avLst>
-              <a:gd name="adj1" fmla="val 35582"/>
-            </a:avLst>
-          </a:prstGeom>
-          <a:ln w="9525">
-            <a:solidFill>
-              <a:schemeClr val="tx1"/>
-            </a:solidFill>
-            <a:prstDash val="dash"/>
-            <a:tailEnd type="stealth"/>
-          </a:ln>
-        </p:spPr>
-        <p:style>
-          <a:lnRef idx="1">
-            <a:schemeClr val="accent1"/>
-          </a:lnRef>
-          <a:fillRef idx="0">
-            <a:schemeClr val="accent1"/>
-          </a:fillRef>
-          <a:effectRef idx="0">
-            <a:schemeClr val="accent1"/>
-          </a:effectRef>
-          <a:fontRef idx="minor">
-            <a:schemeClr val="tx1"/>
-          </a:fontRef>
-        </p:style>
-      </p:cxnSp>
-      <p:cxnSp>
-        <p:nvCxnSpPr>
-          <p:cNvPr id="157" name="Connector: Elbow 156">
-            <a:extLst>
-              <a:ext uri="{FF2B5EF4-FFF2-40B4-BE49-F238E27FC236}">
-                <a16:creationId xmlns:a16="http://schemas.microsoft.com/office/drawing/2014/main" id="{49643806-9714-4413-B8CD-C971735C608D}"/>
-              </a:ext>
-            </a:extLst>
-          </p:cNvPr>
-          <p:cNvCxnSpPr>
-            <a:cxnSpLocks/>
-            <a:stCxn id="41" idx="2"/>
-            <a:endCxn id="16" idx="3"/>
-          </p:cNvCxnSpPr>
-          <p:nvPr/>
-        </p:nvCxnSpPr>
-        <p:spPr>
-          <a:xfrm rot="5400000">
-            <a:off x="3268084" y="3399019"/>
-            <a:ext cx="341452" cy="3609912"/>
-          </a:xfrm>
-          <a:prstGeom prst="bentConnector2">
-            <a:avLst/>
-          </a:prstGeom>
-          <a:ln w="9525">
-            <a:solidFill>
-              <a:schemeClr val="tx1"/>
-            </a:solidFill>
-            <a:prstDash val="dash"/>
-            <a:tailEnd type="stealth"/>
-          </a:ln>
-        </p:spPr>
-        <p:style>
-          <a:lnRef idx="1">
-            <a:schemeClr val="accent1"/>
-          </a:lnRef>
-          <a:fillRef idx="0">
-            <a:schemeClr val="accent1"/>
-          </a:fillRef>
-          <a:effectRef idx="0">
-            <a:schemeClr val="accent1"/>
-          </a:effectRef>
-          <a:fontRef idx="minor">
-            <a:schemeClr val="tx1"/>
-          </a:fontRef>
-        </p:style>
-      </p:cxnSp>
       <p:cxnSp>
         <p:nvCxnSpPr>
           <p:cNvPr id="161" name="Connector: Elbow 160">
@@ -5653,6 +4322,7 @@
             </a:extLst>
           </p:cNvPr>
           <p:cNvCxnSpPr>
+            <a:cxnSpLocks/>
             <a:stCxn id="7" idx="3"/>
             <a:endCxn id="14" idx="1"/>
           </p:cNvCxnSpPr>
@@ -5660,12 +4330,12 @@
         </p:nvCxnSpPr>
         <p:spPr>
           <a:xfrm>
-            <a:off x="9672875" y="897438"/>
-            <a:ext cx="705677" cy="576959"/>
+            <a:off x="13589965" y="1762898"/>
+            <a:ext cx="3142380" cy="592294"/>
           </a:xfrm>
           <a:prstGeom prst="bentConnector3">
             <a:avLst>
-              <a:gd name="adj1" fmla="val 28844"/>
+              <a:gd name="adj1" fmla="val 50000"/>
             </a:avLst>
           </a:prstGeom>
           <a:ln>
@@ -5701,14 +4371,15 @@
             </a:extLst>
           </p:cNvPr>
           <p:cNvCxnSpPr>
+            <a:cxnSpLocks/>
             <a:stCxn id="9" idx="3"/>
           </p:cNvCxnSpPr>
           <p:nvPr/>
         </p:nvCxnSpPr>
         <p:spPr>
-          <a:xfrm>
-            <a:off x="9672874" y="1656943"/>
-            <a:ext cx="705678" cy="0"/>
+          <a:xfrm flipV="1">
+            <a:off x="13589965" y="2522402"/>
+            <a:ext cx="3142380" cy="1"/>
           </a:xfrm>
           <a:prstGeom prst="straightConnector1">
             <a:avLst/>
@@ -5718,6 +4389,3681 @@
               <a:schemeClr val="tx1"/>
             </a:solidFill>
             <a:tailEnd type="stealth"/>
+          </a:ln>
+        </p:spPr>
+        <p:style>
+          <a:lnRef idx="1">
+            <a:schemeClr val="accent1"/>
+          </a:lnRef>
+          <a:fillRef idx="0">
+            <a:schemeClr val="accent1"/>
+          </a:fillRef>
+          <a:effectRef idx="0">
+            <a:schemeClr val="accent1"/>
+          </a:effectRef>
+          <a:fontRef idx="minor">
+            <a:schemeClr val="tx1"/>
+          </a:fontRef>
+        </p:style>
+      </p:cxnSp>
+      <p:cxnSp>
+        <p:nvCxnSpPr>
+          <p:cNvPr id="43" name="Connector: Elbow 42">
+            <a:extLst>
+              <a:ext uri="{FF2B5EF4-FFF2-40B4-BE49-F238E27FC236}">
+                <a16:creationId xmlns:a16="http://schemas.microsoft.com/office/drawing/2014/main" id="{D9AA9E34-BE76-4F37-98B6-14EEE8CE8C45}"/>
+              </a:ext>
+            </a:extLst>
+          </p:cNvPr>
+          <p:cNvCxnSpPr>
+            <a:cxnSpLocks/>
+            <a:stCxn id="24" idx="1"/>
+            <a:endCxn id="87" idx="3"/>
+          </p:cNvCxnSpPr>
+          <p:nvPr/>
+        </p:nvCxnSpPr>
+        <p:spPr>
+          <a:xfrm rot="10800000" flipV="1">
+            <a:off x="6696303" y="2474140"/>
+            <a:ext cx="1431942" cy="1518045"/>
+          </a:xfrm>
+          <a:prstGeom prst="bentConnector2">
+            <a:avLst/>
+          </a:prstGeom>
+          <a:ln>
+            <a:solidFill>
+              <a:schemeClr val="tx1"/>
+            </a:solidFill>
+            <a:tailEnd type="none"/>
+          </a:ln>
+        </p:spPr>
+        <p:style>
+          <a:lnRef idx="1">
+            <a:schemeClr val="accent1"/>
+          </a:lnRef>
+          <a:fillRef idx="0">
+            <a:schemeClr val="accent1"/>
+          </a:fillRef>
+          <a:effectRef idx="0">
+            <a:schemeClr val="accent1"/>
+          </a:effectRef>
+          <a:fontRef idx="minor">
+            <a:schemeClr val="tx1"/>
+          </a:fontRef>
+        </p:style>
+      </p:cxnSp>
+      <p:cxnSp>
+        <p:nvCxnSpPr>
+          <p:cNvPr id="45" name="Connector: Elbow 44">
+            <a:extLst>
+              <a:ext uri="{FF2B5EF4-FFF2-40B4-BE49-F238E27FC236}">
+                <a16:creationId xmlns:a16="http://schemas.microsoft.com/office/drawing/2014/main" id="{CBF4018E-2D8A-49A6-AE69-12932D633BE3}"/>
+              </a:ext>
+            </a:extLst>
+          </p:cNvPr>
+          <p:cNvCxnSpPr>
+            <a:cxnSpLocks/>
+            <a:stCxn id="31" idx="1"/>
+            <a:endCxn id="87" idx="3"/>
+          </p:cNvCxnSpPr>
+          <p:nvPr/>
+        </p:nvCxnSpPr>
+        <p:spPr>
+          <a:xfrm rot="10800000" flipV="1">
+            <a:off x="6696303" y="3141972"/>
+            <a:ext cx="1431942" cy="850213"/>
+          </a:xfrm>
+          <a:prstGeom prst="bentConnector2">
+            <a:avLst/>
+          </a:prstGeom>
+          <a:ln>
+            <a:solidFill>
+              <a:schemeClr val="tx1"/>
+            </a:solidFill>
+            <a:tailEnd type="none"/>
+          </a:ln>
+        </p:spPr>
+        <p:style>
+          <a:lnRef idx="1">
+            <a:schemeClr val="accent1"/>
+          </a:lnRef>
+          <a:fillRef idx="0">
+            <a:schemeClr val="accent1"/>
+          </a:fillRef>
+          <a:effectRef idx="0">
+            <a:schemeClr val="accent1"/>
+          </a:effectRef>
+          <a:fontRef idx="minor">
+            <a:schemeClr val="tx1"/>
+          </a:fontRef>
+        </p:style>
+      </p:cxnSp>
+      <p:cxnSp>
+        <p:nvCxnSpPr>
+          <p:cNvPr id="48" name="Connector: Elbow 47">
+            <a:extLst>
+              <a:ext uri="{FF2B5EF4-FFF2-40B4-BE49-F238E27FC236}">
+                <a16:creationId xmlns:a16="http://schemas.microsoft.com/office/drawing/2014/main" id="{45C8D0B4-22E0-48C6-BBA8-F54EA023D423}"/>
+              </a:ext>
+            </a:extLst>
+          </p:cNvPr>
+          <p:cNvCxnSpPr>
+            <a:cxnSpLocks/>
+            <a:stCxn id="32" idx="1"/>
+            <a:endCxn id="87" idx="3"/>
+          </p:cNvCxnSpPr>
+          <p:nvPr/>
+        </p:nvCxnSpPr>
+        <p:spPr>
+          <a:xfrm rot="10800000" flipV="1">
+            <a:off x="6696304" y="3809970"/>
+            <a:ext cx="1423971" cy="182216"/>
+          </a:xfrm>
+          <a:prstGeom prst="bentConnector2">
+            <a:avLst/>
+          </a:prstGeom>
+          <a:ln>
+            <a:solidFill>
+              <a:schemeClr val="tx1"/>
+            </a:solidFill>
+            <a:tailEnd type="none"/>
+          </a:ln>
+        </p:spPr>
+        <p:style>
+          <a:lnRef idx="1">
+            <a:schemeClr val="accent1"/>
+          </a:lnRef>
+          <a:fillRef idx="0">
+            <a:schemeClr val="accent1"/>
+          </a:fillRef>
+          <a:effectRef idx="0">
+            <a:schemeClr val="accent1"/>
+          </a:effectRef>
+          <a:fontRef idx="minor">
+            <a:schemeClr val="tx1"/>
+          </a:fontRef>
+        </p:style>
+      </p:cxnSp>
+      <p:cxnSp>
+        <p:nvCxnSpPr>
+          <p:cNvPr id="52" name="Connector: Elbow 51">
+            <a:extLst>
+              <a:ext uri="{FF2B5EF4-FFF2-40B4-BE49-F238E27FC236}">
+                <a16:creationId xmlns:a16="http://schemas.microsoft.com/office/drawing/2014/main" id="{D890CD07-6D90-4175-BE0B-6E17C4F2D128}"/>
+              </a:ext>
+            </a:extLst>
+          </p:cNvPr>
+          <p:cNvCxnSpPr>
+            <a:cxnSpLocks/>
+            <a:stCxn id="36" idx="1"/>
+            <a:endCxn id="91" idx="3"/>
+          </p:cNvCxnSpPr>
+          <p:nvPr/>
+        </p:nvCxnSpPr>
+        <p:spPr>
+          <a:xfrm rot="10800000" flipV="1">
+            <a:off x="7584771" y="4475936"/>
+            <a:ext cx="543474" cy="2957"/>
+          </a:xfrm>
+          <a:prstGeom prst="bentConnector3">
+            <a:avLst/>
+          </a:prstGeom>
+          <a:ln>
+            <a:solidFill>
+              <a:schemeClr val="tx1"/>
+            </a:solidFill>
+            <a:tailEnd type="none"/>
+          </a:ln>
+        </p:spPr>
+        <p:style>
+          <a:lnRef idx="1">
+            <a:schemeClr val="accent1"/>
+          </a:lnRef>
+          <a:fillRef idx="0">
+            <a:schemeClr val="accent1"/>
+          </a:fillRef>
+          <a:effectRef idx="0">
+            <a:schemeClr val="accent1"/>
+          </a:effectRef>
+          <a:fontRef idx="minor">
+            <a:schemeClr val="tx1"/>
+          </a:fontRef>
+        </p:style>
+      </p:cxnSp>
+      <p:sp>
+        <p:nvSpPr>
+          <p:cNvPr id="83" name="Rectangle 82">
+            <a:extLst>
+              <a:ext uri="{FF2B5EF4-FFF2-40B4-BE49-F238E27FC236}">
+                <a16:creationId xmlns:a16="http://schemas.microsoft.com/office/drawing/2014/main" id="{EF922179-C2FF-4E60-86AF-6E1CBCF49A61}"/>
+              </a:ext>
+            </a:extLst>
+          </p:cNvPr>
+          <p:cNvSpPr/>
+          <p:nvPr/>
+        </p:nvSpPr>
+        <p:spPr>
+          <a:xfrm>
+            <a:off x="7473837" y="4835397"/>
+            <a:ext cx="5407260" cy="2152750"/>
+          </a:xfrm>
+          <a:prstGeom prst="rect">
+            <a:avLst/>
+          </a:prstGeom>
+          <a:noFill/>
+          <a:ln w="25400">
+            <a:solidFill>
+              <a:schemeClr val="tx1"/>
+            </a:solidFill>
+          </a:ln>
+        </p:spPr>
+        <p:style>
+          <a:lnRef idx="2">
+            <a:schemeClr val="accent1">
+              <a:shade val="50000"/>
+            </a:schemeClr>
+          </a:lnRef>
+          <a:fillRef idx="1">
+            <a:schemeClr val="accent1"/>
+          </a:fillRef>
+          <a:effectRef idx="0">
+            <a:schemeClr val="accent1"/>
+          </a:effectRef>
+          <a:fontRef idx="minor">
+            <a:schemeClr val="lt1"/>
+          </a:fontRef>
+        </p:style>
+        <p:txBody>
+          <a:bodyPr rtlCol="0" anchor="ctr"/>
+          <a:lstStyle/>
+          <a:p>
+            <a:pPr algn="ctr"/>
+            <a:endParaRPr lang="en-SG" sz="3401" dirty="0"/>
+          </a:p>
+        </p:txBody>
+      </p:sp>
+      <p:sp>
+        <p:nvSpPr>
+          <p:cNvPr id="84" name="TextBox 83">
+            <a:extLst>
+              <a:ext uri="{FF2B5EF4-FFF2-40B4-BE49-F238E27FC236}">
+                <a16:creationId xmlns:a16="http://schemas.microsoft.com/office/drawing/2014/main" id="{3D09BB6D-C005-4B6A-A551-57DB3DC106F9}"/>
+              </a:ext>
+            </a:extLst>
+          </p:cNvPr>
+          <p:cNvSpPr txBox="1"/>
+          <p:nvPr/>
+        </p:nvSpPr>
+        <p:spPr>
+          <a:xfrm>
+            <a:off x="9440945" y="4807485"/>
+            <a:ext cx="1745585" cy="461665"/>
+          </a:xfrm>
+          <a:prstGeom prst="rect">
+            <a:avLst/>
+          </a:prstGeom>
+          <a:noFill/>
+        </p:spPr>
+        <p:txBody>
+          <a:bodyPr wrap="square" rtlCol="0">
+            <a:spAutoFit/>
+          </a:bodyPr>
+          <a:lstStyle/>
+          <a:p>
+            <a:r>
+              <a:rPr lang="en-SG" sz="2400" dirty="0"/>
+              <a:t>list.view</a:t>
+            </a:r>
+          </a:p>
+        </p:txBody>
+      </p:sp>
+      <p:sp>
+        <p:nvSpPr>
+          <p:cNvPr id="85" name="Rectangle 84">
+            <a:extLst>
+              <a:ext uri="{FF2B5EF4-FFF2-40B4-BE49-F238E27FC236}">
+                <a16:creationId xmlns:a16="http://schemas.microsoft.com/office/drawing/2014/main" id="{96D64C00-5322-4C49-A1A7-6ED699E75F06}"/>
+              </a:ext>
+            </a:extLst>
+          </p:cNvPr>
+          <p:cNvSpPr/>
+          <p:nvPr/>
+        </p:nvSpPr>
+        <p:spPr>
+          <a:xfrm>
+            <a:off x="7473837" y="7138806"/>
+            <a:ext cx="5407260" cy="1419154"/>
+          </a:xfrm>
+          <a:prstGeom prst="rect">
+            <a:avLst/>
+          </a:prstGeom>
+          <a:noFill/>
+          <a:ln w="25400">
+            <a:solidFill>
+              <a:schemeClr val="tx1"/>
+            </a:solidFill>
+          </a:ln>
+        </p:spPr>
+        <p:style>
+          <a:lnRef idx="2">
+            <a:schemeClr val="accent1">
+              <a:shade val="50000"/>
+            </a:schemeClr>
+          </a:lnRef>
+          <a:fillRef idx="1">
+            <a:schemeClr val="accent1"/>
+          </a:fillRef>
+          <a:effectRef idx="0">
+            <a:schemeClr val="accent1"/>
+          </a:effectRef>
+          <a:fontRef idx="minor">
+            <a:schemeClr val="lt1"/>
+          </a:fontRef>
+        </p:style>
+        <p:txBody>
+          <a:bodyPr rtlCol="0" anchor="ctr"/>
+          <a:lstStyle/>
+          <a:p>
+            <a:pPr algn="ctr"/>
+            <a:endParaRPr lang="en-SG" sz="3401" dirty="0"/>
+          </a:p>
+        </p:txBody>
+      </p:sp>
+      <p:sp>
+        <p:nvSpPr>
+          <p:cNvPr id="86" name="TextBox 85">
+            <a:extLst>
+              <a:ext uri="{FF2B5EF4-FFF2-40B4-BE49-F238E27FC236}">
+                <a16:creationId xmlns:a16="http://schemas.microsoft.com/office/drawing/2014/main" id="{55F6ABBB-C0AB-4415-AA17-0C2DD6340889}"/>
+              </a:ext>
+            </a:extLst>
+          </p:cNvPr>
+          <p:cNvSpPr txBox="1"/>
+          <p:nvPr/>
+        </p:nvSpPr>
+        <p:spPr>
+          <a:xfrm>
+            <a:off x="9501866" y="7617551"/>
+            <a:ext cx="1745585" cy="461665"/>
+          </a:xfrm>
+          <a:prstGeom prst="rect">
+            <a:avLst/>
+          </a:prstGeom>
+          <a:noFill/>
+        </p:spPr>
+        <p:txBody>
+          <a:bodyPr wrap="square" rtlCol="0">
+            <a:spAutoFit/>
+          </a:bodyPr>
+          <a:lstStyle/>
+          <a:p>
+            <a:r>
+              <a:rPr lang="en-SG" sz="2400" dirty="0"/>
+              <a:t>Profile</a:t>
+            </a:r>
+          </a:p>
+        </p:txBody>
+      </p:sp>
+      <p:sp>
+        <p:nvSpPr>
+          <p:cNvPr id="87" name="Isosceles Triangle 86">
+            <a:extLst>
+              <a:ext uri="{FF2B5EF4-FFF2-40B4-BE49-F238E27FC236}">
+                <a16:creationId xmlns:a16="http://schemas.microsoft.com/office/drawing/2014/main" id="{DE0450D3-F430-4EFE-9D38-CAB65CC70582}"/>
+              </a:ext>
+            </a:extLst>
+          </p:cNvPr>
+          <p:cNvSpPr/>
+          <p:nvPr/>
+        </p:nvSpPr>
+        <p:spPr>
+          <a:xfrm rot="10800000">
+            <a:off x="6604662" y="3992186"/>
+            <a:ext cx="183283" cy="179596"/>
+          </a:xfrm>
+          <a:prstGeom prst="triangle">
+            <a:avLst/>
+          </a:prstGeom>
+          <a:noFill/>
+          <a:ln>
+            <a:solidFill>
+              <a:schemeClr val="tx1"/>
+            </a:solidFill>
+          </a:ln>
+        </p:spPr>
+        <p:style>
+          <a:lnRef idx="2">
+            <a:schemeClr val="accent1">
+              <a:shade val="50000"/>
+            </a:schemeClr>
+          </a:lnRef>
+          <a:fillRef idx="1">
+            <a:schemeClr val="accent1"/>
+          </a:fillRef>
+          <a:effectRef idx="0">
+            <a:schemeClr val="accent1"/>
+          </a:effectRef>
+          <a:fontRef idx="minor">
+            <a:schemeClr val="lt1"/>
+          </a:fontRef>
+        </p:style>
+        <p:txBody>
+          <a:bodyPr rtlCol="0" anchor="ctr"/>
+          <a:lstStyle/>
+          <a:p>
+            <a:pPr algn="ctr"/>
+            <a:endParaRPr lang="en-SG" sz="3401" dirty="0"/>
+          </a:p>
+        </p:txBody>
+      </p:sp>
+      <p:sp>
+        <p:nvSpPr>
+          <p:cNvPr id="91" name="Isosceles Triangle 90">
+            <a:extLst>
+              <a:ext uri="{FF2B5EF4-FFF2-40B4-BE49-F238E27FC236}">
+                <a16:creationId xmlns:a16="http://schemas.microsoft.com/office/drawing/2014/main" id="{4572BE70-75AA-4683-AE31-157F2FF81939}"/>
+              </a:ext>
+            </a:extLst>
+          </p:cNvPr>
+          <p:cNvSpPr/>
+          <p:nvPr/>
+        </p:nvSpPr>
+        <p:spPr>
+          <a:xfrm rot="16200000">
+            <a:off x="7403331" y="4389096"/>
+            <a:ext cx="183283" cy="179596"/>
+          </a:xfrm>
+          <a:prstGeom prst="triangle">
+            <a:avLst/>
+          </a:prstGeom>
+          <a:noFill/>
+          <a:ln>
+            <a:solidFill>
+              <a:schemeClr val="tx1"/>
+            </a:solidFill>
+          </a:ln>
+        </p:spPr>
+        <p:style>
+          <a:lnRef idx="2">
+            <a:schemeClr val="accent1">
+              <a:shade val="50000"/>
+            </a:schemeClr>
+          </a:lnRef>
+          <a:fillRef idx="1">
+            <a:schemeClr val="accent1"/>
+          </a:fillRef>
+          <a:effectRef idx="0">
+            <a:schemeClr val="accent1"/>
+          </a:effectRef>
+          <a:fontRef idx="minor">
+            <a:schemeClr val="lt1"/>
+          </a:fontRef>
+        </p:style>
+        <p:txBody>
+          <a:bodyPr rtlCol="0" anchor="ctr"/>
+          <a:lstStyle/>
+          <a:p>
+            <a:pPr algn="ctr"/>
+            <a:endParaRPr lang="en-SG" sz="3401" dirty="0"/>
+          </a:p>
+        </p:txBody>
+      </p:sp>
+      <p:cxnSp>
+        <p:nvCxnSpPr>
+          <p:cNvPr id="61" name="Connector: Elbow 60">
+            <a:extLst>
+              <a:ext uri="{FF2B5EF4-FFF2-40B4-BE49-F238E27FC236}">
+                <a16:creationId xmlns:a16="http://schemas.microsoft.com/office/drawing/2014/main" id="{3A2F2CDC-3199-47C5-BA56-6E739DE66ADF}"/>
+              </a:ext>
+            </a:extLst>
+          </p:cNvPr>
+          <p:cNvCxnSpPr>
+            <a:cxnSpLocks/>
+            <a:endCxn id="38" idx="3"/>
+          </p:cNvCxnSpPr>
+          <p:nvPr/>
+        </p:nvCxnSpPr>
+        <p:spPr>
+          <a:xfrm rot="5400000">
+            <a:off x="11244906" y="3772869"/>
+            <a:ext cx="2964018" cy="885378"/>
+          </a:xfrm>
+          <a:prstGeom prst="bentConnector2">
+            <a:avLst/>
+          </a:prstGeom>
+          <a:ln>
+            <a:solidFill>
+              <a:schemeClr val="tx1"/>
+            </a:solidFill>
+            <a:headEnd type="diamond"/>
+            <a:tailEnd type="triangle"/>
+          </a:ln>
+        </p:spPr>
+        <p:style>
+          <a:lnRef idx="1">
+            <a:schemeClr val="accent1"/>
+          </a:lnRef>
+          <a:fillRef idx="0">
+            <a:schemeClr val="accent1"/>
+          </a:fillRef>
+          <a:effectRef idx="0">
+            <a:schemeClr val="accent1"/>
+          </a:effectRef>
+          <a:fontRef idx="minor">
+            <a:schemeClr val="tx1"/>
+          </a:fontRef>
+        </p:style>
+      </p:cxnSp>
+      <p:cxnSp>
+        <p:nvCxnSpPr>
+          <p:cNvPr id="110" name="Straight Arrow Connector 109">
+            <a:extLst>
+              <a:ext uri="{FF2B5EF4-FFF2-40B4-BE49-F238E27FC236}">
+                <a16:creationId xmlns:a16="http://schemas.microsoft.com/office/drawing/2014/main" id="{B5EC5F06-9952-44B6-9E2C-9D1BF1EC10E0}"/>
+              </a:ext>
+            </a:extLst>
+          </p:cNvPr>
+          <p:cNvCxnSpPr>
+            <a:cxnSpLocks/>
+            <a:stCxn id="38" idx="1"/>
+          </p:cNvCxnSpPr>
+          <p:nvPr/>
+        </p:nvCxnSpPr>
+        <p:spPr>
+          <a:xfrm flipH="1" flipV="1">
+            <a:off x="9472366" y="5685218"/>
+            <a:ext cx="1108184" cy="12348"/>
+          </a:xfrm>
+          <a:prstGeom prst="straightConnector1">
+            <a:avLst/>
+          </a:prstGeom>
+          <a:ln>
+            <a:solidFill>
+              <a:schemeClr val="tx1"/>
+            </a:solidFill>
+            <a:tailEnd type="triangle"/>
+          </a:ln>
+        </p:spPr>
+        <p:style>
+          <a:lnRef idx="1">
+            <a:schemeClr val="accent1"/>
+          </a:lnRef>
+          <a:fillRef idx="0">
+            <a:schemeClr val="accent1"/>
+          </a:fillRef>
+          <a:effectRef idx="0">
+            <a:schemeClr val="accent1"/>
+          </a:effectRef>
+          <a:fontRef idx="minor">
+            <a:schemeClr val="tx1"/>
+          </a:fontRef>
+        </p:style>
+      </p:cxnSp>
+      <p:cxnSp>
+        <p:nvCxnSpPr>
+          <p:cNvPr id="112" name="Straight Arrow Connector 111">
+            <a:extLst>
+              <a:ext uri="{FF2B5EF4-FFF2-40B4-BE49-F238E27FC236}">
+                <a16:creationId xmlns:a16="http://schemas.microsoft.com/office/drawing/2014/main" id="{A2E8E603-61E6-4EF8-A032-BB210D65F558}"/>
+              </a:ext>
+            </a:extLst>
+          </p:cNvPr>
+          <p:cNvCxnSpPr>
+            <a:cxnSpLocks/>
+            <a:stCxn id="33" idx="1"/>
+            <a:endCxn id="30" idx="3"/>
+          </p:cNvCxnSpPr>
+          <p:nvPr/>
+        </p:nvCxnSpPr>
+        <p:spPr>
+          <a:xfrm flipH="1" flipV="1">
+            <a:off x="9545983" y="6386622"/>
+            <a:ext cx="1108185" cy="420"/>
+          </a:xfrm>
+          <a:prstGeom prst="straightConnector1">
+            <a:avLst/>
+          </a:prstGeom>
+          <a:ln>
+            <a:solidFill>
+              <a:schemeClr val="tx1"/>
+            </a:solidFill>
+            <a:tailEnd type="triangle"/>
+          </a:ln>
+        </p:spPr>
+        <p:style>
+          <a:lnRef idx="1">
+            <a:schemeClr val="accent1"/>
+          </a:lnRef>
+          <a:fillRef idx="0">
+            <a:schemeClr val="accent1"/>
+          </a:fillRef>
+          <a:effectRef idx="0">
+            <a:schemeClr val="accent1"/>
+          </a:effectRef>
+          <a:fontRef idx="minor">
+            <a:schemeClr val="tx1"/>
+          </a:fontRef>
+        </p:style>
+      </p:cxnSp>
+      <p:sp>
+        <p:nvSpPr>
+          <p:cNvPr id="126" name="Isosceles Triangle 125">
+            <a:extLst>
+              <a:ext uri="{FF2B5EF4-FFF2-40B4-BE49-F238E27FC236}">
+                <a16:creationId xmlns:a16="http://schemas.microsoft.com/office/drawing/2014/main" id="{9F74014C-946C-46FB-92DB-3EA138257D7C}"/>
+              </a:ext>
+            </a:extLst>
+          </p:cNvPr>
+          <p:cNvSpPr/>
+          <p:nvPr/>
+        </p:nvSpPr>
+        <p:spPr>
+          <a:xfrm>
+            <a:off x="7010457" y="4770744"/>
+            <a:ext cx="183283" cy="179596"/>
+          </a:xfrm>
+          <a:prstGeom prst="triangle">
+            <a:avLst/>
+          </a:prstGeom>
+          <a:noFill/>
+          <a:ln>
+            <a:solidFill>
+              <a:schemeClr val="tx1"/>
+            </a:solidFill>
+          </a:ln>
+        </p:spPr>
+        <p:style>
+          <a:lnRef idx="2">
+            <a:schemeClr val="accent1">
+              <a:shade val="50000"/>
+            </a:schemeClr>
+          </a:lnRef>
+          <a:fillRef idx="1">
+            <a:schemeClr val="accent1"/>
+          </a:fillRef>
+          <a:effectRef idx="0">
+            <a:schemeClr val="accent1"/>
+          </a:effectRef>
+          <a:fontRef idx="minor">
+            <a:schemeClr val="lt1"/>
+          </a:fontRef>
+        </p:style>
+        <p:txBody>
+          <a:bodyPr rtlCol="0" anchor="ctr"/>
+          <a:lstStyle/>
+          <a:p>
+            <a:pPr algn="ctr"/>
+            <a:endParaRPr lang="en-SG" sz="3401" dirty="0"/>
+          </a:p>
+        </p:txBody>
+      </p:sp>
+      <p:cxnSp>
+        <p:nvCxnSpPr>
+          <p:cNvPr id="93" name="Connector: Elbow 92">
+            <a:extLst>
+              <a:ext uri="{FF2B5EF4-FFF2-40B4-BE49-F238E27FC236}">
+                <a16:creationId xmlns:a16="http://schemas.microsoft.com/office/drawing/2014/main" id="{77DAB091-0967-4612-8DB9-F34AE9DB786A}"/>
+              </a:ext>
+            </a:extLst>
+          </p:cNvPr>
+          <p:cNvCxnSpPr>
+            <a:cxnSpLocks/>
+            <a:stCxn id="126" idx="3"/>
+            <a:endCxn id="41" idx="0"/>
+          </p:cNvCxnSpPr>
+          <p:nvPr/>
+        </p:nvCxnSpPr>
+        <p:spPr>
+          <a:xfrm rot="16200000" flipH="1">
+            <a:off x="7643939" y="4408500"/>
+            <a:ext cx="577718" cy="1661398"/>
+          </a:xfrm>
+          <a:prstGeom prst="bentConnector3">
+            <a:avLst>
+              <a:gd name="adj1" fmla="val 50000"/>
+            </a:avLst>
+          </a:prstGeom>
+          <a:ln>
+            <a:solidFill>
+              <a:schemeClr val="tx1"/>
+            </a:solidFill>
+          </a:ln>
+        </p:spPr>
+        <p:style>
+          <a:lnRef idx="1">
+            <a:schemeClr val="accent1"/>
+          </a:lnRef>
+          <a:fillRef idx="0">
+            <a:schemeClr val="accent1"/>
+          </a:fillRef>
+          <a:effectRef idx="0">
+            <a:schemeClr val="accent1"/>
+          </a:effectRef>
+          <a:fontRef idx="minor">
+            <a:schemeClr val="tx1"/>
+          </a:fontRef>
+        </p:style>
+      </p:cxnSp>
+      <p:cxnSp>
+        <p:nvCxnSpPr>
+          <p:cNvPr id="99" name="Connector: Elbow 98">
+            <a:extLst>
+              <a:ext uri="{FF2B5EF4-FFF2-40B4-BE49-F238E27FC236}">
+                <a16:creationId xmlns:a16="http://schemas.microsoft.com/office/drawing/2014/main" id="{D51AB585-B445-47E7-A6DB-015DE0B978EC}"/>
+              </a:ext>
+            </a:extLst>
+          </p:cNvPr>
+          <p:cNvCxnSpPr>
+            <a:cxnSpLocks/>
+            <a:stCxn id="41" idx="2"/>
+          </p:cNvCxnSpPr>
+          <p:nvPr/>
+        </p:nvCxnSpPr>
+        <p:spPr>
+          <a:xfrm rot="5400000">
+            <a:off x="7131275" y="4299619"/>
+            <a:ext cx="69365" cy="3195080"/>
+          </a:xfrm>
+          <a:prstGeom prst="bentConnector2">
+            <a:avLst/>
+          </a:prstGeom>
+          <a:ln>
+            <a:solidFill>
+              <a:schemeClr val="tx1"/>
+            </a:solidFill>
+            <a:prstDash val="dash"/>
+            <a:tailEnd type="triangle"/>
+          </a:ln>
+        </p:spPr>
+        <p:style>
+          <a:lnRef idx="1">
+            <a:schemeClr val="accent1"/>
+          </a:lnRef>
+          <a:fillRef idx="0">
+            <a:schemeClr val="accent1"/>
+          </a:fillRef>
+          <a:effectRef idx="0">
+            <a:schemeClr val="accent1"/>
+          </a:effectRef>
+          <a:fontRef idx="minor">
+            <a:schemeClr val="tx1"/>
+          </a:fontRef>
+        </p:style>
+      </p:cxnSp>
+      <p:cxnSp>
+        <p:nvCxnSpPr>
+          <p:cNvPr id="134" name="Connector: Elbow 133">
+            <a:extLst>
+              <a:ext uri="{FF2B5EF4-FFF2-40B4-BE49-F238E27FC236}">
+                <a16:creationId xmlns:a16="http://schemas.microsoft.com/office/drawing/2014/main" id="{2662E42F-A6A2-4A6B-B11D-8E97BB3D6367}"/>
+              </a:ext>
+            </a:extLst>
+          </p:cNvPr>
+          <p:cNvCxnSpPr>
+            <a:cxnSpLocks/>
+          </p:cNvCxnSpPr>
+          <p:nvPr/>
+        </p:nvCxnSpPr>
+        <p:spPr>
+          <a:xfrm rot="10800000" flipV="1">
+            <a:off x="5568417" y="6564557"/>
+            <a:ext cx="3268699" cy="106835"/>
+          </a:xfrm>
+          <a:prstGeom prst="bentConnector3">
+            <a:avLst>
+              <a:gd name="adj1" fmla="val 345"/>
+            </a:avLst>
+          </a:prstGeom>
+          <a:ln>
+            <a:solidFill>
+              <a:schemeClr val="tx1"/>
+            </a:solidFill>
+            <a:prstDash val="dash"/>
+            <a:tailEnd type="triangle"/>
+          </a:ln>
+        </p:spPr>
+        <p:style>
+          <a:lnRef idx="1">
+            <a:schemeClr val="accent1"/>
+          </a:lnRef>
+          <a:fillRef idx="0">
+            <a:schemeClr val="accent1"/>
+          </a:fillRef>
+          <a:effectRef idx="0">
+            <a:schemeClr val="accent1"/>
+          </a:effectRef>
+          <a:fontRef idx="minor">
+            <a:schemeClr val="tx1"/>
+          </a:fontRef>
+        </p:style>
+      </p:cxnSp>
+      <p:cxnSp>
+        <p:nvCxnSpPr>
+          <p:cNvPr id="138" name="Connector: Elbow 137">
+            <a:extLst>
+              <a:ext uri="{FF2B5EF4-FFF2-40B4-BE49-F238E27FC236}">
+                <a16:creationId xmlns:a16="http://schemas.microsoft.com/office/drawing/2014/main" id="{FA2C9A69-89DF-4BBA-AD11-E401A161A6B4}"/>
+              </a:ext>
+            </a:extLst>
+          </p:cNvPr>
+          <p:cNvCxnSpPr>
+            <a:cxnSpLocks/>
+            <a:endCxn id="85" idx="3"/>
+          </p:cNvCxnSpPr>
+          <p:nvPr/>
+        </p:nvCxnSpPr>
+        <p:spPr>
+          <a:xfrm rot="5400000">
+            <a:off x="10650882" y="4950360"/>
+            <a:ext cx="5128238" cy="667808"/>
+          </a:xfrm>
+          <a:prstGeom prst="bentConnector2">
+            <a:avLst/>
+          </a:prstGeom>
+          <a:ln>
+            <a:solidFill>
+              <a:schemeClr val="tx1"/>
+            </a:solidFill>
+            <a:headEnd type="diamond"/>
+            <a:tailEnd type="triangle"/>
+          </a:ln>
+        </p:spPr>
+        <p:style>
+          <a:lnRef idx="1">
+            <a:schemeClr val="accent1"/>
+          </a:lnRef>
+          <a:fillRef idx="0">
+            <a:schemeClr val="accent1"/>
+          </a:fillRef>
+          <a:effectRef idx="0">
+            <a:schemeClr val="accent1"/>
+          </a:effectRef>
+          <a:fontRef idx="minor">
+            <a:schemeClr val="tx1"/>
+          </a:fontRef>
+        </p:style>
+      </p:cxnSp>
+      <p:sp>
+        <p:nvSpPr>
+          <p:cNvPr id="143" name="Isosceles Triangle 142">
+            <a:extLst>
+              <a:ext uri="{FF2B5EF4-FFF2-40B4-BE49-F238E27FC236}">
+                <a16:creationId xmlns:a16="http://schemas.microsoft.com/office/drawing/2014/main" id="{9E7A3FC7-6558-4E99-9807-236C2F2A81DE}"/>
+              </a:ext>
+            </a:extLst>
+          </p:cNvPr>
+          <p:cNvSpPr/>
+          <p:nvPr/>
+        </p:nvSpPr>
+        <p:spPr>
+          <a:xfrm>
+            <a:off x="6219002" y="4783572"/>
+            <a:ext cx="183283" cy="179596"/>
+          </a:xfrm>
+          <a:prstGeom prst="triangle">
+            <a:avLst/>
+          </a:prstGeom>
+          <a:noFill/>
+          <a:ln>
+            <a:solidFill>
+              <a:schemeClr val="tx1"/>
+            </a:solidFill>
+          </a:ln>
+        </p:spPr>
+        <p:style>
+          <a:lnRef idx="2">
+            <a:schemeClr val="accent1">
+              <a:shade val="50000"/>
+            </a:schemeClr>
+          </a:lnRef>
+          <a:fillRef idx="1">
+            <a:schemeClr val="accent1"/>
+          </a:fillRef>
+          <a:effectRef idx="0">
+            <a:schemeClr val="accent1"/>
+          </a:effectRef>
+          <a:fontRef idx="minor">
+            <a:schemeClr val="lt1"/>
+          </a:fontRef>
+        </p:style>
+        <p:txBody>
+          <a:bodyPr rtlCol="0" anchor="ctr"/>
+          <a:lstStyle/>
+          <a:p>
+            <a:pPr algn="ctr"/>
+            <a:endParaRPr lang="en-SG" sz="3401" dirty="0"/>
+          </a:p>
+        </p:txBody>
+      </p:sp>
+      <p:cxnSp>
+        <p:nvCxnSpPr>
+          <p:cNvPr id="144" name="Connector: Elbow 143">
+            <a:extLst>
+              <a:ext uri="{FF2B5EF4-FFF2-40B4-BE49-F238E27FC236}">
+                <a16:creationId xmlns:a16="http://schemas.microsoft.com/office/drawing/2014/main" id="{2263D819-F1F2-4F44-B2C7-7D30D6BCA04D}"/>
+              </a:ext>
+            </a:extLst>
+          </p:cNvPr>
+          <p:cNvCxnSpPr>
+            <a:cxnSpLocks/>
+            <a:stCxn id="143" idx="3"/>
+          </p:cNvCxnSpPr>
+          <p:nvPr/>
+        </p:nvCxnSpPr>
+        <p:spPr>
+          <a:xfrm rot="16200000" flipH="1">
+            <a:off x="5563762" y="5710049"/>
+            <a:ext cx="2638676" cy="1144914"/>
+          </a:xfrm>
+          <a:prstGeom prst="bentConnector3">
+            <a:avLst>
+              <a:gd name="adj1" fmla="val 99454"/>
+            </a:avLst>
+          </a:prstGeom>
+          <a:ln>
+            <a:solidFill>
+              <a:schemeClr val="tx1"/>
+            </a:solidFill>
+          </a:ln>
+        </p:spPr>
+        <p:style>
+          <a:lnRef idx="1">
+            <a:schemeClr val="accent1"/>
+          </a:lnRef>
+          <a:fillRef idx="0">
+            <a:schemeClr val="accent1"/>
+          </a:fillRef>
+          <a:effectRef idx="0">
+            <a:schemeClr val="accent1"/>
+          </a:effectRef>
+          <a:fontRef idx="minor">
+            <a:schemeClr val="tx1"/>
+          </a:fontRef>
+        </p:style>
+      </p:cxnSp>
+      <p:cxnSp>
+        <p:nvCxnSpPr>
+          <p:cNvPr id="148" name="Connector: Elbow 147">
+            <a:extLst>
+              <a:ext uri="{FF2B5EF4-FFF2-40B4-BE49-F238E27FC236}">
+                <a16:creationId xmlns:a16="http://schemas.microsoft.com/office/drawing/2014/main" id="{EEB6EE31-A78F-45A7-9413-DE6F69B5432F}"/>
+              </a:ext>
+            </a:extLst>
+          </p:cNvPr>
+          <p:cNvCxnSpPr>
+            <a:cxnSpLocks/>
+            <a:endCxn id="16" idx="2"/>
+          </p:cNvCxnSpPr>
+          <p:nvPr/>
+        </p:nvCxnSpPr>
+        <p:spPr>
+          <a:xfrm rot="10800000">
+            <a:off x="4828779" y="6748827"/>
+            <a:ext cx="2622064" cy="1232909"/>
+          </a:xfrm>
+          <a:prstGeom prst="bentConnector2">
+            <a:avLst/>
+          </a:prstGeom>
+          <a:ln>
+            <a:solidFill>
+              <a:schemeClr val="tx1"/>
+            </a:solidFill>
+            <a:prstDash val="dash"/>
+            <a:tailEnd type="triangle"/>
+          </a:ln>
+        </p:spPr>
+        <p:style>
+          <a:lnRef idx="1">
+            <a:schemeClr val="accent1"/>
+          </a:lnRef>
+          <a:fillRef idx="0">
+            <a:schemeClr val="accent1"/>
+          </a:fillRef>
+          <a:effectRef idx="0">
+            <a:schemeClr val="accent1"/>
+          </a:effectRef>
+          <a:fontRef idx="minor">
+            <a:schemeClr val="tx1"/>
+          </a:fontRef>
+        </p:style>
+      </p:cxnSp>
+      <p:sp>
+        <p:nvSpPr>
+          <p:cNvPr id="155" name="Rectangle 154">
+            <a:extLst>
+              <a:ext uri="{FF2B5EF4-FFF2-40B4-BE49-F238E27FC236}">
+                <a16:creationId xmlns:a16="http://schemas.microsoft.com/office/drawing/2014/main" id="{4279EBB1-E744-42DE-A6B6-89529BDD8631}"/>
+              </a:ext>
+            </a:extLst>
+          </p:cNvPr>
+          <p:cNvSpPr/>
+          <p:nvPr/>
+        </p:nvSpPr>
+        <p:spPr>
+          <a:xfrm>
+            <a:off x="5730542" y="10595580"/>
+            <a:ext cx="10705060" cy="9535775"/>
+          </a:xfrm>
+          <a:prstGeom prst="rect">
+            <a:avLst/>
+          </a:prstGeom>
+          <a:noFill/>
+          <a:ln w="25400">
+            <a:solidFill>
+              <a:schemeClr val="tx1"/>
+            </a:solidFill>
+          </a:ln>
+        </p:spPr>
+        <p:style>
+          <a:lnRef idx="2">
+            <a:schemeClr val="accent1">
+              <a:shade val="50000"/>
+            </a:schemeClr>
+          </a:lnRef>
+          <a:fillRef idx="1">
+            <a:schemeClr val="accent1"/>
+          </a:fillRef>
+          <a:effectRef idx="0">
+            <a:schemeClr val="accent1"/>
+          </a:effectRef>
+          <a:fontRef idx="minor">
+            <a:schemeClr val="lt1"/>
+          </a:fontRef>
+        </p:style>
+        <p:txBody>
+          <a:bodyPr rtlCol="0" anchor="ctr"/>
+          <a:lstStyle/>
+          <a:p>
+            <a:pPr algn="ctr"/>
+            <a:endParaRPr lang="en-SG" sz="3401" dirty="0"/>
+          </a:p>
+        </p:txBody>
+      </p:sp>
+      <p:sp>
+        <p:nvSpPr>
+          <p:cNvPr id="156" name="TextBox 155">
+            <a:extLst>
+              <a:ext uri="{FF2B5EF4-FFF2-40B4-BE49-F238E27FC236}">
+                <a16:creationId xmlns:a16="http://schemas.microsoft.com/office/drawing/2014/main" id="{57AE94C2-A5BB-4C1C-BFFB-ED30ADEC606A}"/>
+              </a:ext>
+            </a:extLst>
+          </p:cNvPr>
+          <p:cNvSpPr txBox="1"/>
+          <p:nvPr/>
+        </p:nvSpPr>
+        <p:spPr>
+          <a:xfrm>
+            <a:off x="10462517" y="10799762"/>
+            <a:ext cx="1241110" cy="461665"/>
+          </a:xfrm>
+          <a:prstGeom prst="rect">
+            <a:avLst/>
+          </a:prstGeom>
+          <a:noFill/>
+        </p:spPr>
+        <p:txBody>
+          <a:bodyPr wrap="square" rtlCol="0">
+            <a:spAutoFit/>
+          </a:bodyPr>
+          <a:lstStyle/>
+          <a:p>
+            <a:r>
+              <a:rPr lang="en-SG" sz="2400" dirty="0"/>
+              <a:t>Profile</a:t>
+            </a:r>
+          </a:p>
+        </p:txBody>
+      </p:sp>
+      <p:sp>
+        <p:nvSpPr>
+          <p:cNvPr id="158" name="Rectangle 157">
+            <a:extLst>
+              <a:ext uri="{FF2B5EF4-FFF2-40B4-BE49-F238E27FC236}">
+                <a16:creationId xmlns:a16="http://schemas.microsoft.com/office/drawing/2014/main" id="{66ED75CF-217E-4D13-B9F9-76DB5567C9E6}"/>
+              </a:ext>
+            </a:extLst>
+          </p:cNvPr>
+          <p:cNvSpPr/>
+          <p:nvPr/>
+        </p:nvSpPr>
+        <p:spPr>
+          <a:xfrm>
+            <a:off x="17028551" y="10607775"/>
+            <a:ext cx="1854000" cy="957021"/>
+          </a:xfrm>
+          <a:prstGeom prst="rect">
+            <a:avLst/>
+          </a:prstGeom>
+          <a:noFill/>
+          <a:ln w="25400">
+            <a:solidFill>
+              <a:schemeClr val="tx1"/>
+            </a:solidFill>
+          </a:ln>
+        </p:spPr>
+        <p:style>
+          <a:lnRef idx="2">
+            <a:schemeClr val="accent1">
+              <a:shade val="50000"/>
+            </a:schemeClr>
+          </a:lnRef>
+          <a:fillRef idx="1">
+            <a:schemeClr val="accent1"/>
+          </a:fillRef>
+          <a:effectRef idx="0">
+            <a:schemeClr val="accent1"/>
+          </a:effectRef>
+          <a:fontRef idx="minor">
+            <a:schemeClr val="lt1"/>
+          </a:fontRef>
+        </p:style>
+        <p:txBody>
+          <a:bodyPr rtlCol="0" anchor="ctr"/>
+          <a:lstStyle/>
+          <a:p>
+            <a:pPr algn="ctr"/>
+            <a:endParaRPr lang="en-SG" sz="3401" dirty="0"/>
+          </a:p>
+        </p:txBody>
+      </p:sp>
+      <p:sp>
+        <p:nvSpPr>
+          <p:cNvPr id="159" name="TextBox 158">
+            <a:extLst>
+              <a:ext uri="{FF2B5EF4-FFF2-40B4-BE49-F238E27FC236}">
+                <a16:creationId xmlns:a16="http://schemas.microsoft.com/office/drawing/2014/main" id="{E727626F-E46B-4219-88C2-593136188368}"/>
+              </a:ext>
+            </a:extLst>
+          </p:cNvPr>
+          <p:cNvSpPr txBox="1"/>
+          <p:nvPr/>
+        </p:nvSpPr>
+        <p:spPr>
+          <a:xfrm>
+            <a:off x="17633537" y="10624620"/>
+            <a:ext cx="1444331" cy="461665"/>
+          </a:xfrm>
+          <a:prstGeom prst="rect">
+            <a:avLst/>
+          </a:prstGeom>
+          <a:noFill/>
+        </p:spPr>
+        <p:txBody>
+          <a:bodyPr wrap="square" rtlCol="0">
+            <a:spAutoFit/>
+          </a:bodyPr>
+          <a:lstStyle/>
+          <a:p>
+            <a:r>
+              <a:rPr lang="en-SG" sz="2400" dirty="0"/>
+              <a:t>UI</a:t>
+            </a:r>
+          </a:p>
+        </p:txBody>
+      </p:sp>
+      <p:cxnSp>
+        <p:nvCxnSpPr>
+          <p:cNvPr id="166" name="Connector: Elbow 165">
+            <a:extLst>
+              <a:ext uri="{FF2B5EF4-FFF2-40B4-BE49-F238E27FC236}">
+                <a16:creationId xmlns:a16="http://schemas.microsoft.com/office/drawing/2014/main" id="{A1EFD27F-838E-4C17-98D6-7802369D972C}"/>
+              </a:ext>
+            </a:extLst>
+          </p:cNvPr>
+          <p:cNvCxnSpPr>
+            <a:cxnSpLocks/>
+            <a:endCxn id="167" idx="3"/>
+          </p:cNvCxnSpPr>
+          <p:nvPr/>
+        </p:nvCxnSpPr>
+        <p:spPr>
+          <a:xfrm rot="10800000" flipV="1">
+            <a:off x="13457763" y="10825033"/>
+            <a:ext cx="3508064" cy="2782222"/>
+          </a:xfrm>
+          <a:prstGeom prst="bentConnector3">
+            <a:avLst>
+              <a:gd name="adj1" fmla="val 65205"/>
+            </a:avLst>
+          </a:prstGeom>
+          <a:ln>
+            <a:solidFill>
+              <a:schemeClr val="tx1"/>
+            </a:solidFill>
+            <a:headEnd type="diamond"/>
+            <a:tailEnd type="triangle"/>
+          </a:ln>
+        </p:spPr>
+        <p:style>
+          <a:lnRef idx="1">
+            <a:schemeClr val="accent1"/>
+          </a:lnRef>
+          <a:fillRef idx="0">
+            <a:schemeClr val="accent1"/>
+          </a:fillRef>
+          <a:effectRef idx="0">
+            <a:schemeClr val="accent1"/>
+          </a:effectRef>
+          <a:fontRef idx="minor">
+            <a:schemeClr val="tx1"/>
+          </a:fontRef>
+        </p:style>
+      </p:cxnSp>
+      <p:sp>
+        <p:nvSpPr>
+          <p:cNvPr id="167" name="Rectangle 166">
+            <a:extLst>
+              <a:ext uri="{FF2B5EF4-FFF2-40B4-BE49-F238E27FC236}">
+                <a16:creationId xmlns:a16="http://schemas.microsoft.com/office/drawing/2014/main" id="{56820A38-B05A-47FF-B3C9-FBB9C39155BC}"/>
+              </a:ext>
+            </a:extLst>
+          </p:cNvPr>
+          <p:cNvSpPr/>
+          <p:nvPr/>
+        </p:nvSpPr>
+        <p:spPr>
+          <a:xfrm>
+            <a:off x="12040024" y="13440045"/>
+            <a:ext cx="1417739" cy="334419"/>
+          </a:xfrm>
+          <a:prstGeom prst="rect">
+            <a:avLst/>
+          </a:prstGeom>
+        </p:spPr>
+        <p:style>
+          <a:lnRef idx="2">
+            <a:schemeClr val="accent6">
+              <a:shade val="50000"/>
+            </a:schemeClr>
+          </a:lnRef>
+          <a:fillRef idx="1">
+            <a:schemeClr val="accent6"/>
+          </a:fillRef>
+          <a:effectRef idx="0">
+            <a:schemeClr val="accent6"/>
+          </a:effectRef>
+          <a:fontRef idx="minor">
+            <a:schemeClr val="lt1"/>
+          </a:fontRef>
+        </p:style>
+        <p:txBody>
+          <a:bodyPr rtlCol="0" anchor="ctr"/>
+          <a:lstStyle/>
+          <a:p>
+            <a:pPr algn="ctr"/>
+            <a:r>
+              <a:rPr lang="en-SG" sz="1400" dirty="0"/>
+              <a:t>StaffProfilePanel</a:t>
+            </a:r>
+          </a:p>
+        </p:txBody>
+      </p:sp>
+      <p:sp>
+        <p:nvSpPr>
+          <p:cNvPr id="168" name="Rectangle 167">
+            <a:extLst>
+              <a:ext uri="{FF2B5EF4-FFF2-40B4-BE49-F238E27FC236}">
+                <a16:creationId xmlns:a16="http://schemas.microsoft.com/office/drawing/2014/main" id="{01C5DF73-E093-4E19-AD5A-C4E06FEE8ED8}"/>
+              </a:ext>
+            </a:extLst>
+          </p:cNvPr>
+          <p:cNvSpPr/>
+          <p:nvPr/>
+        </p:nvSpPr>
+        <p:spPr>
+          <a:xfrm>
+            <a:off x="11717715" y="18504726"/>
+            <a:ext cx="1740048" cy="334419"/>
+          </a:xfrm>
+          <a:prstGeom prst="rect">
+            <a:avLst/>
+          </a:prstGeom>
+        </p:spPr>
+        <p:style>
+          <a:lnRef idx="2">
+            <a:schemeClr val="accent6">
+              <a:shade val="50000"/>
+            </a:schemeClr>
+          </a:lnRef>
+          <a:fillRef idx="1">
+            <a:schemeClr val="accent6"/>
+          </a:fillRef>
+          <a:effectRef idx="0">
+            <a:schemeClr val="accent6"/>
+          </a:effectRef>
+          <a:fontRef idx="minor">
+            <a:schemeClr val="lt1"/>
+          </a:fontRef>
+        </p:style>
+        <p:txBody>
+          <a:bodyPr rtlCol="0" anchor="ctr"/>
+          <a:lstStyle/>
+          <a:p>
+            <a:pPr algn="ctr"/>
+            <a:r>
+              <a:rPr lang="en-SG" sz="1400" dirty="0"/>
+              <a:t>ApplicantProfilePanel</a:t>
+            </a:r>
+          </a:p>
+        </p:txBody>
+      </p:sp>
+      <p:sp>
+        <p:nvSpPr>
+          <p:cNvPr id="171" name="Rectangle 170">
+            <a:extLst>
+              <a:ext uri="{FF2B5EF4-FFF2-40B4-BE49-F238E27FC236}">
+                <a16:creationId xmlns:a16="http://schemas.microsoft.com/office/drawing/2014/main" id="{C073A055-E7E8-4532-A055-E2D611409D95}"/>
+              </a:ext>
+            </a:extLst>
+          </p:cNvPr>
+          <p:cNvSpPr/>
+          <p:nvPr/>
+        </p:nvSpPr>
+        <p:spPr>
+          <a:xfrm>
+            <a:off x="7666772" y="11564796"/>
+            <a:ext cx="6010899" cy="3260951"/>
+          </a:xfrm>
+          <a:prstGeom prst="rect">
+            <a:avLst/>
+          </a:prstGeom>
+          <a:noFill/>
+          <a:ln w="25400">
+            <a:solidFill>
+              <a:schemeClr val="tx1"/>
+            </a:solidFill>
+          </a:ln>
+        </p:spPr>
+        <p:style>
+          <a:lnRef idx="2">
+            <a:schemeClr val="accent1">
+              <a:shade val="50000"/>
+            </a:schemeClr>
+          </a:lnRef>
+          <a:fillRef idx="1">
+            <a:schemeClr val="accent1"/>
+          </a:fillRef>
+          <a:effectRef idx="0">
+            <a:schemeClr val="accent1"/>
+          </a:effectRef>
+          <a:fontRef idx="minor">
+            <a:schemeClr val="lt1"/>
+          </a:fontRef>
+        </p:style>
+        <p:txBody>
+          <a:bodyPr rtlCol="0" anchor="ctr"/>
+          <a:lstStyle/>
+          <a:p>
+            <a:pPr algn="ctr"/>
+            <a:endParaRPr lang="en-SG" sz="3401" dirty="0"/>
+          </a:p>
+        </p:txBody>
+      </p:sp>
+      <p:sp>
+        <p:nvSpPr>
+          <p:cNvPr id="172" name="TextBox 171">
+            <a:extLst>
+              <a:ext uri="{FF2B5EF4-FFF2-40B4-BE49-F238E27FC236}">
+                <a16:creationId xmlns:a16="http://schemas.microsoft.com/office/drawing/2014/main" id="{F258E6CF-3745-48EF-AE17-4CD6630634DE}"/>
+              </a:ext>
+            </a:extLst>
+          </p:cNvPr>
+          <p:cNvSpPr txBox="1"/>
+          <p:nvPr/>
+        </p:nvSpPr>
+        <p:spPr>
+          <a:xfrm>
+            <a:off x="9601200" y="11636395"/>
+            <a:ext cx="1528910" cy="461665"/>
+          </a:xfrm>
+          <a:prstGeom prst="rect">
+            <a:avLst/>
+          </a:prstGeom>
+          <a:noFill/>
+        </p:spPr>
+        <p:txBody>
+          <a:bodyPr wrap="square" rtlCol="0">
+            <a:spAutoFit/>
+          </a:bodyPr>
+          <a:lstStyle/>
+          <a:p>
+            <a:r>
+              <a:rPr lang="en-SG" sz="2400" dirty="0"/>
+              <a:t>staff.view</a:t>
+            </a:r>
+          </a:p>
+        </p:txBody>
+      </p:sp>
+      <p:cxnSp>
+        <p:nvCxnSpPr>
+          <p:cNvPr id="179" name="Connector: Elbow 178">
+            <a:extLst>
+              <a:ext uri="{FF2B5EF4-FFF2-40B4-BE49-F238E27FC236}">
+                <a16:creationId xmlns:a16="http://schemas.microsoft.com/office/drawing/2014/main" id="{5B176E2E-EF36-44F8-A818-4B32B4A7822E}"/>
+              </a:ext>
+            </a:extLst>
+          </p:cNvPr>
+          <p:cNvCxnSpPr>
+            <a:cxnSpLocks/>
+            <a:endCxn id="33" idx="3"/>
+          </p:cNvCxnSpPr>
+          <p:nvPr/>
+        </p:nvCxnSpPr>
+        <p:spPr>
+          <a:xfrm rot="5400000">
+            <a:off x="10899600" y="3901027"/>
+            <a:ext cx="3658324" cy="1313709"/>
+          </a:xfrm>
+          <a:prstGeom prst="bentConnector2">
+            <a:avLst/>
+          </a:prstGeom>
+          <a:ln>
+            <a:solidFill>
+              <a:schemeClr val="tx1"/>
+            </a:solidFill>
+            <a:headEnd type="diamond"/>
+            <a:tailEnd type="triangle"/>
+          </a:ln>
+        </p:spPr>
+        <p:style>
+          <a:lnRef idx="1">
+            <a:schemeClr val="accent1"/>
+          </a:lnRef>
+          <a:fillRef idx="0">
+            <a:schemeClr val="accent1"/>
+          </a:fillRef>
+          <a:effectRef idx="0">
+            <a:schemeClr val="accent1"/>
+          </a:effectRef>
+          <a:fontRef idx="minor">
+            <a:schemeClr val="tx1"/>
+          </a:fontRef>
+        </p:style>
+      </p:cxnSp>
+      <p:sp>
+        <p:nvSpPr>
+          <p:cNvPr id="186" name="Isosceles Triangle 185">
+            <a:extLst>
+              <a:ext uri="{FF2B5EF4-FFF2-40B4-BE49-F238E27FC236}">
+                <a16:creationId xmlns:a16="http://schemas.microsoft.com/office/drawing/2014/main" id="{63A625AD-A649-4AAC-939E-0D1F27AB21C7}"/>
+              </a:ext>
+            </a:extLst>
+          </p:cNvPr>
+          <p:cNvSpPr/>
+          <p:nvPr/>
+        </p:nvSpPr>
+        <p:spPr>
+          <a:xfrm>
+            <a:off x="6610676" y="4780529"/>
+            <a:ext cx="183283" cy="179596"/>
+          </a:xfrm>
+          <a:prstGeom prst="triangle">
+            <a:avLst/>
+          </a:prstGeom>
+          <a:noFill/>
+          <a:ln>
+            <a:solidFill>
+              <a:schemeClr val="tx1"/>
+            </a:solidFill>
+          </a:ln>
+        </p:spPr>
+        <p:style>
+          <a:lnRef idx="2">
+            <a:schemeClr val="accent1">
+              <a:shade val="50000"/>
+            </a:schemeClr>
+          </a:lnRef>
+          <a:fillRef idx="1">
+            <a:schemeClr val="accent1"/>
+          </a:fillRef>
+          <a:effectRef idx="0">
+            <a:schemeClr val="accent1"/>
+          </a:effectRef>
+          <a:fontRef idx="minor">
+            <a:schemeClr val="lt1"/>
+          </a:fontRef>
+        </p:style>
+        <p:txBody>
+          <a:bodyPr rtlCol="0" anchor="ctr"/>
+          <a:lstStyle/>
+          <a:p>
+            <a:pPr algn="ctr"/>
+            <a:endParaRPr lang="en-SG" sz="3401" dirty="0"/>
+          </a:p>
+        </p:txBody>
+      </p:sp>
+      <p:cxnSp>
+        <p:nvCxnSpPr>
+          <p:cNvPr id="187" name="Connector: Elbow 186">
+            <a:extLst>
+              <a:ext uri="{FF2B5EF4-FFF2-40B4-BE49-F238E27FC236}">
+                <a16:creationId xmlns:a16="http://schemas.microsoft.com/office/drawing/2014/main" id="{6D9FFB81-6352-4D3C-98BC-5D530F7208B8}"/>
+              </a:ext>
+            </a:extLst>
+          </p:cNvPr>
+          <p:cNvCxnSpPr>
+            <a:cxnSpLocks/>
+            <a:stCxn id="186" idx="3"/>
+            <a:endCxn id="30" idx="1"/>
+          </p:cNvCxnSpPr>
+          <p:nvPr/>
+        </p:nvCxnSpPr>
+        <p:spPr>
+          <a:xfrm rot="16200000" flipH="1">
+            <a:off x="6702032" y="4960411"/>
+            <a:ext cx="1426498" cy="1425926"/>
+          </a:xfrm>
+          <a:prstGeom prst="bentConnector2">
+            <a:avLst/>
+          </a:prstGeom>
+          <a:ln>
+            <a:solidFill>
+              <a:schemeClr val="tx1"/>
+            </a:solidFill>
+          </a:ln>
+        </p:spPr>
+        <p:style>
+          <a:lnRef idx="1">
+            <a:schemeClr val="accent1"/>
+          </a:lnRef>
+          <a:fillRef idx="0">
+            <a:schemeClr val="accent1"/>
+          </a:fillRef>
+          <a:effectRef idx="0">
+            <a:schemeClr val="accent1"/>
+          </a:effectRef>
+          <a:fontRef idx="minor">
+            <a:schemeClr val="tx1"/>
+          </a:fontRef>
+        </p:style>
+      </p:cxnSp>
+      <p:sp>
+        <p:nvSpPr>
+          <p:cNvPr id="194" name="Rectangle 193">
+            <a:extLst>
+              <a:ext uri="{FF2B5EF4-FFF2-40B4-BE49-F238E27FC236}">
+                <a16:creationId xmlns:a16="http://schemas.microsoft.com/office/drawing/2014/main" id="{577B36F4-E499-42D5-A310-474427A1496F}"/>
+              </a:ext>
+            </a:extLst>
+          </p:cNvPr>
+          <p:cNvSpPr/>
+          <p:nvPr/>
+        </p:nvSpPr>
+        <p:spPr>
+          <a:xfrm>
+            <a:off x="3322425" y="13039568"/>
+            <a:ext cx="1877892" cy="1017321"/>
+          </a:xfrm>
+          <a:prstGeom prst="rect">
+            <a:avLst/>
+          </a:prstGeom>
+          <a:noFill/>
+          <a:ln w="25400">
+            <a:solidFill>
+              <a:schemeClr val="tx1"/>
+            </a:solidFill>
+          </a:ln>
+        </p:spPr>
+        <p:style>
+          <a:lnRef idx="2">
+            <a:schemeClr val="accent1">
+              <a:shade val="50000"/>
+            </a:schemeClr>
+          </a:lnRef>
+          <a:fillRef idx="1">
+            <a:schemeClr val="accent1"/>
+          </a:fillRef>
+          <a:effectRef idx="0">
+            <a:schemeClr val="accent1"/>
+          </a:effectRef>
+          <a:fontRef idx="minor">
+            <a:schemeClr val="lt1"/>
+          </a:fontRef>
+        </p:style>
+        <p:txBody>
+          <a:bodyPr rtlCol="0" anchor="ctr"/>
+          <a:lstStyle/>
+          <a:p>
+            <a:pPr algn="ctr"/>
+            <a:endParaRPr lang="en-SG" sz="3401" dirty="0"/>
+          </a:p>
+        </p:txBody>
+      </p:sp>
+      <p:sp>
+        <p:nvSpPr>
+          <p:cNvPr id="195" name="TextBox 194">
+            <a:extLst>
+              <a:ext uri="{FF2B5EF4-FFF2-40B4-BE49-F238E27FC236}">
+                <a16:creationId xmlns:a16="http://schemas.microsoft.com/office/drawing/2014/main" id="{7398F2A3-7D82-445D-8FA5-2F026EB5490F}"/>
+              </a:ext>
+            </a:extLst>
+          </p:cNvPr>
+          <p:cNvSpPr txBox="1"/>
+          <p:nvPr/>
+        </p:nvSpPr>
+        <p:spPr>
+          <a:xfrm>
+            <a:off x="3953166" y="13145589"/>
+            <a:ext cx="843417" cy="461665"/>
+          </a:xfrm>
+          <a:prstGeom prst="rect">
+            <a:avLst/>
+          </a:prstGeom>
+          <a:noFill/>
+        </p:spPr>
+        <p:txBody>
+          <a:bodyPr wrap="square" rtlCol="0">
+            <a:spAutoFit/>
+          </a:bodyPr>
+          <a:lstStyle/>
+          <a:p>
+            <a:r>
+              <a:rPr lang="en-SG" sz="2400" dirty="0"/>
+              <a:t>UI</a:t>
+            </a:r>
+          </a:p>
+        </p:txBody>
+      </p:sp>
+      <p:sp>
+        <p:nvSpPr>
+          <p:cNvPr id="197" name="Rectangle 196">
+            <a:extLst>
+              <a:ext uri="{FF2B5EF4-FFF2-40B4-BE49-F238E27FC236}">
+                <a16:creationId xmlns:a16="http://schemas.microsoft.com/office/drawing/2014/main" id="{C57AA5A2-87AD-419A-8CFB-06745026961A}"/>
+              </a:ext>
+            </a:extLst>
+          </p:cNvPr>
+          <p:cNvSpPr/>
+          <p:nvPr/>
+        </p:nvSpPr>
+        <p:spPr>
+          <a:xfrm>
+            <a:off x="9901180" y="12705149"/>
+            <a:ext cx="1797164" cy="334419"/>
+          </a:xfrm>
+          <a:prstGeom prst="rect">
+            <a:avLst/>
+          </a:prstGeom>
+        </p:spPr>
+        <p:style>
+          <a:lnRef idx="2">
+            <a:schemeClr val="accent6">
+              <a:shade val="50000"/>
+            </a:schemeClr>
+          </a:lnRef>
+          <a:fillRef idx="1">
+            <a:schemeClr val="accent6"/>
+          </a:fillRef>
+          <a:effectRef idx="0">
+            <a:schemeClr val="accent6"/>
+          </a:effectRef>
+          <a:fontRef idx="minor">
+            <a:schemeClr val="lt1"/>
+          </a:fontRef>
+        </p:style>
+        <p:txBody>
+          <a:bodyPr rtlCol="0" anchor="ctr"/>
+          <a:lstStyle/>
+          <a:p>
+            <a:pPr algn="ctr"/>
+            <a:r>
+              <a:rPr lang="en-SG" sz="1400" dirty="0"/>
+              <a:t>StaffBasicInfoDisplay</a:t>
+            </a:r>
+          </a:p>
+        </p:txBody>
+      </p:sp>
+      <p:sp>
+        <p:nvSpPr>
+          <p:cNvPr id="198" name="Rectangle 197">
+            <a:extLst>
+              <a:ext uri="{FF2B5EF4-FFF2-40B4-BE49-F238E27FC236}">
+                <a16:creationId xmlns:a16="http://schemas.microsoft.com/office/drawing/2014/main" id="{0D315475-A7E2-4253-9D76-6361C5355A1A}"/>
+              </a:ext>
+            </a:extLst>
+          </p:cNvPr>
+          <p:cNvSpPr/>
+          <p:nvPr/>
+        </p:nvSpPr>
+        <p:spPr>
+          <a:xfrm>
+            <a:off x="9901181" y="14179921"/>
+            <a:ext cx="1768388" cy="334419"/>
+          </a:xfrm>
+          <a:prstGeom prst="rect">
+            <a:avLst/>
+          </a:prstGeom>
+        </p:spPr>
+        <p:style>
+          <a:lnRef idx="2">
+            <a:schemeClr val="accent6">
+              <a:shade val="50000"/>
+            </a:schemeClr>
+          </a:lnRef>
+          <a:fillRef idx="1">
+            <a:schemeClr val="accent6"/>
+          </a:fillRef>
+          <a:effectRef idx="0">
+            <a:schemeClr val="accent6"/>
+          </a:effectRef>
+          <a:fontRef idx="minor">
+            <a:schemeClr val="lt1"/>
+          </a:fontRef>
+        </p:style>
+        <p:txBody>
+          <a:bodyPr rtlCol="0" anchor="ctr"/>
+          <a:lstStyle/>
+          <a:p>
+            <a:pPr algn="ctr"/>
+            <a:r>
+              <a:rPr lang="en-SG" sz="1400" dirty="0"/>
+              <a:t>LeaveInfoDisplay</a:t>
+            </a:r>
+          </a:p>
+        </p:txBody>
+      </p:sp>
+      <p:sp>
+        <p:nvSpPr>
+          <p:cNvPr id="199" name="Rectangle 198">
+            <a:extLst>
+              <a:ext uri="{FF2B5EF4-FFF2-40B4-BE49-F238E27FC236}">
+                <a16:creationId xmlns:a16="http://schemas.microsoft.com/office/drawing/2014/main" id="{37E89ACA-14C0-4ECF-AD47-7C390EDCEF5C}"/>
+              </a:ext>
+            </a:extLst>
+          </p:cNvPr>
+          <p:cNvSpPr/>
+          <p:nvPr/>
+        </p:nvSpPr>
+        <p:spPr>
+          <a:xfrm>
+            <a:off x="8033988" y="14179920"/>
+            <a:ext cx="1417739" cy="334419"/>
+          </a:xfrm>
+          <a:prstGeom prst="rect">
+            <a:avLst/>
+          </a:prstGeom>
+        </p:spPr>
+        <p:style>
+          <a:lnRef idx="2">
+            <a:schemeClr val="accent6">
+              <a:shade val="50000"/>
+            </a:schemeClr>
+          </a:lnRef>
+          <a:fillRef idx="1">
+            <a:schemeClr val="accent6"/>
+          </a:fillRef>
+          <a:effectRef idx="0">
+            <a:schemeClr val="accent6"/>
+          </a:effectRef>
+          <a:fontRef idx="minor">
+            <a:schemeClr val="lt1"/>
+          </a:fontRef>
+        </p:style>
+        <p:txBody>
+          <a:bodyPr rtlCol="0" anchor="ctr"/>
+          <a:lstStyle/>
+          <a:p>
+            <a:pPr algn="ctr"/>
+            <a:r>
+              <a:rPr lang="en-SG" sz="1400" dirty="0"/>
+              <a:t>LeaveInfoCard</a:t>
+            </a:r>
+          </a:p>
+        </p:txBody>
+      </p:sp>
+      <p:sp>
+        <p:nvSpPr>
+          <p:cNvPr id="227" name="Rectangle 226">
+            <a:extLst>
+              <a:ext uri="{FF2B5EF4-FFF2-40B4-BE49-F238E27FC236}">
+                <a16:creationId xmlns:a16="http://schemas.microsoft.com/office/drawing/2014/main" id="{3907DD1F-E56A-4776-850F-B9FC09B3346E}"/>
+              </a:ext>
+            </a:extLst>
+          </p:cNvPr>
+          <p:cNvSpPr/>
+          <p:nvPr/>
+        </p:nvSpPr>
+        <p:spPr>
+          <a:xfrm>
+            <a:off x="7599114" y="16596201"/>
+            <a:ext cx="6010899" cy="3260951"/>
+          </a:xfrm>
+          <a:prstGeom prst="rect">
+            <a:avLst/>
+          </a:prstGeom>
+          <a:noFill/>
+          <a:ln w="25400">
+            <a:solidFill>
+              <a:schemeClr val="tx1"/>
+            </a:solidFill>
+          </a:ln>
+        </p:spPr>
+        <p:style>
+          <a:lnRef idx="2">
+            <a:schemeClr val="accent1">
+              <a:shade val="50000"/>
+            </a:schemeClr>
+          </a:lnRef>
+          <a:fillRef idx="1">
+            <a:schemeClr val="accent1"/>
+          </a:fillRef>
+          <a:effectRef idx="0">
+            <a:schemeClr val="accent1"/>
+          </a:effectRef>
+          <a:fontRef idx="minor">
+            <a:schemeClr val="lt1"/>
+          </a:fontRef>
+        </p:style>
+        <p:txBody>
+          <a:bodyPr rtlCol="0" anchor="ctr"/>
+          <a:lstStyle/>
+          <a:p>
+            <a:pPr algn="ctr"/>
+            <a:endParaRPr lang="en-SG" sz="3401" dirty="0"/>
+          </a:p>
+        </p:txBody>
+      </p:sp>
+      <p:sp>
+        <p:nvSpPr>
+          <p:cNvPr id="228" name="TextBox 227">
+            <a:extLst>
+              <a:ext uri="{FF2B5EF4-FFF2-40B4-BE49-F238E27FC236}">
+                <a16:creationId xmlns:a16="http://schemas.microsoft.com/office/drawing/2014/main" id="{294631B8-AF2A-4BB5-84D3-01F6CBD6659F}"/>
+              </a:ext>
+            </a:extLst>
+          </p:cNvPr>
+          <p:cNvSpPr txBox="1"/>
+          <p:nvPr/>
+        </p:nvSpPr>
+        <p:spPr>
+          <a:xfrm>
+            <a:off x="9295135" y="16667800"/>
+            <a:ext cx="2037204" cy="461665"/>
+          </a:xfrm>
+          <a:prstGeom prst="rect">
+            <a:avLst/>
+          </a:prstGeom>
+          <a:noFill/>
+        </p:spPr>
+        <p:txBody>
+          <a:bodyPr wrap="square" rtlCol="0">
+            <a:spAutoFit/>
+          </a:bodyPr>
+          <a:lstStyle/>
+          <a:p>
+            <a:r>
+              <a:rPr lang="en-SG" sz="2400" dirty="0"/>
+              <a:t>applicant.view</a:t>
+            </a:r>
+          </a:p>
+        </p:txBody>
+      </p:sp>
+      <p:sp>
+        <p:nvSpPr>
+          <p:cNvPr id="229" name="Rectangle 228">
+            <a:extLst>
+              <a:ext uri="{FF2B5EF4-FFF2-40B4-BE49-F238E27FC236}">
+                <a16:creationId xmlns:a16="http://schemas.microsoft.com/office/drawing/2014/main" id="{E11DBB90-90AA-4BD4-8BDF-B0F7F67B762A}"/>
+              </a:ext>
+            </a:extLst>
+          </p:cNvPr>
+          <p:cNvSpPr/>
+          <p:nvPr/>
+        </p:nvSpPr>
+        <p:spPr>
+          <a:xfrm>
+            <a:off x="9593482" y="17736554"/>
+            <a:ext cx="2037204" cy="334419"/>
+          </a:xfrm>
+          <a:prstGeom prst="rect">
+            <a:avLst/>
+          </a:prstGeom>
+        </p:spPr>
+        <p:style>
+          <a:lnRef idx="2">
+            <a:schemeClr val="accent6">
+              <a:shade val="50000"/>
+            </a:schemeClr>
+          </a:lnRef>
+          <a:fillRef idx="1">
+            <a:schemeClr val="accent6"/>
+          </a:fillRef>
+          <a:effectRef idx="0">
+            <a:schemeClr val="accent6"/>
+          </a:effectRef>
+          <a:fontRef idx="minor">
+            <a:schemeClr val="lt1"/>
+          </a:fontRef>
+        </p:style>
+        <p:txBody>
+          <a:bodyPr rtlCol="0" anchor="ctr"/>
+          <a:lstStyle/>
+          <a:p>
+            <a:pPr algn="ctr"/>
+            <a:r>
+              <a:rPr lang="en-SG" sz="1400" dirty="0"/>
+              <a:t>ApplicantBasicInfoDisplay</a:t>
+            </a:r>
+          </a:p>
+        </p:txBody>
+      </p:sp>
+      <p:sp>
+        <p:nvSpPr>
+          <p:cNvPr id="230" name="Rectangle 229">
+            <a:extLst>
+              <a:ext uri="{FF2B5EF4-FFF2-40B4-BE49-F238E27FC236}">
+                <a16:creationId xmlns:a16="http://schemas.microsoft.com/office/drawing/2014/main" id="{458379A9-A39E-42BE-9222-337454C242C7}"/>
+              </a:ext>
+            </a:extLst>
+          </p:cNvPr>
+          <p:cNvSpPr/>
+          <p:nvPr/>
+        </p:nvSpPr>
+        <p:spPr>
+          <a:xfrm>
+            <a:off x="9601201" y="19211326"/>
+            <a:ext cx="2000710" cy="334419"/>
+          </a:xfrm>
+          <a:prstGeom prst="rect">
+            <a:avLst/>
+          </a:prstGeom>
+        </p:spPr>
+        <p:style>
+          <a:lnRef idx="2">
+            <a:schemeClr val="accent6">
+              <a:shade val="50000"/>
+            </a:schemeClr>
+          </a:lnRef>
+          <a:fillRef idx="1">
+            <a:schemeClr val="accent6"/>
+          </a:fillRef>
+          <a:effectRef idx="0">
+            <a:schemeClr val="accent6"/>
+          </a:effectRef>
+          <a:fontRef idx="minor">
+            <a:schemeClr val="lt1"/>
+          </a:fontRef>
+        </p:style>
+        <p:txBody>
+          <a:bodyPr rtlCol="0" anchor="ctr"/>
+          <a:lstStyle/>
+          <a:p>
+            <a:pPr algn="ctr"/>
+            <a:r>
+              <a:rPr lang="en-SG" sz="1400" dirty="0"/>
+              <a:t>ApplicationInfoDisplay</a:t>
+            </a:r>
+          </a:p>
+        </p:txBody>
+      </p:sp>
+      <p:cxnSp>
+        <p:nvCxnSpPr>
+          <p:cNvPr id="245" name="Connector: Elbow 244">
+            <a:extLst>
+              <a:ext uri="{FF2B5EF4-FFF2-40B4-BE49-F238E27FC236}">
+                <a16:creationId xmlns:a16="http://schemas.microsoft.com/office/drawing/2014/main" id="{CD9F867C-7850-4189-BCAC-A0337C603F54}"/>
+              </a:ext>
+            </a:extLst>
+          </p:cNvPr>
+          <p:cNvCxnSpPr>
+            <a:cxnSpLocks/>
+            <a:stCxn id="33" idx="0"/>
+          </p:cNvCxnSpPr>
+          <p:nvPr/>
+        </p:nvCxnSpPr>
+        <p:spPr>
+          <a:xfrm rot="16200000" flipV="1">
+            <a:off x="8998618" y="3855413"/>
+            <a:ext cx="68119" cy="4660722"/>
+          </a:xfrm>
+          <a:prstGeom prst="bentConnector2">
+            <a:avLst/>
+          </a:prstGeom>
+          <a:ln>
+            <a:solidFill>
+              <a:schemeClr val="tx1"/>
+            </a:solidFill>
+          </a:ln>
+        </p:spPr>
+        <p:style>
+          <a:lnRef idx="1">
+            <a:schemeClr val="accent1"/>
+          </a:lnRef>
+          <a:fillRef idx="0">
+            <a:schemeClr val="accent1"/>
+          </a:fillRef>
+          <a:effectRef idx="0">
+            <a:schemeClr val="accent1"/>
+          </a:effectRef>
+          <a:fontRef idx="minor">
+            <a:schemeClr val="tx1"/>
+          </a:fontRef>
+        </p:style>
+      </p:cxnSp>
+      <p:cxnSp>
+        <p:nvCxnSpPr>
+          <p:cNvPr id="248" name="Connector: Elbow 247">
+            <a:extLst>
+              <a:ext uri="{FF2B5EF4-FFF2-40B4-BE49-F238E27FC236}">
+                <a16:creationId xmlns:a16="http://schemas.microsoft.com/office/drawing/2014/main" id="{54B05886-9448-4FBF-B44B-760C979E3F17}"/>
+              </a:ext>
+            </a:extLst>
+          </p:cNvPr>
+          <p:cNvCxnSpPr>
+            <a:cxnSpLocks/>
+          </p:cNvCxnSpPr>
+          <p:nvPr/>
+        </p:nvCxnSpPr>
+        <p:spPr>
+          <a:xfrm rot="10800000">
+            <a:off x="8738102" y="5240310"/>
+            <a:ext cx="2905445" cy="278260"/>
+          </a:xfrm>
+          <a:prstGeom prst="bentConnector3">
+            <a:avLst>
+              <a:gd name="adj1" fmla="val 169"/>
+            </a:avLst>
+          </a:prstGeom>
+          <a:ln>
+            <a:solidFill>
+              <a:schemeClr val="tx1"/>
+            </a:solidFill>
+          </a:ln>
+        </p:spPr>
+        <p:style>
+          <a:lnRef idx="1">
+            <a:schemeClr val="accent1"/>
+          </a:lnRef>
+          <a:fillRef idx="0">
+            <a:schemeClr val="accent1"/>
+          </a:fillRef>
+          <a:effectRef idx="0">
+            <a:schemeClr val="accent1"/>
+          </a:effectRef>
+          <a:fontRef idx="minor">
+            <a:schemeClr val="tx1"/>
+          </a:fontRef>
+        </p:style>
+      </p:cxnSp>
+      <p:cxnSp>
+        <p:nvCxnSpPr>
+          <p:cNvPr id="271" name="Connector: Elbow 270">
+            <a:extLst>
+              <a:ext uri="{FF2B5EF4-FFF2-40B4-BE49-F238E27FC236}">
+                <a16:creationId xmlns:a16="http://schemas.microsoft.com/office/drawing/2014/main" id="{AC12F6FD-C0E1-4087-80A3-EE3C1054AB23}"/>
+              </a:ext>
+            </a:extLst>
+          </p:cNvPr>
+          <p:cNvCxnSpPr>
+            <a:cxnSpLocks/>
+          </p:cNvCxnSpPr>
+          <p:nvPr/>
+        </p:nvCxnSpPr>
+        <p:spPr>
+          <a:xfrm rot="16200000" flipV="1">
+            <a:off x="11939776" y="12592827"/>
+            <a:ext cx="567686" cy="1050550"/>
+          </a:xfrm>
+          <a:prstGeom prst="bentConnector2">
+            <a:avLst/>
+          </a:prstGeom>
+          <a:ln>
+            <a:solidFill>
+              <a:schemeClr val="tx1"/>
+            </a:solidFill>
+            <a:headEnd type="diamond"/>
+            <a:tailEnd type="triangle"/>
+          </a:ln>
+        </p:spPr>
+        <p:style>
+          <a:lnRef idx="1">
+            <a:schemeClr val="accent1"/>
+          </a:lnRef>
+          <a:fillRef idx="0">
+            <a:schemeClr val="accent1"/>
+          </a:fillRef>
+          <a:effectRef idx="0">
+            <a:schemeClr val="accent1"/>
+          </a:effectRef>
+          <a:fontRef idx="minor">
+            <a:schemeClr val="tx1"/>
+          </a:fontRef>
+        </p:style>
+      </p:cxnSp>
+      <p:cxnSp>
+        <p:nvCxnSpPr>
+          <p:cNvPr id="273" name="Connector: Elbow 272">
+            <a:extLst>
+              <a:ext uri="{FF2B5EF4-FFF2-40B4-BE49-F238E27FC236}">
+                <a16:creationId xmlns:a16="http://schemas.microsoft.com/office/drawing/2014/main" id="{E06B2435-81C2-4467-971F-42B86E2066D6}"/>
+              </a:ext>
+            </a:extLst>
+          </p:cNvPr>
+          <p:cNvCxnSpPr>
+            <a:cxnSpLocks/>
+          </p:cNvCxnSpPr>
+          <p:nvPr/>
+        </p:nvCxnSpPr>
+        <p:spPr>
+          <a:xfrm rot="5400000">
+            <a:off x="11922899" y="13551615"/>
+            <a:ext cx="572667" cy="1079325"/>
+          </a:xfrm>
+          <a:prstGeom prst="bentConnector2">
+            <a:avLst/>
+          </a:prstGeom>
+          <a:ln>
+            <a:solidFill>
+              <a:schemeClr val="tx1"/>
+            </a:solidFill>
+            <a:headEnd type="diamond"/>
+            <a:tailEnd type="triangle"/>
+          </a:ln>
+        </p:spPr>
+        <p:style>
+          <a:lnRef idx="1">
+            <a:schemeClr val="accent1"/>
+          </a:lnRef>
+          <a:fillRef idx="0">
+            <a:schemeClr val="accent1"/>
+          </a:fillRef>
+          <a:effectRef idx="0">
+            <a:schemeClr val="accent1"/>
+          </a:effectRef>
+          <a:fontRef idx="minor">
+            <a:schemeClr val="tx1"/>
+          </a:fontRef>
+        </p:style>
+      </p:cxnSp>
+      <p:cxnSp>
+        <p:nvCxnSpPr>
+          <p:cNvPr id="277" name="Straight Arrow Connector 276">
+            <a:extLst>
+              <a:ext uri="{FF2B5EF4-FFF2-40B4-BE49-F238E27FC236}">
+                <a16:creationId xmlns:a16="http://schemas.microsoft.com/office/drawing/2014/main" id="{E157CBB6-F994-44F0-B5D1-540B067EC122}"/>
+              </a:ext>
+            </a:extLst>
+          </p:cNvPr>
+          <p:cNvCxnSpPr>
+            <a:stCxn id="198" idx="1"/>
+            <a:endCxn id="199" idx="3"/>
+          </p:cNvCxnSpPr>
+          <p:nvPr/>
+        </p:nvCxnSpPr>
+        <p:spPr>
+          <a:xfrm flipH="1" flipV="1">
+            <a:off x="9451727" y="14347130"/>
+            <a:ext cx="449454" cy="1"/>
+          </a:xfrm>
+          <a:prstGeom prst="straightConnector1">
+            <a:avLst/>
+          </a:prstGeom>
+          <a:ln>
+            <a:solidFill>
+              <a:schemeClr val="tx1"/>
+            </a:solidFill>
+            <a:tailEnd type="triangle"/>
+          </a:ln>
+        </p:spPr>
+        <p:style>
+          <a:lnRef idx="1">
+            <a:schemeClr val="accent1"/>
+          </a:lnRef>
+          <a:fillRef idx="0">
+            <a:schemeClr val="accent1"/>
+          </a:fillRef>
+          <a:effectRef idx="0">
+            <a:schemeClr val="accent1"/>
+          </a:effectRef>
+          <a:fontRef idx="minor">
+            <a:schemeClr val="tx1"/>
+          </a:fontRef>
+        </p:style>
+      </p:cxnSp>
+      <p:sp>
+        <p:nvSpPr>
+          <p:cNvPr id="278" name="Rectangle 277">
+            <a:extLst>
+              <a:ext uri="{FF2B5EF4-FFF2-40B4-BE49-F238E27FC236}">
+                <a16:creationId xmlns:a16="http://schemas.microsoft.com/office/drawing/2014/main" id="{887A6677-3F02-4733-B0D5-E1826D3752E3}"/>
+              </a:ext>
+            </a:extLst>
+          </p:cNvPr>
+          <p:cNvSpPr/>
+          <p:nvPr/>
+        </p:nvSpPr>
+        <p:spPr>
+          <a:xfrm>
+            <a:off x="11710813" y="15591123"/>
+            <a:ext cx="1768388" cy="334419"/>
+          </a:xfrm>
+          <a:prstGeom prst="rect">
+            <a:avLst/>
+          </a:prstGeom>
+        </p:spPr>
+        <p:style>
+          <a:lnRef idx="2">
+            <a:schemeClr val="accent6">
+              <a:shade val="50000"/>
+            </a:schemeClr>
+          </a:lnRef>
+          <a:fillRef idx="1">
+            <a:schemeClr val="accent6"/>
+          </a:fillRef>
+          <a:effectRef idx="0">
+            <a:schemeClr val="accent6"/>
+          </a:effectRef>
+          <a:fontRef idx="minor">
+            <a:schemeClr val="lt1"/>
+          </a:fontRef>
+        </p:style>
+        <p:txBody>
+          <a:bodyPr rtlCol="0" anchor="ctr"/>
+          <a:lstStyle/>
+          <a:p>
+            <a:pPr algn="ctr"/>
+            <a:r>
+              <a:rPr lang="en-SG" sz="1400" dirty="0"/>
+              <a:t>CommentListPanel</a:t>
+            </a:r>
+          </a:p>
+        </p:txBody>
+      </p:sp>
+      <p:sp>
+        <p:nvSpPr>
+          <p:cNvPr id="279" name="Rectangle 278">
+            <a:extLst>
+              <a:ext uri="{FF2B5EF4-FFF2-40B4-BE49-F238E27FC236}">
+                <a16:creationId xmlns:a16="http://schemas.microsoft.com/office/drawing/2014/main" id="{48619334-C1D5-4949-A803-B351771D58E7}"/>
+              </a:ext>
+            </a:extLst>
+          </p:cNvPr>
+          <p:cNvSpPr/>
+          <p:nvPr/>
+        </p:nvSpPr>
+        <p:spPr>
+          <a:xfrm>
+            <a:off x="9343458" y="15591122"/>
+            <a:ext cx="1768388" cy="334419"/>
+          </a:xfrm>
+          <a:prstGeom prst="rect">
+            <a:avLst/>
+          </a:prstGeom>
+        </p:spPr>
+        <p:style>
+          <a:lnRef idx="2">
+            <a:schemeClr val="accent6">
+              <a:shade val="50000"/>
+            </a:schemeClr>
+          </a:lnRef>
+          <a:fillRef idx="1">
+            <a:schemeClr val="accent6"/>
+          </a:fillRef>
+          <a:effectRef idx="0">
+            <a:schemeClr val="accent6"/>
+          </a:effectRef>
+          <a:fontRef idx="minor">
+            <a:schemeClr val="lt1"/>
+          </a:fontRef>
+        </p:style>
+        <p:txBody>
+          <a:bodyPr rtlCol="0" anchor="ctr"/>
+          <a:lstStyle/>
+          <a:p>
+            <a:pPr algn="ctr"/>
+            <a:r>
+              <a:rPr lang="en-SG" sz="1400" dirty="0"/>
+              <a:t>CommentListCard</a:t>
+            </a:r>
+          </a:p>
+        </p:txBody>
+      </p:sp>
+      <p:cxnSp>
+        <p:nvCxnSpPr>
+          <p:cNvPr id="281" name="Straight Arrow Connector 280">
+            <a:extLst>
+              <a:ext uri="{FF2B5EF4-FFF2-40B4-BE49-F238E27FC236}">
+                <a16:creationId xmlns:a16="http://schemas.microsoft.com/office/drawing/2014/main" id="{1792421E-1BA0-4DD5-A6FA-F77ACE8A9A03}"/>
+              </a:ext>
+            </a:extLst>
+          </p:cNvPr>
+          <p:cNvCxnSpPr>
+            <a:cxnSpLocks/>
+          </p:cNvCxnSpPr>
+          <p:nvPr/>
+        </p:nvCxnSpPr>
+        <p:spPr>
+          <a:xfrm>
+            <a:off x="13030200" y="13804944"/>
+            <a:ext cx="0" cy="1786178"/>
+          </a:xfrm>
+          <a:prstGeom prst="straightConnector1">
+            <a:avLst/>
+          </a:prstGeom>
+          <a:ln>
+            <a:solidFill>
+              <a:schemeClr val="tx1"/>
+            </a:solidFill>
+            <a:headEnd type="diamond"/>
+            <a:tailEnd type="triangle"/>
+          </a:ln>
+        </p:spPr>
+        <p:style>
+          <a:lnRef idx="1">
+            <a:schemeClr val="accent1"/>
+          </a:lnRef>
+          <a:fillRef idx="0">
+            <a:schemeClr val="accent1"/>
+          </a:fillRef>
+          <a:effectRef idx="0">
+            <a:schemeClr val="accent1"/>
+          </a:effectRef>
+          <a:fontRef idx="minor">
+            <a:schemeClr val="tx1"/>
+          </a:fontRef>
+        </p:style>
+      </p:cxnSp>
+      <p:cxnSp>
+        <p:nvCxnSpPr>
+          <p:cNvPr id="284" name="Straight Arrow Connector 283">
+            <a:extLst>
+              <a:ext uri="{FF2B5EF4-FFF2-40B4-BE49-F238E27FC236}">
+                <a16:creationId xmlns:a16="http://schemas.microsoft.com/office/drawing/2014/main" id="{A2B566B9-F7CF-4C2B-A923-6B2D2E1D8F87}"/>
+              </a:ext>
+            </a:extLst>
+          </p:cNvPr>
+          <p:cNvCxnSpPr>
+            <a:cxnSpLocks/>
+          </p:cNvCxnSpPr>
+          <p:nvPr/>
+        </p:nvCxnSpPr>
+        <p:spPr>
+          <a:xfrm flipV="1">
+            <a:off x="13030200" y="15925541"/>
+            <a:ext cx="0" cy="2522479"/>
+          </a:xfrm>
+          <a:prstGeom prst="straightConnector1">
+            <a:avLst/>
+          </a:prstGeom>
+          <a:ln>
+            <a:solidFill>
+              <a:schemeClr val="tx1"/>
+            </a:solidFill>
+            <a:headEnd type="diamond"/>
+            <a:tailEnd type="triangle"/>
+          </a:ln>
+        </p:spPr>
+        <p:style>
+          <a:lnRef idx="1">
+            <a:schemeClr val="accent1"/>
+          </a:lnRef>
+          <a:fillRef idx="0">
+            <a:schemeClr val="accent1"/>
+          </a:fillRef>
+          <a:effectRef idx="0">
+            <a:schemeClr val="accent1"/>
+          </a:effectRef>
+          <a:fontRef idx="minor">
+            <a:schemeClr val="tx1"/>
+          </a:fontRef>
+        </p:style>
+      </p:cxnSp>
+      <p:cxnSp>
+        <p:nvCxnSpPr>
+          <p:cNvPr id="287" name="Connector: Elbow 286">
+            <a:extLst>
+              <a:ext uri="{FF2B5EF4-FFF2-40B4-BE49-F238E27FC236}">
+                <a16:creationId xmlns:a16="http://schemas.microsoft.com/office/drawing/2014/main" id="{7583531C-374D-4079-9BD5-B0B7645259E0}"/>
+              </a:ext>
+            </a:extLst>
+          </p:cNvPr>
+          <p:cNvCxnSpPr>
+            <a:cxnSpLocks/>
+          </p:cNvCxnSpPr>
+          <p:nvPr/>
+        </p:nvCxnSpPr>
+        <p:spPr>
+          <a:xfrm rot="5400000">
+            <a:off x="11860725" y="18642522"/>
+            <a:ext cx="572667" cy="1079325"/>
+          </a:xfrm>
+          <a:prstGeom prst="bentConnector2">
+            <a:avLst/>
+          </a:prstGeom>
+          <a:ln>
+            <a:solidFill>
+              <a:schemeClr val="tx1"/>
+            </a:solidFill>
+            <a:headEnd type="diamond"/>
+            <a:tailEnd type="triangle"/>
+          </a:ln>
+        </p:spPr>
+        <p:style>
+          <a:lnRef idx="1">
+            <a:schemeClr val="accent1"/>
+          </a:lnRef>
+          <a:fillRef idx="0">
+            <a:schemeClr val="accent1"/>
+          </a:fillRef>
+          <a:effectRef idx="0">
+            <a:schemeClr val="accent1"/>
+          </a:effectRef>
+          <a:fontRef idx="minor">
+            <a:schemeClr val="tx1"/>
+          </a:fontRef>
+        </p:style>
+      </p:cxnSp>
+      <p:cxnSp>
+        <p:nvCxnSpPr>
+          <p:cNvPr id="288" name="Connector: Elbow 287">
+            <a:extLst>
+              <a:ext uri="{FF2B5EF4-FFF2-40B4-BE49-F238E27FC236}">
+                <a16:creationId xmlns:a16="http://schemas.microsoft.com/office/drawing/2014/main" id="{E50E8014-20F7-4FD5-AFC4-4AE5579E1567}"/>
+              </a:ext>
+            </a:extLst>
+          </p:cNvPr>
+          <p:cNvCxnSpPr>
+            <a:cxnSpLocks/>
+          </p:cNvCxnSpPr>
+          <p:nvPr/>
+        </p:nvCxnSpPr>
+        <p:spPr>
+          <a:xfrm rot="16200000" flipV="1">
+            <a:off x="11881023" y="17641794"/>
+            <a:ext cx="567686" cy="1050550"/>
+          </a:xfrm>
+          <a:prstGeom prst="bentConnector2">
+            <a:avLst/>
+          </a:prstGeom>
+          <a:ln>
+            <a:solidFill>
+              <a:schemeClr val="tx1"/>
+            </a:solidFill>
+            <a:headEnd type="diamond"/>
+            <a:tailEnd type="triangle"/>
+          </a:ln>
+        </p:spPr>
+        <p:style>
+          <a:lnRef idx="1">
+            <a:schemeClr val="accent1"/>
+          </a:lnRef>
+          <a:fillRef idx="0">
+            <a:schemeClr val="accent1"/>
+          </a:fillRef>
+          <a:effectRef idx="0">
+            <a:schemeClr val="accent1"/>
+          </a:effectRef>
+          <a:fontRef idx="minor">
+            <a:schemeClr val="tx1"/>
+          </a:fontRef>
+        </p:style>
+      </p:cxnSp>
+      <p:sp>
+        <p:nvSpPr>
+          <p:cNvPr id="289" name="Rectangle 288">
+            <a:extLst>
+              <a:ext uri="{FF2B5EF4-FFF2-40B4-BE49-F238E27FC236}">
+                <a16:creationId xmlns:a16="http://schemas.microsoft.com/office/drawing/2014/main" id="{4F8C264A-9F16-4996-B5CB-E067E2DE4EEC}"/>
+              </a:ext>
+            </a:extLst>
+          </p:cNvPr>
+          <p:cNvSpPr/>
+          <p:nvPr/>
+        </p:nvSpPr>
+        <p:spPr>
+          <a:xfrm>
+            <a:off x="3353244" y="15934881"/>
+            <a:ext cx="1877892" cy="1017321"/>
+          </a:xfrm>
+          <a:prstGeom prst="rect">
+            <a:avLst/>
+          </a:prstGeom>
+          <a:noFill/>
+          <a:ln w="25400">
+            <a:solidFill>
+              <a:schemeClr val="tx1"/>
+            </a:solidFill>
+          </a:ln>
+        </p:spPr>
+        <p:style>
+          <a:lnRef idx="2">
+            <a:schemeClr val="accent1">
+              <a:shade val="50000"/>
+            </a:schemeClr>
+          </a:lnRef>
+          <a:fillRef idx="1">
+            <a:schemeClr val="accent1"/>
+          </a:fillRef>
+          <a:effectRef idx="0">
+            <a:schemeClr val="accent1"/>
+          </a:effectRef>
+          <a:fontRef idx="minor">
+            <a:schemeClr val="lt1"/>
+          </a:fontRef>
+        </p:style>
+        <p:txBody>
+          <a:bodyPr rtlCol="0" anchor="ctr"/>
+          <a:lstStyle/>
+          <a:p>
+            <a:pPr algn="ctr"/>
+            <a:endParaRPr lang="en-SG" sz="3401" dirty="0"/>
+          </a:p>
+        </p:txBody>
+      </p:sp>
+      <p:sp>
+        <p:nvSpPr>
+          <p:cNvPr id="290" name="TextBox 289">
+            <a:extLst>
+              <a:ext uri="{FF2B5EF4-FFF2-40B4-BE49-F238E27FC236}">
+                <a16:creationId xmlns:a16="http://schemas.microsoft.com/office/drawing/2014/main" id="{91735005-ADE0-4BAC-84A1-D3C75B4DF650}"/>
+              </a:ext>
+            </a:extLst>
+          </p:cNvPr>
+          <p:cNvSpPr txBox="1"/>
+          <p:nvPr/>
+        </p:nvSpPr>
+        <p:spPr>
+          <a:xfrm>
+            <a:off x="3657600" y="15981876"/>
+            <a:ext cx="1186081" cy="461665"/>
+          </a:xfrm>
+          <a:prstGeom prst="rect">
+            <a:avLst/>
+          </a:prstGeom>
+          <a:noFill/>
+        </p:spPr>
+        <p:txBody>
+          <a:bodyPr wrap="square" rtlCol="0">
+            <a:spAutoFit/>
+          </a:bodyPr>
+          <a:lstStyle/>
+          <a:p>
+            <a:r>
+              <a:rPr lang="en-SG" sz="2400" dirty="0"/>
+              <a:t>Model</a:t>
+            </a:r>
+          </a:p>
+        </p:txBody>
+      </p:sp>
+      <p:cxnSp>
+        <p:nvCxnSpPr>
+          <p:cNvPr id="291" name="Straight Arrow Connector 290">
+            <a:extLst>
+              <a:ext uri="{FF2B5EF4-FFF2-40B4-BE49-F238E27FC236}">
+                <a16:creationId xmlns:a16="http://schemas.microsoft.com/office/drawing/2014/main" id="{37B9520C-80F9-476D-9D07-A2CCF61BA351}"/>
+              </a:ext>
+            </a:extLst>
+          </p:cNvPr>
+          <p:cNvCxnSpPr>
+            <a:cxnSpLocks/>
+            <a:stCxn id="278" idx="1"/>
+            <a:endCxn id="279" idx="3"/>
+          </p:cNvCxnSpPr>
+          <p:nvPr/>
+        </p:nvCxnSpPr>
+        <p:spPr>
+          <a:xfrm flipH="1" flipV="1">
+            <a:off x="11111846" y="15758332"/>
+            <a:ext cx="598967" cy="1"/>
+          </a:xfrm>
+          <a:prstGeom prst="straightConnector1">
+            <a:avLst/>
+          </a:prstGeom>
+          <a:ln>
+            <a:solidFill>
+              <a:schemeClr val="tx1"/>
+            </a:solidFill>
+            <a:tailEnd type="triangle"/>
+          </a:ln>
+        </p:spPr>
+        <p:style>
+          <a:lnRef idx="1">
+            <a:schemeClr val="accent1"/>
+          </a:lnRef>
+          <a:fillRef idx="0">
+            <a:schemeClr val="accent1"/>
+          </a:fillRef>
+          <a:effectRef idx="0">
+            <a:schemeClr val="accent1"/>
+          </a:effectRef>
+          <a:fontRef idx="minor">
+            <a:schemeClr val="tx1"/>
+          </a:fontRef>
+        </p:style>
+      </p:cxnSp>
+      <p:sp>
+        <p:nvSpPr>
+          <p:cNvPr id="294" name="Isosceles Triangle 293">
+            <a:extLst>
+              <a:ext uri="{FF2B5EF4-FFF2-40B4-BE49-F238E27FC236}">
+                <a16:creationId xmlns:a16="http://schemas.microsoft.com/office/drawing/2014/main" id="{3980BCF1-5035-4CCC-90AB-5B75CB9DF04F}"/>
+              </a:ext>
+            </a:extLst>
+          </p:cNvPr>
+          <p:cNvSpPr/>
+          <p:nvPr/>
+        </p:nvSpPr>
+        <p:spPr>
+          <a:xfrm rot="16200000">
+            <a:off x="5198474" y="13205133"/>
+            <a:ext cx="183283" cy="179596"/>
+          </a:xfrm>
+          <a:prstGeom prst="triangle">
+            <a:avLst/>
+          </a:prstGeom>
+          <a:noFill/>
+          <a:ln>
+            <a:solidFill>
+              <a:schemeClr val="tx1"/>
+            </a:solidFill>
+          </a:ln>
+        </p:spPr>
+        <p:style>
+          <a:lnRef idx="2">
+            <a:schemeClr val="accent1">
+              <a:shade val="50000"/>
+            </a:schemeClr>
+          </a:lnRef>
+          <a:fillRef idx="1">
+            <a:schemeClr val="accent1"/>
+          </a:fillRef>
+          <a:effectRef idx="0">
+            <a:schemeClr val="accent1"/>
+          </a:effectRef>
+          <a:fontRef idx="minor">
+            <a:schemeClr val="lt1"/>
+          </a:fontRef>
+        </p:style>
+        <p:txBody>
+          <a:bodyPr rtlCol="0" anchor="ctr"/>
+          <a:lstStyle/>
+          <a:p>
+            <a:pPr algn="ctr"/>
+            <a:endParaRPr lang="en-SG" sz="3401" dirty="0"/>
+          </a:p>
+        </p:txBody>
+      </p:sp>
+      <p:sp>
+        <p:nvSpPr>
+          <p:cNvPr id="295" name="Isosceles Triangle 294">
+            <a:extLst>
+              <a:ext uri="{FF2B5EF4-FFF2-40B4-BE49-F238E27FC236}">
+                <a16:creationId xmlns:a16="http://schemas.microsoft.com/office/drawing/2014/main" id="{2A26D1FE-5790-4D36-AC42-DE5127DAC6A3}"/>
+              </a:ext>
+            </a:extLst>
+          </p:cNvPr>
+          <p:cNvSpPr/>
+          <p:nvPr/>
+        </p:nvSpPr>
+        <p:spPr>
+          <a:xfrm rot="16200000">
+            <a:off x="5216651" y="13517455"/>
+            <a:ext cx="183283" cy="179596"/>
+          </a:xfrm>
+          <a:prstGeom prst="triangle">
+            <a:avLst/>
+          </a:prstGeom>
+          <a:noFill/>
+          <a:ln>
+            <a:solidFill>
+              <a:schemeClr val="tx1"/>
+            </a:solidFill>
+          </a:ln>
+        </p:spPr>
+        <p:style>
+          <a:lnRef idx="2">
+            <a:schemeClr val="accent1">
+              <a:shade val="50000"/>
+            </a:schemeClr>
+          </a:lnRef>
+          <a:fillRef idx="1">
+            <a:schemeClr val="accent1"/>
+          </a:fillRef>
+          <a:effectRef idx="0">
+            <a:schemeClr val="accent1"/>
+          </a:effectRef>
+          <a:fontRef idx="minor">
+            <a:schemeClr val="lt1"/>
+          </a:fontRef>
+        </p:style>
+        <p:txBody>
+          <a:bodyPr rtlCol="0" anchor="ctr"/>
+          <a:lstStyle/>
+          <a:p>
+            <a:pPr algn="ctr"/>
+            <a:endParaRPr lang="en-SG" sz="3401" dirty="0"/>
+          </a:p>
+        </p:txBody>
+      </p:sp>
+      <p:sp>
+        <p:nvSpPr>
+          <p:cNvPr id="296" name="Isosceles Triangle 295">
+            <a:extLst>
+              <a:ext uri="{FF2B5EF4-FFF2-40B4-BE49-F238E27FC236}">
+                <a16:creationId xmlns:a16="http://schemas.microsoft.com/office/drawing/2014/main" id="{83AC5C65-1CD3-417C-9E0F-4BC594EAFCB8}"/>
+              </a:ext>
+            </a:extLst>
+          </p:cNvPr>
+          <p:cNvSpPr/>
+          <p:nvPr/>
+        </p:nvSpPr>
+        <p:spPr>
+          <a:xfrm rot="16200000">
+            <a:off x="5199119" y="13829776"/>
+            <a:ext cx="183283" cy="179596"/>
+          </a:xfrm>
+          <a:prstGeom prst="triangle">
+            <a:avLst/>
+          </a:prstGeom>
+          <a:noFill/>
+          <a:ln>
+            <a:solidFill>
+              <a:schemeClr val="tx1"/>
+            </a:solidFill>
+          </a:ln>
+        </p:spPr>
+        <p:style>
+          <a:lnRef idx="2">
+            <a:schemeClr val="accent1">
+              <a:shade val="50000"/>
+            </a:schemeClr>
+          </a:lnRef>
+          <a:fillRef idx="1">
+            <a:schemeClr val="accent1"/>
+          </a:fillRef>
+          <a:effectRef idx="0">
+            <a:schemeClr val="accent1"/>
+          </a:effectRef>
+          <a:fontRef idx="minor">
+            <a:schemeClr val="lt1"/>
+          </a:fontRef>
+        </p:style>
+        <p:txBody>
+          <a:bodyPr rtlCol="0" anchor="ctr"/>
+          <a:lstStyle/>
+          <a:p>
+            <a:pPr algn="ctr"/>
+            <a:endParaRPr lang="en-SG" sz="3401" dirty="0"/>
+          </a:p>
+        </p:txBody>
+      </p:sp>
+      <p:cxnSp>
+        <p:nvCxnSpPr>
+          <p:cNvPr id="298" name="Straight Connector 297">
+            <a:extLst>
+              <a:ext uri="{FF2B5EF4-FFF2-40B4-BE49-F238E27FC236}">
+                <a16:creationId xmlns:a16="http://schemas.microsoft.com/office/drawing/2014/main" id="{D356CE49-AFC7-44BB-BFE5-D4E48421D8D1}"/>
+              </a:ext>
+            </a:extLst>
+          </p:cNvPr>
+          <p:cNvCxnSpPr>
+            <a:stCxn id="167" idx="1"/>
+            <a:endCxn id="295" idx="3"/>
+          </p:cNvCxnSpPr>
+          <p:nvPr/>
+        </p:nvCxnSpPr>
+        <p:spPr>
+          <a:xfrm flipH="1" flipV="1">
+            <a:off x="5398091" y="13607253"/>
+            <a:ext cx="6641933" cy="2"/>
+          </a:xfrm>
+          <a:prstGeom prst="line">
+            <a:avLst/>
+          </a:prstGeom>
+          <a:ln>
+            <a:solidFill>
+              <a:schemeClr val="tx1"/>
+            </a:solidFill>
+          </a:ln>
+        </p:spPr>
+        <p:style>
+          <a:lnRef idx="1">
+            <a:schemeClr val="accent1"/>
+          </a:lnRef>
+          <a:fillRef idx="0">
+            <a:schemeClr val="accent1"/>
+          </a:fillRef>
+          <a:effectRef idx="0">
+            <a:schemeClr val="accent1"/>
+          </a:effectRef>
+          <a:fontRef idx="minor">
+            <a:schemeClr val="tx1"/>
+          </a:fontRef>
+        </p:style>
+      </p:cxnSp>
+      <p:cxnSp>
+        <p:nvCxnSpPr>
+          <p:cNvPr id="300" name="Straight Connector 299">
+            <a:extLst>
+              <a:ext uri="{FF2B5EF4-FFF2-40B4-BE49-F238E27FC236}">
+                <a16:creationId xmlns:a16="http://schemas.microsoft.com/office/drawing/2014/main" id="{B5F8F5F6-CD75-4877-B802-843DAB149028}"/>
+              </a:ext>
+            </a:extLst>
+          </p:cNvPr>
+          <p:cNvCxnSpPr>
+            <a:stCxn id="198" idx="0"/>
+          </p:cNvCxnSpPr>
+          <p:nvPr/>
+        </p:nvCxnSpPr>
+        <p:spPr>
+          <a:xfrm flipV="1">
+            <a:off x="10785375" y="13607253"/>
+            <a:ext cx="0" cy="572668"/>
+          </a:xfrm>
+          <a:prstGeom prst="line">
+            <a:avLst/>
+          </a:prstGeom>
+          <a:ln>
+            <a:solidFill>
+              <a:schemeClr val="tx1"/>
+            </a:solidFill>
+          </a:ln>
+        </p:spPr>
+        <p:style>
+          <a:lnRef idx="1">
+            <a:schemeClr val="accent1"/>
+          </a:lnRef>
+          <a:fillRef idx="0">
+            <a:schemeClr val="accent1"/>
+          </a:fillRef>
+          <a:effectRef idx="0">
+            <a:schemeClr val="accent1"/>
+          </a:effectRef>
+          <a:fontRef idx="minor">
+            <a:schemeClr val="tx1"/>
+          </a:fontRef>
+        </p:style>
+      </p:cxnSp>
+      <p:cxnSp>
+        <p:nvCxnSpPr>
+          <p:cNvPr id="301" name="Straight Connector 300">
+            <a:extLst>
+              <a:ext uri="{FF2B5EF4-FFF2-40B4-BE49-F238E27FC236}">
+                <a16:creationId xmlns:a16="http://schemas.microsoft.com/office/drawing/2014/main" id="{530105BC-1E1D-44C1-B9FF-352FEB04FCDE}"/>
+              </a:ext>
+            </a:extLst>
+          </p:cNvPr>
+          <p:cNvCxnSpPr>
+            <a:cxnSpLocks/>
+          </p:cNvCxnSpPr>
+          <p:nvPr/>
+        </p:nvCxnSpPr>
+        <p:spPr>
+          <a:xfrm flipV="1">
+            <a:off x="10989816" y="13049239"/>
+            <a:ext cx="0" cy="558013"/>
+          </a:xfrm>
+          <a:prstGeom prst="line">
+            <a:avLst/>
+          </a:prstGeom>
+          <a:ln>
+            <a:solidFill>
+              <a:schemeClr val="tx1"/>
+            </a:solidFill>
+          </a:ln>
+        </p:spPr>
+        <p:style>
+          <a:lnRef idx="1">
+            <a:schemeClr val="accent1"/>
+          </a:lnRef>
+          <a:fillRef idx="0">
+            <a:schemeClr val="accent1"/>
+          </a:fillRef>
+          <a:effectRef idx="0">
+            <a:schemeClr val="accent1"/>
+          </a:effectRef>
+          <a:fontRef idx="minor">
+            <a:schemeClr val="tx1"/>
+          </a:fontRef>
+        </p:style>
+      </p:cxnSp>
+      <p:cxnSp>
+        <p:nvCxnSpPr>
+          <p:cNvPr id="302" name="Straight Connector 301">
+            <a:extLst>
+              <a:ext uri="{FF2B5EF4-FFF2-40B4-BE49-F238E27FC236}">
+                <a16:creationId xmlns:a16="http://schemas.microsoft.com/office/drawing/2014/main" id="{627F1227-0031-441A-9C50-5F61C35C28DB}"/>
+              </a:ext>
+            </a:extLst>
+          </p:cNvPr>
+          <p:cNvCxnSpPr/>
+          <p:nvPr/>
+        </p:nvCxnSpPr>
+        <p:spPr>
+          <a:xfrm flipV="1">
+            <a:off x="8722132" y="13607252"/>
+            <a:ext cx="0" cy="572668"/>
+          </a:xfrm>
+          <a:prstGeom prst="line">
+            <a:avLst/>
+          </a:prstGeom>
+          <a:ln>
+            <a:solidFill>
+              <a:schemeClr val="tx1"/>
+            </a:solidFill>
+          </a:ln>
+        </p:spPr>
+        <p:style>
+          <a:lnRef idx="1">
+            <a:schemeClr val="accent1"/>
+          </a:lnRef>
+          <a:fillRef idx="0">
+            <a:schemeClr val="accent1"/>
+          </a:fillRef>
+          <a:effectRef idx="0">
+            <a:schemeClr val="accent1"/>
+          </a:effectRef>
+          <a:fontRef idx="minor">
+            <a:schemeClr val="tx1"/>
+          </a:fontRef>
+        </p:style>
+      </p:cxnSp>
+      <p:cxnSp>
+        <p:nvCxnSpPr>
+          <p:cNvPr id="305" name="Connector: Elbow 304">
+            <a:extLst>
+              <a:ext uri="{FF2B5EF4-FFF2-40B4-BE49-F238E27FC236}">
+                <a16:creationId xmlns:a16="http://schemas.microsoft.com/office/drawing/2014/main" id="{29C0B92C-4831-4BCB-947A-4F395A36E5C2}"/>
+              </a:ext>
+            </a:extLst>
+          </p:cNvPr>
+          <p:cNvCxnSpPr>
+            <a:stCxn id="296" idx="3"/>
+            <a:endCxn id="168" idx="1"/>
+          </p:cNvCxnSpPr>
+          <p:nvPr/>
+        </p:nvCxnSpPr>
+        <p:spPr>
+          <a:xfrm>
+            <a:off x="5380559" y="13919574"/>
+            <a:ext cx="6337156" cy="4752362"/>
+          </a:xfrm>
+          <a:prstGeom prst="bentConnector3">
+            <a:avLst>
+              <a:gd name="adj1" fmla="val 10320"/>
+            </a:avLst>
+          </a:prstGeom>
+          <a:ln>
+            <a:solidFill>
+              <a:schemeClr val="tx1"/>
+            </a:solidFill>
+          </a:ln>
+        </p:spPr>
+        <p:style>
+          <a:lnRef idx="1">
+            <a:schemeClr val="accent1"/>
+          </a:lnRef>
+          <a:fillRef idx="0">
+            <a:schemeClr val="accent1"/>
+          </a:fillRef>
+          <a:effectRef idx="0">
+            <a:schemeClr val="accent1"/>
+          </a:effectRef>
+          <a:fontRef idx="minor">
+            <a:schemeClr val="tx1"/>
+          </a:fontRef>
+        </p:style>
+      </p:cxnSp>
+      <p:cxnSp>
+        <p:nvCxnSpPr>
+          <p:cNvPr id="309" name="Connector: Elbow 308">
+            <a:extLst>
+              <a:ext uri="{FF2B5EF4-FFF2-40B4-BE49-F238E27FC236}">
+                <a16:creationId xmlns:a16="http://schemas.microsoft.com/office/drawing/2014/main" id="{582DC1EE-238E-422C-997E-56360660F71A}"/>
+              </a:ext>
+            </a:extLst>
+          </p:cNvPr>
+          <p:cNvCxnSpPr>
+            <a:cxnSpLocks/>
+            <a:endCxn id="168" idx="3"/>
+          </p:cNvCxnSpPr>
+          <p:nvPr/>
+        </p:nvCxnSpPr>
+        <p:spPr>
+          <a:xfrm rot="5400000">
+            <a:off x="12188887" y="12905271"/>
+            <a:ext cx="7035541" cy="4497788"/>
+          </a:xfrm>
+          <a:prstGeom prst="bentConnector2">
+            <a:avLst/>
+          </a:prstGeom>
+          <a:ln>
+            <a:solidFill>
+              <a:schemeClr val="tx1"/>
+            </a:solidFill>
+            <a:headEnd type="diamond"/>
+            <a:tailEnd type="triangle"/>
+          </a:ln>
+        </p:spPr>
+        <p:style>
+          <a:lnRef idx="1">
+            <a:schemeClr val="accent1"/>
+          </a:lnRef>
+          <a:fillRef idx="0">
+            <a:schemeClr val="accent1"/>
+          </a:fillRef>
+          <a:effectRef idx="0">
+            <a:schemeClr val="accent1"/>
+          </a:effectRef>
+          <a:fontRef idx="minor">
+            <a:schemeClr val="tx1"/>
+          </a:fontRef>
+        </p:style>
+      </p:cxnSp>
+      <p:cxnSp>
+        <p:nvCxnSpPr>
+          <p:cNvPr id="331" name="Straight Connector 330">
+            <a:extLst>
+              <a:ext uri="{FF2B5EF4-FFF2-40B4-BE49-F238E27FC236}">
+                <a16:creationId xmlns:a16="http://schemas.microsoft.com/office/drawing/2014/main" id="{99B80124-84B0-4DBB-9E3A-F5150DC9C0AF}"/>
+              </a:ext>
+            </a:extLst>
+          </p:cNvPr>
+          <p:cNvCxnSpPr/>
+          <p:nvPr/>
+        </p:nvCxnSpPr>
+        <p:spPr>
+          <a:xfrm flipV="1">
+            <a:off x="10828237" y="18099267"/>
+            <a:ext cx="0" cy="572668"/>
+          </a:xfrm>
+          <a:prstGeom prst="line">
+            <a:avLst/>
+          </a:prstGeom>
+          <a:ln>
+            <a:solidFill>
+              <a:schemeClr val="tx1"/>
+            </a:solidFill>
+          </a:ln>
+        </p:spPr>
+        <p:style>
+          <a:lnRef idx="1">
+            <a:schemeClr val="accent1"/>
+          </a:lnRef>
+          <a:fillRef idx="0">
+            <a:schemeClr val="accent1"/>
+          </a:fillRef>
+          <a:effectRef idx="0">
+            <a:schemeClr val="accent1"/>
+          </a:effectRef>
+          <a:fontRef idx="minor">
+            <a:schemeClr val="tx1"/>
+          </a:fontRef>
+        </p:style>
+      </p:cxnSp>
+      <p:cxnSp>
+        <p:nvCxnSpPr>
+          <p:cNvPr id="332" name="Straight Connector 331">
+            <a:extLst>
+              <a:ext uri="{FF2B5EF4-FFF2-40B4-BE49-F238E27FC236}">
+                <a16:creationId xmlns:a16="http://schemas.microsoft.com/office/drawing/2014/main" id="{7D04163F-3F69-480C-BAA0-BAC624EE3940}"/>
+              </a:ext>
+            </a:extLst>
+          </p:cNvPr>
+          <p:cNvCxnSpPr>
+            <a:cxnSpLocks/>
+          </p:cNvCxnSpPr>
+          <p:nvPr/>
+        </p:nvCxnSpPr>
+        <p:spPr>
+          <a:xfrm flipV="1">
+            <a:off x="10227652" y="18671935"/>
+            <a:ext cx="0" cy="548137"/>
+          </a:xfrm>
+          <a:prstGeom prst="line">
+            <a:avLst/>
+          </a:prstGeom>
+          <a:ln>
+            <a:solidFill>
+              <a:schemeClr val="tx1"/>
+            </a:solidFill>
+          </a:ln>
+        </p:spPr>
+        <p:style>
+          <a:lnRef idx="1">
+            <a:schemeClr val="accent1"/>
+          </a:lnRef>
+          <a:fillRef idx="0">
+            <a:schemeClr val="accent1"/>
+          </a:fillRef>
+          <a:effectRef idx="0">
+            <a:schemeClr val="accent1"/>
+          </a:effectRef>
+          <a:fontRef idx="minor">
+            <a:schemeClr val="tx1"/>
+          </a:fontRef>
+        </p:style>
+      </p:cxnSp>
+      <p:cxnSp>
+        <p:nvCxnSpPr>
+          <p:cNvPr id="335" name="Connector: Elbow 334">
+            <a:extLst>
+              <a:ext uri="{FF2B5EF4-FFF2-40B4-BE49-F238E27FC236}">
+                <a16:creationId xmlns:a16="http://schemas.microsoft.com/office/drawing/2014/main" id="{C5EC49D9-89C0-4997-A913-78C58D825FE3}"/>
+              </a:ext>
+            </a:extLst>
+          </p:cNvPr>
+          <p:cNvCxnSpPr>
+            <a:cxnSpLocks/>
+            <a:stCxn id="294" idx="3"/>
+            <a:endCxn id="279" idx="1"/>
+          </p:cNvCxnSpPr>
+          <p:nvPr/>
+        </p:nvCxnSpPr>
+        <p:spPr>
+          <a:xfrm>
+            <a:off x="5379914" y="13294931"/>
+            <a:ext cx="3963544" cy="2463401"/>
+          </a:xfrm>
+          <a:prstGeom prst="bentConnector3">
+            <a:avLst>
+              <a:gd name="adj1" fmla="val 24686"/>
+            </a:avLst>
+          </a:prstGeom>
+          <a:ln>
+            <a:solidFill>
+              <a:schemeClr val="tx1"/>
+            </a:solidFill>
+          </a:ln>
+        </p:spPr>
+        <p:style>
+          <a:lnRef idx="1">
+            <a:schemeClr val="accent1"/>
+          </a:lnRef>
+          <a:fillRef idx="0">
+            <a:schemeClr val="accent1"/>
+          </a:fillRef>
+          <a:effectRef idx="0">
+            <a:schemeClr val="accent1"/>
+          </a:effectRef>
+          <a:fontRef idx="minor">
+            <a:schemeClr val="tx1"/>
+          </a:fontRef>
+        </p:style>
+      </p:cxnSp>
+      <p:cxnSp>
+        <p:nvCxnSpPr>
+          <p:cNvPr id="341" name="Connector: Elbow 340">
+            <a:extLst>
+              <a:ext uri="{FF2B5EF4-FFF2-40B4-BE49-F238E27FC236}">
+                <a16:creationId xmlns:a16="http://schemas.microsoft.com/office/drawing/2014/main" id="{073F79B8-79AE-44EE-AA23-AEEBBEC9B8D0}"/>
+              </a:ext>
+            </a:extLst>
+          </p:cNvPr>
+          <p:cNvCxnSpPr>
+            <a:stCxn id="197" idx="1"/>
+            <a:endCxn id="289" idx="3"/>
+          </p:cNvCxnSpPr>
+          <p:nvPr/>
+        </p:nvCxnSpPr>
+        <p:spPr>
+          <a:xfrm rot="10800000" flipV="1">
+            <a:off x="5231136" y="12872358"/>
+            <a:ext cx="4670044" cy="3571183"/>
+          </a:xfrm>
+          <a:prstGeom prst="bentConnector3">
+            <a:avLst>
+              <a:gd name="adj1" fmla="val 62781"/>
+            </a:avLst>
+          </a:prstGeom>
+          <a:ln>
+            <a:solidFill>
+              <a:schemeClr val="tx1"/>
+            </a:solidFill>
+            <a:prstDash val="dash"/>
+            <a:tailEnd type="triangle"/>
+          </a:ln>
+        </p:spPr>
+        <p:style>
+          <a:lnRef idx="1">
+            <a:schemeClr val="accent1"/>
+          </a:lnRef>
+          <a:fillRef idx="0">
+            <a:schemeClr val="accent1"/>
+          </a:fillRef>
+          <a:effectRef idx="0">
+            <a:schemeClr val="accent1"/>
+          </a:effectRef>
+          <a:fontRef idx="minor">
+            <a:schemeClr val="tx1"/>
+          </a:fontRef>
+        </p:style>
+      </p:cxnSp>
+      <p:cxnSp>
+        <p:nvCxnSpPr>
+          <p:cNvPr id="346" name="Connector: Elbow 345">
+            <a:extLst>
+              <a:ext uri="{FF2B5EF4-FFF2-40B4-BE49-F238E27FC236}">
+                <a16:creationId xmlns:a16="http://schemas.microsoft.com/office/drawing/2014/main" id="{17A9A088-901E-4795-9B8A-9E5AA66862F2}"/>
+              </a:ext>
+            </a:extLst>
+          </p:cNvPr>
+          <p:cNvCxnSpPr>
+            <a:stCxn id="38" idx="2"/>
+          </p:cNvCxnSpPr>
+          <p:nvPr/>
+        </p:nvCxnSpPr>
+        <p:spPr>
+          <a:xfrm rot="5400000">
+            <a:off x="10042190" y="4541644"/>
+            <a:ext cx="67066" cy="2713331"/>
+          </a:xfrm>
+          <a:prstGeom prst="bentConnector2">
+            <a:avLst/>
+          </a:prstGeom>
+          <a:ln>
+            <a:solidFill>
+              <a:schemeClr val="tx1"/>
+            </a:solidFill>
+            <a:prstDash val="dash"/>
+          </a:ln>
+        </p:spPr>
+        <p:style>
+          <a:lnRef idx="1">
+            <a:schemeClr val="accent1"/>
+          </a:lnRef>
+          <a:fillRef idx="0">
+            <a:schemeClr val="accent1"/>
+          </a:fillRef>
+          <a:effectRef idx="0">
+            <a:schemeClr val="accent1"/>
+          </a:effectRef>
+          <a:fontRef idx="minor">
+            <a:schemeClr val="tx1"/>
+          </a:fontRef>
+        </p:style>
+      </p:cxnSp>
+      <p:cxnSp>
+        <p:nvCxnSpPr>
+          <p:cNvPr id="347" name="Connector: Elbow 346">
+            <a:extLst>
+              <a:ext uri="{FF2B5EF4-FFF2-40B4-BE49-F238E27FC236}">
+                <a16:creationId xmlns:a16="http://schemas.microsoft.com/office/drawing/2014/main" id="{F2F31A71-0D80-473A-A473-90BD11CD21D9}"/>
+              </a:ext>
+            </a:extLst>
+          </p:cNvPr>
+          <p:cNvCxnSpPr/>
+          <p:nvPr/>
+        </p:nvCxnSpPr>
+        <p:spPr>
+          <a:xfrm rot="5400000">
+            <a:off x="10128251" y="5277483"/>
+            <a:ext cx="67066" cy="2713331"/>
+          </a:xfrm>
+          <a:prstGeom prst="bentConnector2">
+            <a:avLst/>
+          </a:prstGeom>
+          <a:ln>
+            <a:solidFill>
+              <a:schemeClr val="tx1"/>
+            </a:solidFill>
+            <a:prstDash val="dash"/>
+          </a:ln>
+        </p:spPr>
+        <p:style>
+          <a:lnRef idx="1">
+            <a:schemeClr val="accent1"/>
+          </a:lnRef>
+          <a:fillRef idx="0">
+            <a:schemeClr val="accent1"/>
+          </a:fillRef>
+          <a:effectRef idx="0">
+            <a:schemeClr val="accent1"/>
+          </a:effectRef>
+          <a:fontRef idx="minor">
+            <a:schemeClr val="tx1"/>
+          </a:fontRef>
+        </p:style>
+      </p:cxnSp>
+      <p:cxnSp>
+        <p:nvCxnSpPr>
+          <p:cNvPr id="348" name="Connector: Elbow 347">
+            <a:extLst>
+              <a:ext uri="{FF2B5EF4-FFF2-40B4-BE49-F238E27FC236}">
+                <a16:creationId xmlns:a16="http://schemas.microsoft.com/office/drawing/2014/main" id="{FC860BC5-BFBB-4419-921A-5A6FF8BE79AB}"/>
+              </a:ext>
+            </a:extLst>
+          </p:cNvPr>
+          <p:cNvCxnSpPr>
+            <a:cxnSpLocks/>
+          </p:cNvCxnSpPr>
+          <p:nvPr/>
+        </p:nvCxnSpPr>
+        <p:spPr>
+          <a:xfrm rot="10800000">
+            <a:off x="6969102" y="13272834"/>
+            <a:ext cx="6262394" cy="167213"/>
+          </a:xfrm>
+          <a:prstGeom prst="bentConnector3">
+            <a:avLst>
+              <a:gd name="adj1" fmla="val 315"/>
+            </a:avLst>
+          </a:prstGeom>
+          <a:ln>
+            <a:solidFill>
+              <a:schemeClr val="tx1"/>
+            </a:solidFill>
+            <a:prstDash val="dash"/>
+          </a:ln>
+        </p:spPr>
+        <p:style>
+          <a:lnRef idx="1">
+            <a:schemeClr val="accent1"/>
+          </a:lnRef>
+          <a:fillRef idx="0">
+            <a:schemeClr val="accent1"/>
+          </a:fillRef>
+          <a:effectRef idx="0">
+            <a:schemeClr val="accent1"/>
+          </a:effectRef>
+          <a:fontRef idx="minor">
+            <a:schemeClr val="tx1"/>
+          </a:fontRef>
+        </p:style>
+      </p:cxnSp>
+      <p:cxnSp>
+        <p:nvCxnSpPr>
+          <p:cNvPr id="360" name="Connector: Elbow 359">
+            <a:extLst>
+              <a:ext uri="{FF2B5EF4-FFF2-40B4-BE49-F238E27FC236}">
+                <a16:creationId xmlns:a16="http://schemas.microsoft.com/office/drawing/2014/main" id="{342C1CF4-A639-47FE-83BD-33838B6DB3BF}"/>
+              </a:ext>
+            </a:extLst>
+          </p:cNvPr>
+          <p:cNvCxnSpPr>
+            <a:cxnSpLocks/>
+            <a:stCxn id="198" idx="2"/>
+          </p:cNvCxnSpPr>
+          <p:nvPr/>
+        </p:nvCxnSpPr>
+        <p:spPr>
+          <a:xfrm rot="5400000">
+            <a:off x="8532421" y="12951020"/>
+            <a:ext cx="689634" cy="3816274"/>
+          </a:xfrm>
+          <a:prstGeom prst="bentConnector2">
+            <a:avLst/>
+          </a:prstGeom>
+          <a:ln>
+            <a:solidFill>
+              <a:schemeClr val="tx1"/>
+            </a:solidFill>
+            <a:prstDash val="dash"/>
+          </a:ln>
+        </p:spPr>
+        <p:style>
+          <a:lnRef idx="1">
+            <a:schemeClr val="accent1"/>
+          </a:lnRef>
+          <a:fillRef idx="0">
+            <a:schemeClr val="accent1"/>
+          </a:fillRef>
+          <a:effectRef idx="0">
+            <a:schemeClr val="accent1"/>
+          </a:effectRef>
+          <a:fontRef idx="minor">
+            <a:schemeClr val="tx1"/>
+          </a:fontRef>
+        </p:style>
+      </p:cxnSp>
+      <p:cxnSp>
+        <p:nvCxnSpPr>
+          <p:cNvPr id="362" name="Connector: Elbow 361">
+            <a:extLst>
+              <a:ext uri="{FF2B5EF4-FFF2-40B4-BE49-F238E27FC236}">
+                <a16:creationId xmlns:a16="http://schemas.microsoft.com/office/drawing/2014/main" id="{2EC04B4A-E654-439E-A360-F87324A9A71C}"/>
+              </a:ext>
+            </a:extLst>
+          </p:cNvPr>
+          <p:cNvCxnSpPr>
+            <a:cxnSpLocks/>
+            <a:stCxn id="199" idx="2"/>
+          </p:cNvCxnSpPr>
+          <p:nvPr/>
+        </p:nvCxnSpPr>
+        <p:spPr>
+          <a:xfrm rot="5400000">
+            <a:off x="7591182" y="13907337"/>
+            <a:ext cx="544674" cy="1758678"/>
+          </a:xfrm>
+          <a:prstGeom prst="bentConnector2">
+            <a:avLst/>
+          </a:prstGeom>
+          <a:ln>
+            <a:solidFill>
+              <a:schemeClr val="tx1"/>
+            </a:solidFill>
+            <a:prstDash val="dash"/>
+          </a:ln>
+        </p:spPr>
+        <p:style>
+          <a:lnRef idx="1">
+            <a:schemeClr val="accent1"/>
+          </a:lnRef>
+          <a:fillRef idx="0">
+            <a:schemeClr val="accent1"/>
+          </a:fillRef>
+          <a:effectRef idx="0">
+            <a:schemeClr val="accent1"/>
+          </a:effectRef>
+          <a:fontRef idx="minor">
+            <a:schemeClr val="tx1"/>
+          </a:fontRef>
+        </p:style>
+      </p:cxnSp>
+      <p:cxnSp>
+        <p:nvCxnSpPr>
+          <p:cNvPr id="366" name="Connector: Elbow 365">
+            <a:extLst>
+              <a:ext uri="{FF2B5EF4-FFF2-40B4-BE49-F238E27FC236}">
+                <a16:creationId xmlns:a16="http://schemas.microsoft.com/office/drawing/2014/main" id="{E6498F78-9593-492A-BA73-18A8B6F9EDBA}"/>
+              </a:ext>
+            </a:extLst>
+          </p:cNvPr>
+          <p:cNvCxnSpPr>
+            <a:cxnSpLocks/>
+            <a:stCxn id="279" idx="2"/>
+          </p:cNvCxnSpPr>
+          <p:nvPr/>
+        </p:nvCxnSpPr>
+        <p:spPr>
+          <a:xfrm rot="5400000">
+            <a:off x="8510350" y="14399371"/>
+            <a:ext cx="191132" cy="3243472"/>
+          </a:xfrm>
+          <a:prstGeom prst="bentConnector2">
+            <a:avLst/>
+          </a:prstGeom>
+          <a:ln>
+            <a:solidFill>
+              <a:schemeClr val="tx1"/>
+            </a:solidFill>
+            <a:prstDash val="dash"/>
+          </a:ln>
+        </p:spPr>
+        <p:style>
+          <a:lnRef idx="1">
+            <a:schemeClr val="accent1"/>
+          </a:lnRef>
+          <a:fillRef idx="0">
+            <a:schemeClr val="accent1"/>
+          </a:fillRef>
+          <a:effectRef idx="0">
+            <a:schemeClr val="accent1"/>
+          </a:effectRef>
+          <a:fontRef idx="minor">
+            <a:schemeClr val="tx1"/>
+          </a:fontRef>
+        </p:style>
+      </p:cxnSp>
+      <p:cxnSp>
+        <p:nvCxnSpPr>
+          <p:cNvPr id="368" name="Connector: Elbow 367">
+            <a:extLst>
+              <a:ext uri="{FF2B5EF4-FFF2-40B4-BE49-F238E27FC236}">
+                <a16:creationId xmlns:a16="http://schemas.microsoft.com/office/drawing/2014/main" id="{6DBB25BE-5085-4283-A299-99B4FFE975C1}"/>
+              </a:ext>
+            </a:extLst>
+          </p:cNvPr>
+          <p:cNvCxnSpPr>
+            <a:stCxn id="278" idx="2"/>
+          </p:cNvCxnSpPr>
+          <p:nvPr/>
+        </p:nvCxnSpPr>
+        <p:spPr>
+          <a:xfrm rot="5400000">
+            <a:off x="9625895" y="13268748"/>
+            <a:ext cx="312318" cy="5625906"/>
+          </a:xfrm>
+          <a:prstGeom prst="bentConnector2">
+            <a:avLst/>
+          </a:prstGeom>
+          <a:ln>
+            <a:solidFill>
+              <a:schemeClr val="tx1"/>
+            </a:solidFill>
+            <a:prstDash val="dash"/>
+          </a:ln>
+        </p:spPr>
+        <p:style>
+          <a:lnRef idx="1">
+            <a:schemeClr val="accent1"/>
+          </a:lnRef>
+          <a:fillRef idx="0">
+            <a:schemeClr val="accent1"/>
+          </a:fillRef>
+          <a:effectRef idx="0">
+            <a:schemeClr val="accent1"/>
+          </a:effectRef>
+          <a:fontRef idx="minor">
+            <a:schemeClr val="tx1"/>
+          </a:fontRef>
+        </p:style>
+      </p:cxnSp>
+      <p:cxnSp>
+        <p:nvCxnSpPr>
+          <p:cNvPr id="375" name="Connector: Elbow 374">
+            <a:extLst>
+              <a:ext uri="{FF2B5EF4-FFF2-40B4-BE49-F238E27FC236}">
+                <a16:creationId xmlns:a16="http://schemas.microsoft.com/office/drawing/2014/main" id="{6E9E3BE8-71BB-434F-B902-8C4156EE6E9B}"/>
+              </a:ext>
+            </a:extLst>
+          </p:cNvPr>
+          <p:cNvCxnSpPr>
+            <a:stCxn id="168" idx="2"/>
+            <a:endCxn id="289" idx="2"/>
+          </p:cNvCxnSpPr>
+          <p:nvPr/>
+        </p:nvCxnSpPr>
+        <p:spPr>
+          <a:xfrm rot="5400000" flipH="1">
+            <a:off x="7496493" y="13747900"/>
+            <a:ext cx="1886943" cy="8295549"/>
+          </a:xfrm>
+          <a:prstGeom prst="bentConnector3">
+            <a:avLst>
+              <a:gd name="adj1" fmla="val -12115"/>
+            </a:avLst>
+          </a:prstGeom>
+          <a:ln>
+            <a:solidFill>
+              <a:schemeClr val="tx1"/>
+            </a:solidFill>
+            <a:prstDash val="dash"/>
+            <a:headEnd type="none"/>
+            <a:tailEnd type="triangle"/>
+          </a:ln>
+        </p:spPr>
+        <p:style>
+          <a:lnRef idx="1">
+            <a:schemeClr val="accent1"/>
+          </a:lnRef>
+          <a:fillRef idx="0">
+            <a:schemeClr val="accent1"/>
+          </a:fillRef>
+          <a:effectRef idx="0">
+            <a:schemeClr val="accent1"/>
+          </a:effectRef>
+          <a:fontRef idx="minor">
+            <a:schemeClr val="tx1"/>
+          </a:fontRef>
+        </p:style>
+      </p:cxnSp>
+      <p:cxnSp>
+        <p:nvCxnSpPr>
+          <p:cNvPr id="377" name="Connector: Elbow 376">
+            <a:extLst>
+              <a:ext uri="{FF2B5EF4-FFF2-40B4-BE49-F238E27FC236}">
+                <a16:creationId xmlns:a16="http://schemas.microsoft.com/office/drawing/2014/main" id="{4AFC6F32-95C8-440C-9977-14639238B119}"/>
+              </a:ext>
+            </a:extLst>
+          </p:cNvPr>
+          <p:cNvCxnSpPr>
+            <a:stCxn id="230" idx="1"/>
+          </p:cNvCxnSpPr>
+          <p:nvPr/>
+        </p:nvCxnSpPr>
+        <p:spPr>
+          <a:xfrm rot="10800000">
+            <a:off x="8719057" y="19378536"/>
+            <a:ext cx="882144" cy="1"/>
+          </a:xfrm>
+          <a:prstGeom prst="bentConnector3">
+            <a:avLst/>
+          </a:prstGeom>
+          <a:ln>
+            <a:solidFill>
+              <a:schemeClr val="tx1"/>
+            </a:solidFill>
+            <a:prstDash val="dash"/>
+          </a:ln>
+        </p:spPr>
+        <p:style>
+          <a:lnRef idx="1">
+            <a:schemeClr val="accent1"/>
+          </a:lnRef>
+          <a:fillRef idx="0">
+            <a:schemeClr val="accent1"/>
+          </a:fillRef>
+          <a:effectRef idx="0">
+            <a:schemeClr val="accent1"/>
+          </a:effectRef>
+          <a:fontRef idx="minor">
+            <a:schemeClr val="tx1"/>
+          </a:fontRef>
+        </p:style>
+      </p:cxnSp>
+      <p:cxnSp>
+        <p:nvCxnSpPr>
+          <p:cNvPr id="379" name="Straight Connector 378">
+            <a:extLst>
+              <a:ext uri="{FF2B5EF4-FFF2-40B4-BE49-F238E27FC236}">
+                <a16:creationId xmlns:a16="http://schemas.microsoft.com/office/drawing/2014/main" id="{5C094328-9DE5-4A24-82E6-DFE3DEA28144}"/>
+              </a:ext>
+            </a:extLst>
+          </p:cNvPr>
+          <p:cNvCxnSpPr>
+            <a:cxnSpLocks/>
+          </p:cNvCxnSpPr>
+          <p:nvPr/>
+        </p:nvCxnSpPr>
+        <p:spPr>
+          <a:xfrm flipV="1">
+            <a:off x="8719057" y="19059844"/>
+            <a:ext cx="3075" cy="318692"/>
+          </a:xfrm>
+          <a:prstGeom prst="line">
+            <a:avLst/>
+          </a:prstGeom>
+          <a:ln>
+            <a:solidFill>
+              <a:schemeClr val="tx1"/>
+            </a:solidFill>
+            <a:prstDash val="dash"/>
+          </a:ln>
+        </p:spPr>
+        <p:style>
+          <a:lnRef idx="1">
+            <a:schemeClr val="accent1"/>
+          </a:lnRef>
+          <a:fillRef idx="0">
+            <a:schemeClr val="accent1"/>
+          </a:fillRef>
+          <a:effectRef idx="0">
+            <a:schemeClr val="accent1"/>
+          </a:effectRef>
+          <a:fontRef idx="minor">
+            <a:schemeClr val="tx1"/>
+          </a:fontRef>
+        </p:style>
+      </p:cxnSp>
+      <p:cxnSp>
+        <p:nvCxnSpPr>
+          <p:cNvPr id="381" name="Straight Connector 380">
+            <a:extLst>
+              <a:ext uri="{FF2B5EF4-FFF2-40B4-BE49-F238E27FC236}">
+                <a16:creationId xmlns:a16="http://schemas.microsoft.com/office/drawing/2014/main" id="{208155C2-D5EB-4FC5-9769-9C5DC6BF28B0}"/>
+              </a:ext>
+            </a:extLst>
+          </p:cNvPr>
+          <p:cNvCxnSpPr>
+            <a:cxnSpLocks/>
+          </p:cNvCxnSpPr>
+          <p:nvPr/>
+        </p:nvCxnSpPr>
+        <p:spPr>
+          <a:xfrm flipV="1">
+            <a:off x="9782054" y="18067332"/>
+            <a:ext cx="0" cy="992512"/>
+          </a:xfrm>
+          <a:prstGeom prst="line">
+            <a:avLst/>
+          </a:prstGeom>
+          <a:ln>
+            <a:solidFill>
+              <a:schemeClr val="tx1"/>
+            </a:solidFill>
+            <a:prstDash val="dash"/>
           </a:ln>
         </p:spPr>
         <p:style>
@@ -5751,7 +8097,7 @@
 <file path=ppt/theme/theme1.xml><?xml version="1.0" encoding="utf-8"?>
 <a:theme xmlns:a="http://schemas.openxmlformats.org/drawingml/2006/main" name="Office Theme">
   <a:themeElements>
-    <a:clrScheme name="Office">
+    <a:clrScheme name="Office Theme">
       <a:dk1>
         <a:sysClr val="windowText" lastClr="000000"/>
       </a:dk1>
@@ -5789,7 +8135,7 @@
         <a:srgbClr val="954F72"/>
       </a:folHlink>
     </a:clrScheme>
-    <a:fontScheme name="Office">
+    <a:fontScheme name="Office Theme">
       <a:majorFont>
         <a:latin typeface="Calibri Light" panose="020F0302020204030204"/>
         <a:ea typeface=""/>
@@ -5824,23 +8170,6 @@
         <a:font script="Viet" typeface="Times New Roman"/>
         <a:font script="Uigh" typeface="Microsoft Uighur"/>
         <a:font script="Geor" typeface="Sylfaen"/>
-        <a:font script="Armn" typeface="Arial"/>
-        <a:font script="Bugi" typeface="Leelawadee UI"/>
-        <a:font script="Bopo" typeface="Microsoft JhengHei"/>
-        <a:font script="Java" typeface="Javanese Text"/>
-        <a:font script="Lisu" typeface="Segoe UI"/>
-        <a:font script="Mymr" typeface="Myanmar Text"/>
-        <a:font script="Nkoo" typeface="Ebrima"/>
-        <a:font script="Olck" typeface="Nirmala UI"/>
-        <a:font script="Osma" typeface="Ebrima"/>
-        <a:font script="Phag" typeface="Phagspa"/>
-        <a:font script="Syrn" typeface="Estrangelo Edessa"/>
-        <a:font script="Syrj" typeface="Estrangelo Edessa"/>
-        <a:font script="Syre" typeface="Estrangelo Edessa"/>
-        <a:font script="Sora" typeface="Nirmala UI"/>
-        <a:font script="Tale" typeface="Microsoft Tai Le"/>
-        <a:font script="Talu" typeface="Microsoft New Tai Lue"/>
-        <a:font script="Tfng" typeface="Ebrima"/>
       </a:majorFont>
       <a:minorFont>
         <a:latin typeface="Calibri" panose="020F0502020204030204"/>
@@ -5876,26 +8205,9 @@
         <a:font script="Viet" typeface="Arial"/>
         <a:font script="Uigh" typeface="Microsoft Uighur"/>
         <a:font script="Geor" typeface="Sylfaen"/>
-        <a:font script="Armn" typeface="Arial"/>
-        <a:font script="Bugi" typeface="Leelawadee UI"/>
-        <a:font script="Bopo" typeface="Microsoft JhengHei"/>
-        <a:font script="Java" typeface="Javanese Text"/>
-        <a:font script="Lisu" typeface="Segoe UI"/>
-        <a:font script="Mymr" typeface="Myanmar Text"/>
-        <a:font script="Nkoo" typeface="Ebrima"/>
-        <a:font script="Olck" typeface="Nirmala UI"/>
-        <a:font script="Osma" typeface="Ebrima"/>
-        <a:font script="Phag" typeface="Phagspa"/>
-        <a:font script="Syrn" typeface="Estrangelo Edessa"/>
-        <a:font script="Syrj" typeface="Estrangelo Edessa"/>
-        <a:font script="Syre" typeface="Estrangelo Edessa"/>
-        <a:font script="Sora" typeface="Nirmala UI"/>
-        <a:font script="Tale" typeface="Microsoft Tai Le"/>
-        <a:font script="Talu" typeface="Microsoft New Tai Lue"/>
-        <a:font script="Tfng" typeface="Ebrima"/>
       </a:minorFont>
     </a:fontScheme>
-    <a:fmtScheme name="Office">
+    <a:fmtScheme name="Office Theme">
       <a:fillStyleLst>
         <a:solidFill>
           <a:schemeClr val="phClr"/>
@@ -6044,6 +8356,21 @@
 </file>
 
 <file path=customXml/item1.xml><?xml version="1.0" encoding="utf-8"?>
+<p:properties xmlns:p="http://schemas.microsoft.com/office/2006/metadata/properties" xmlns:xsi="http://www.w3.org/2001/XMLSchema-instance" xmlns:pc="http://schemas.microsoft.com/office/infopath/2007/PartnerControls">
+  <documentManagement/>
+</p:properties>
+</file>
+
+<file path=customXml/item2.xml><?xml version="1.0" encoding="utf-8"?>
+<?mso-contentType ?>
+<FormTemplates xmlns="http://schemas.microsoft.com/sharepoint/v3/contenttype/forms">
+  <Display>DocumentLibraryForm</Display>
+  <Edit>DocumentLibraryForm</Edit>
+  <New>DocumentLibraryForm</New>
+</FormTemplates>
+</file>
+
+<file path=customXml/item3.xml><?xml version="1.0" encoding="utf-8"?>
 <ct:contentTypeSchema xmlns:ct="http://schemas.microsoft.com/office/2006/metadata/contentType" xmlns:ma="http://schemas.microsoft.com/office/2006/metadata/properties/metaAttributes" ct:_="" ma:_="" ma:contentTypeName="Document" ma:contentTypeID="0x010100AEF6ABE0723DFB4E929F6D5DD8D23511" ma:contentTypeVersion="9" ma:contentTypeDescription="Create a new document." ma:contentTypeScope="" ma:versionID="8c84e6854d694a79494cb1871a6ae49d">
   <xsd:schema xmlns:xsd="http://www.w3.org/2001/XMLSchema" xmlns:xs="http://www.w3.org/2001/XMLSchema" xmlns:p="http://schemas.microsoft.com/office/2006/metadata/properties" xmlns:ns3="213fc25c-f57f-4532-87ca-e4e3d4459366" targetNamespace="http://schemas.microsoft.com/office/2006/metadata/properties" ma:root="true" ma:fieldsID="b92f12d39a74129427361514dcb33770" ns3:_="">
     <xsd:import namespace="213fc25c-f57f-4532-87ca-e4e3d4459366"/>
@@ -6221,22 +8548,31 @@
 </ct:contentTypeSchema>
 </file>
 
-<file path=customXml/item2.xml><?xml version="1.0" encoding="utf-8"?>
-<?mso-contentType ?>
-<FormTemplates xmlns="http://schemas.microsoft.com/sharepoint/v3/contenttype/forms">
-  <Display>DocumentLibraryForm</Display>
-  <Edit>DocumentLibraryForm</Edit>
-  <New>DocumentLibraryForm</New>
-</FormTemplates>
+<file path=customXml/itemProps1.xml><?xml version="1.0" encoding="utf-8"?>
+<ds:datastoreItem xmlns:ds="http://schemas.openxmlformats.org/officeDocument/2006/customXml" ds:itemID="{1DDFB1A6-0EC2-45A3-B85C-316251983863}">
+  <ds:schemaRefs>
+    <ds:schemaRef ds:uri="http://schemas.openxmlformats.org/package/2006/metadata/core-properties"/>
+    <ds:schemaRef ds:uri="http://www.w3.org/XML/1998/namespace"/>
+    <ds:schemaRef ds:uri="http://purl.org/dc/dcmitype/"/>
+    <ds:schemaRef ds:uri="http://schemas.microsoft.com/office/2006/documentManagement/types"/>
+    <ds:schemaRef ds:uri="http://schemas.microsoft.com/office/infopath/2007/PartnerControls"/>
+    <ds:schemaRef ds:uri="http://purl.org/dc/terms/"/>
+    <ds:schemaRef ds:uri="http://schemas.microsoft.com/office/2006/metadata/properties"/>
+    <ds:schemaRef ds:uri="213fc25c-f57f-4532-87ca-e4e3d4459366"/>
+    <ds:schemaRef ds:uri="http://purl.org/dc/elements/1.1/"/>
+  </ds:schemaRefs>
+</ds:datastoreItem>
 </file>
 
-<file path=customXml/item3.xml><?xml version="1.0" encoding="utf-8"?>
-<p:properties xmlns:p="http://schemas.microsoft.com/office/2006/metadata/properties" xmlns:xsi="http://www.w3.org/2001/XMLSchema-instance" xmlns:pc="http://schemas.microsoft.com/office/infopath/2007/PartnerControls">
-  <documentManagement/>
-</p:properties>
+<file path=customXml/itemProps2.xml><?xml version="1.0" encoding="utf-8"?>
+<ds:datastoreItem xmlns:ds="http://schemas.openxmlformats.org/officeDocument/2006/customXml" ds:itemID="{139CB221-D4BC-4722-A9DE-BE264ED55B39}">
+  <ds:schemaRefs>
+    <ds:schemaRef ds:uri="http://schemas.microsoft.com/sharepoint/v3/contenttype/forms"/>
+  </ds:schemaRefs>
+</ds:datastoreItem>
 </file>
 
-<file path=customXml/itemProps1.xml><?xml version="1.0" encoding="utf-8"?>
+<file path=customXml/itemProps3.xml><?xml version="1.0" encoding="utf-8"?>
 <ds:datastoreItem xmlns:ds="http://schemas.openxmlformats.org/officeDocument/2006/customXml" ds:itemID="{DC94CA1C-EC97-4829-A806-0672FBDF7B1A}">
   <ds:schemaRefs>
     <ds:schemaRef ds:uri="http://schemas.microsoft.com/office/2006/metadata/contentType"/>
@@ -6252,28 +8588,4 @@
     <ds:schemaRef ds:uri="http://schemas.microsoft.com/internal/obd"/>
   </ds:schemaRefs>
 </ds:datastoreItem>
-</file>
-
-<file path=customXml/itemProps2.xml><?xml version="1.0" encoding="utf-8"?>
-<ds:datastoreItem xmlns:ds="http://schemas.openxmlformats.org/officeDocument/2006/customXml" ds:itemID="{139CB221-D4BC-4722-A9DE-BE264ED55B39}">
-  <ds:schemaRefs>
-    <ds:schemaRef ds:uri="http://schemas.microsoft.com/sharepoint/v3/contenttype/forms"/>
-  </ds:schemaRefs>
-</ds:datastoreItem>
-</file>
-
-<file path=customXml/itemProps3.xml><?xml version="1.0" encoding="utf-8"?>
-<ds:datastoreItem xmlns:ds="http://schemas.openxmlformats.org/officeDocument/2006/customXml" ds:itemID="{1DDFB1A6-0EC2-45A3-B85C-316251983863}">
-  <ds:schemaRefs>
-    <ds:schemaRef ds:uri="http://schemas.microsoft.com/office/infopath/2007/PartnerControls"/>
-    <ds:schemaRef ds:uri="http://www.w3.org/XML/1998/namespace"/>
-    <ds:schemaRef ds:uri="http://schemas.microsoft.com/office/2006/metadata/properties"/>
-    <ds:schemaRef ds:uri="http://purl.org/dc/terms/"/>
-    <ds:schemaRef ds:uri="http://purl.org/dc/elements/1.1/"/>
-    <ds:schemaRef ds:uri="http://purl.org/dc/dcmitype/"/>
-    <ds:schemaRef ds:uri="http://schemas.microsoft.com/office/2006/documentManagement/types"/>
-    <ds:schemaRef ds:uri="http://schemas.openxmlformats.org/package/2006/metadata/core-properties"/>
-    <ds:schemaRef ds:uri="213fc25c-f57f-4532-87ca-e4e3d4459366"/>
-  </ds:schemaRefs>
-</ds:datastoreItem>
 </file>